--- a/2024-07-17 WeAreDevelopers Berlin/ABP.pptx
+++ b/2024-07-17 WeAreDevelopers Berlin/ABP.pptx
@@ -7,21 +7,26 @@
   <p:sldIdLst>
     <p:sldId id="256" r:id="rId2"/>
     <p:sldId id="257" r:id="rId3"/>
-    <p:sldId id="258" r:id="rId4"/>
-    <p:sldId id="259" r:id="rId5"/>
-    <p:sldId id="260" r:id="rId6"/>
-    <p:sldId id="261" r:id="rId7"/>
-    <p:sldId id="262" r:id="rId8"/>
-    <p:sldId id="263" r:id="rId9"/>
-    <p:sldId id="264" r:id="rId10"/>
-    <p:sldId id="265" r:id="rId11"/>
-    <p:sldId id="266" r:id="rId12"/>
-    <p:sldId id="267" r:id="rId13"/>
-    <p:sldId id="268" r:id="rId14"/>
-    <p:sldId id="269" r:id="rId15"/>
-    <p:sldId id="270" r:id="rId16"/>
-    <p:sldId id="271" r:id="rId17"/>
-    <p:sldId id="272" r:id="rId18"/>
+    <p:sldId id="274" r:id="rId4"/>
+    <p:sldId id="258" r:id="rId5"/>
+    <p:sldId id="259" r:id="rId6"/>
+    <p:sldId id="260" r:id="rId7"/>
+    <p:sldId id="261" r:id="rId8"/>
+    <p:sldId id="273" r:id="rId9"/>
+    <p:sldId id="263" r:id="rId10"/>
+    <p:sldId id="264" r:id="rId11"/>
+    <p:sldId id="265" r:id="rId12"/>
+    <p:sldId id="266" r:id="rId13"/>
+    <p:sldId id="275" r:id="rId14"/>
+    <p:sldId id="268" r:id="rId15"/>
+    <p:sldId id="269" r:id="rId16"/>
+    <p:sldId id="270" r:id="rId17"/>
+    <p:sldId id="271" r:id="rId18"/>
+    <p:sldId id="276" r:id="rId19"/>
+    <p:sldId id="277" r:id="rId20"/>
+    <p:sldId id="278" r:id="rId21"/>
+    <p:sldId id="279" r:id="rId22"/>
+    <p:sldId id="272" r:id="rId23"/>
   </p:sldIdLst>
   <p:sldSz cx="12192000" cy="6858000"/>
   <p:notesSz cx="6858000" cy="9144000"/>
@@ -3515,15 +3520,41 @@
           <a:lstStyle/>
           <a:p>
             <a:r>
-              <a:rPr lang="en-US" b="1" dirty="0">
+              <a:rPr lang="tr-TR" dirty="0">
                 <a:solidFill>
                   <a:srgbClr val="292D33"/>
                 </a:solidFill>
                 <a:latin typeface="Euclid Circular B" panose="020B0504000000000000" pitchFamily="34" charset="0"/>
                 <a:ea typeface="Euclid Circular B" panose="020B0504000000000000" pitchFamily="34" charset="0"/>
               </a:rPr>
-              <a:t>Topic title</a:t>
-            </a:r>
+              <a:t>Why ABP?</a:t>
+            </a:r>
+            <a:br>
+              <a:rPr lang="tr-TR" dirty="0">
+                <a:solidFill>
+                  <a:srgbClr val="292D33"/>
+                </a:solidFill>
+                <a:latin typeface="Euclid Circular B" panose="020B0504000000000000" pitchFamily="34" charset="0"/>
+                <a:ea typeface="Euclid Circular B" panose="020B0504000000000000" pitchFamily="34" charset="0"/>
+              </a:rPr>
+            </a:br>
+            <a:r>
+              <a:rPr lang="tr-TR" b="1" dirty="0">
+                <a:solidFill>
+                  <a:srgbClr val="292D33"/>
+                </a:solidFill>
+                <a:latin typeface="Euclid Circular B" panose="020B0504000000000000" pitchFamily="34" charset="0"/>
+                <a:ea typeface="Euclid Circular B" panose="020B0504000000000000" pitchFamily="34" charset="0"/>
+              </a:rPr>
+              <a:t>Don’t repeat yourself!</a:t>
+            </a:r>
+            <a:endParaRPr lang="en-US" b="1" dirty="0">
+              <a:solidFill>
+                <a:srgbClr val="292D33"/>
+              </a:solidFill>
+              <a:latin typeface="Euclid Circular B" panose="020B0504000000000000" pitchFamily="34" charset="0"/>
+              <a:ea typeface="Euclid Circular B" panose="020B0504000000000000" pitchFamily="34" charset="0"/>
+            </a:endParaRPr>
           </a:p>
         </p:txBody>
       </p:sp>
@@ -3549,19 +3580,68 @@
           <a:lstStyle/>
           <a:p>
             <a:r>
-              <a:rPr lang="en-US" dirty="0">
+              <a:rPr lang="tr-TR" dirty="0">
                 <a:latin typeface="Euclid Circular B" panose="020B0504000000000000" pitchFamily="34" charset="0"/>
                 <a:ea typeface="Euclid Circular B" panose="020B0504000000000000" pitchFamily="34" charset="0"/>
               </a:rPr>
-              <a:t>Content</a:t>
-            </a:r>
+              <a:t>Authentication</a:t>
+            </a:r>
+          </a:p>
+          <a:p>
+            <a:r>
+              <a:rPr lang="tr-TR" dirty="0">
+                <a:latin typeface="Euclid Circular B" panose="020B0504000000000000" pitchFamily="34" charset="0"/>
+                <a:ea typeface="Euclid Circular B" panose="020B0504000000000000" pitchFamily="34" charset="0"/>
+              </a:rPr>
+              <a:t>Cross-cutting concerns</a:t>
+            </a:r>
+          </a:p>
+          <a:p>
+            <a:r>
+              <a:rPr lang="tr-TR" dirty="0">
+                <a:latin typeface="Euclid Circular B" panose="020B0504000000000000" pitchFamily="34" charset="0"/>
+                <a:ea typeface="Euclid Circular B" panose="020B0504000000000000" pitchFamily="34" charset="0"/>
+              </a:rPr>
+              <a:t>Architectural infrastructure</a:t>
+            </a:r>
+          </a:p>
+          <a:p>
+            <a:r>
+              <a:rPr lang="tr-TR" dirty="0">
+                <a:latin typeface="Euclid Circular B" panose="020B0504000000000000" pitchFamily="34" charset="0"/>
+                <a:ea typeface="Euclid Circular B" panose="020B0504000000000000" pitchFamily="34" charset="0"/>
+              </a:rPr>
+              <a:t>Enterprise application requirements</a:t>
+            </a:r>
+          </a:p>
+          <a:p>
+            <a:r>
+              <a:rPr lang="tr-TR" dirty="0">
+                <a:latin typeface="Euclid Circular B" panose="020B0504000000000000" pitchFamily="34" charset="0"/>
+                <a:ea typeface="Euclid Circular B" panose="020B0504000000000000" pitchFamily="34" charset="0"/>
+              </a:rPr>
+              <a:t>Tooling to automate the repeatitive work</a:t>
+            </a:r>
+          </a:p>
+          <a:p>
+            <a:r>
+              <a:rPr lang="tr-TR" dirty="0">
+                <a:latin typeface="Euclid Circular B" panose="020B0504000000000000" pitchFamily="34" charset="0"/>
+                <a:ea typeface="Euclid Circular B" panose="020B0504000000000000" pitchFamily="34" charset="0"/>
+              </a:rPr>
+              <a:t>Integrating &amp; abstracting 3-rd party libraries</a:t>
+            </a:r>
+            <a:endParaRPr lang="en-US" dirty="0">
+              <a:latin typeface="Euclid Circular B" panose="020B0504000000000000" pitchFamily="34" charset="0"/>
+              <a:ea typeface="Euclid Circular B" panose="020B0504000000000000" pitchFamily="34" charset="0"/>
+            </a:endParaRPr>
           </a:p>
         </p:txBody>
       </p:sp>
     </p:spTree>
     <p:extLst>
       <p:ext uri="{BB962C8B-B14F-4D97-AF65-F5344CB8AC3E}">
-        <p14:creationId xmlns:p14="http://schemas.microsoft.com/office/powerpoint/2010/main" val="974579523"/>
+        <p14:creationId xmlns:p14="http://schemas.microsoft.com/office/powerpoint/2010/main" val="1865268225"/>
       </p:ext>
     </p:extLst>
   </p:cSld>
@@ -3624,15 +3704,41 @@
           <a:lstStyle/>
           <a:p>
             <a:r>
-              <a:rPr lang="en-US" b="1" dirty="0">
+              <a:rPr lang="tr-TR" dirty="0">
                 <a:solidFill>
                   <a:srgbClr val="292D33"/>
                 </a:solidFill>
                 <a:latin typeface="Euclid Circular B" panose="020B0504000000000000" pitchFamily="34" charset="0"/>
                 <a:ea typeface="Euclid Circular B" panose="020B0504000000000000" pitchFamily="34" charset="0"/>
               </a:rPr>
-              <a:t>Topic title</a:t>
-            </a:r>
+              <a:t>Why ABP?</a:t>
+            </a:r>
+            <a:br>
+              <a:rPr lang="tr-TR" dirty="0">
+                <a:solidFill>
+                  <a:srgbClr val="292D33"/>
+                </a:solidFill>
+                <a:latin typeface="Euclid Circular B" panose="020B0504000000000000" pitchFamily="34" charset="0"/>
+                <a:ea typeface="Euclid Circular B" panose="020B0504000000000000" pitchFamily="34" charset="0"/>
+              </a:rPr>
+            </a:br>
+            <a:r>
+              <a:rPr lang="tr-TR" b="1" dirty="0">
+                <a:solidFill>
+                  <a:srgbClr val="292D33"/>
+                </a:solidFill>
+                <a:latin typeface="Euclid Circular B" panose="020B0504000000000000" pitchFamily="34" charset="0"/>
+                <a:ea typeface="Euclid Circular B" panose="020B0504000000000000" pitchFamily="34" charset="0"/>
+              </a:rPr>
+              <a:t>Architectural infrastructure</a:t>
+            </a:r>
+            <a:endParaRPr lang="en-US" b="1" dirty="0">
+              <a:solidFill>
+                <a:srgbClr val="292D33"/>
+              </a:solidFill>
+              <a:latin typeface="Euclid Circular B" panose="020B0504000000000000" pitchFamily="34" charset="0"/>
+              <a:ea typeface="Euclid Circular B" panose="020B0504000000000000" pitchFamily="34" charset="0"/>
+            </a:endParaRPr>
           </a:p>
         </p:txBody>
       </p:sp>
@@ -3658,19 +3764,50 @@
           <a:lstStyle/>
           <a:p>
             <a:r>
-              <a:rPr lang="en-US" dirty="0">
+              <a:rPr lang="tr-TR" dirty="0">
                 <a:latin typeface="Euclid Circular B" panose="020B0504000000000000" pitchFamily="34" charset="0"/>
                 <a:ea typeface="Euclid Circular B" panose="020B0504000000000000" pitchFamily="34" charset="0"/>
               </a:rPr>
-              <a:t>Content</a:t>
-            </a:r>
+              <a:t>Modularity</a:t>
+            </a:r>
+          </a:p>
+          <a:p>
+            <a:r>
+              <a:rPr lang="tr-TR" dirty="0">
+                <a:latin typeface="Euclid Circular B" panose="020B0504000000000000" pitchFamily="34" charset="0"/>
+                <a:ea typeface="Euclid Circular B" panose="020B0504000000000000" pitchFamily="34" charset="0"/>
+              </a:rPr>
+              <a:t>Saas / Multi-tenancy</a:t>
+            </a:r>
+          </a:p>
+          <a:p>
+            <a:r>
+              <a:rPr lang="tr-TR" dirty="0">
+                <a:latin typeface="Euclid Circular B" panose="020B0504000000000000" pitchFamily="34" charset="0"/>
+                <a:ea typeface="Euclid Circular B" panose="020B0504000000000000" pitchFamily="34" charset="0"/>
+              </a:rPr>
+              <a:t>Microservices</a:t>
+            </a:r>
+          </a:p>
+          <a:p>
+            <a:r>
+              <a:rPr lang="tr-TR" dirty="0">
+                <a:latin typeface="Euclid Circular B" panose="020B0504000000000000" pitchFamily="34" charset="0"/>
+                <a:ea typeface="Euclid Circular B" panose="020B0504000000000000" pitchFamily="34" charset="0"/>
+              </a:rPr>
+              <a:t>Having pre-built &amp; reusable modules</a:t>
+            </a:r>
+            <a:endParaRPr lang="en-US" dirty="0">
+              <a:latin typeface="Euclid Circular B" panose="020B0504000000000000" pitchFamily="34" charset="0"/>
+              <a:ea typeface="Euclid Circular B" panose="020B0504000000000000" pitchFamily="34" charset="0"/>
+            </a:endParaRPr>
           </a:p>
         </p:txBody>
       </p:sp>
     </p:spTree>
     <p:extLst>
       <p:ext uri="{BB962C8B-B14F-4D97-AF65-F5344CB8AC3E}">
-        <p14:creationId xmlns:p14="http://schemas.microsoft.com/office/powerpoint/2010/main" val="2170970726"/>
+        <p14:creationId xmlns:p14="http://schemas.microsoft.com/office/powerpoint/2010/main" val="974579523"/>
       </p:ext>
     </p:extLst>
   </p:cSld>
@@ -3733,15 +3870,41 @@
           <a:lstStyle/>
           <a:p>
             <a:r>
-              <a:rPr lang="en-US" b="1" dirty="0">
+              <a:rPr lang="tr-TR" dirty="0">
                 <a:solidFill>
                   <a:srgbClr val="292D33"/>
                 </a:solidFill>
                 <a:latin typeface="Euclid Circular B" panose="020B0504000000000000" pitchFamily="34" charset="0"/>
                 <a:ea typeface="Euclid Circular B" panose="020B0504000000000000" pitchFamily="34" charset="0"/>
               </a:rPr>
-              <a:t>Topic title</a:t>
-            </a:r>
+              <a:t>Why ABP?</a:t>
+            </a:r>
+            <a:br>
+              <a:rPr lang="tr-TR" dirty="0">
+                <a:solidFill>
+                  <a:srgbClr val="292D33"/>
+                </a:solidFill>
+                <a:latin typeface="Euclid Circular B" panose="020B0504000000000000" pitchFamily="34" charset="0"/>
+                <a:ea typeface="Euclid Circular B" panose="020B0504000000000000" pitchFamily="34" charset="0"/>
+              </a:rPr>
+            </a:br>
+            <a:r>
+              <a:rPr lang="tr-TR" b="1" dirty="0">
+                <a:solidFill>
+                  <a:srgbClr val="292D33"/>
+                </a:solidFill>
+                <a:latin typeface="Euclid Circular B" panose="020B0504000000000000" pitchFamily="34" charset="0"/>
+                <a:ea typeface="Euclid Circular B" panose="020B0504000000000000" pitchFamily="34" charset="0"/>
+              </a:rPr>
+              <a:t>The ABP Community</a:t>
+            </a:r>
+            <a:endParaRPr lang="en-US" b="1" dirty="0">
+              <a:solidFill>
+                <a:srgbClr val="292D33"/>
+              </a:solidFill>
+              <a:latin typeface="Euclid Circular B" panose="020B0504000000000000" pitchFamily="34" charset="0"/>
+              <a:ea typeface="Euclid Circular B" panose="020B0504000000000000" pitchFamily="34" charset="0"/>
+            </a:endParaRPr>
           </a:p>
         </p:txBody>
       </p:sp>
@@ -3761,25 +3924,235 @@
             <p:ph idx="1"/>
           </p:nvPr>
         </p:nvSpPr>
-        <p:spPr/>
+        <p:spPr>
+          <a:xfrm>
+            <a:off x="838200" y="1825625"/>
+            <a:ext cx="6636026" cy="4351338"/>
+          </a:xfrm>
+        </p:spPr>
         <p:txBody>
-          <a:bodyPr/>
+          <a:bodyPr>
+            <a:normAutofit lnSpcReduction="10000"/>
+          </a:bodyPr>
           <a:lstStyle/>
           <a:p>
             <a:r>
-              <a:rPr lang="en-US" dirty="0">
+              <a:rPr lang="tr-TR" dirty="0">
                 <a:latin typeface="Euclid Circular B" panose="020B0504000000000000" pitchFamily="34" charset="0"/>
                 <a:ea typeface="Euclid Circular B" panose="020B0504000000000000" pitchFamily="34" charset="0"/>
               </a:rPr>
-              <a:t>Content</a:t>
-            </a:r>
+              <a:t>GitHub</a:t>
+            </a:r>
+          </a:p>
+          <a:p>
+            <a:pPr lvl="1"/>
+            <a:r>
+              <a:rPr lang="tr-TR" b="1" dirty="0">
+                <a:latin typeface="Euclid Circular B" panose="020B0504000000000000" pitchFamily="34" charset="0"/>
+                <a:ea typeface="Euclid Circular B" panose="020B0504000000000000" pitchFamily="34" charset="0"/>
+              </a:rPr>
+              <a:t>8 years </a:t>
+            </a:r>
+            <a:r>
+              <a:rPr lang="tr-TR" dirty="0">
+                <a:latin typeface="Euclid Circular B" panose="020B0504000000000000" pitchFamily="34" charset="0"/>
+                <a:ea typeface="Euclid Circular B" panose="020B0504000000000000" pitchFamily="34" charset="0"/>
+              </a:rPr>
+              <a:t>of active development</a:t>
+            </a:r>
+          </a:p>
+          <a:p>
+            <a:pPr lvl="1"/>
+            <a:r>
+              <a:rPr lang="tr-TR" b="1" dirty="0">
+                <a:latin typeface="Euclid Circular B" panose="020B0504000000000000" pitchFamily="34" charset="0"/>
+                <a:ea typeface="Euclid Circular B" panose="020B0504000000000000" pitchFamily="34" charset="0"/>
+              </a:rPr>
+              <a:t>200+</a:t>
+            </a:r>
+            <a:r>
+              <a:rPr lang="tr-TR" dirty="0">
+                <a:latin typeface="Euclid Circular B" panose="020B0504000000000000" pitchFamily="34" charset="0"/>
+                <a:ea typeface="Euclid Circular B" panose="020B0504000000000000" pitchFamily="34" charset="0"/>
+              </a:rPr>
+              <a:t> releases</a:t>
+            </a:r>
+          </a:p>
+          <a:p>
+            <a:pPr lvl="1"/>
+            <a:r>
+              <a:rPr lang="tr-TR" b="1" dirty="0">
+                <a:latin typeface="Euclid Circular B" panose="020B0504000000000000" pitchFamily="34" charset="0"/>
+                <a:ea typeface="Euclid Circular B" panose="020B0504000000000000" pitchFamily="34" charset="0"/>
+              </a:rPr>
+              <a:t>350+</a:t>
+            </a:r>
+            <a:r>
+              <a:rPr lang="tr-TR" dirty="0">
+                <a:latin typeface="Euclid Circular B" panose="020B0504000000000000" pitchFamily="34" charset="0"/>
+                <a:ea typeface="Euclid Circular B" panose="020B0504000000000000" pitchFamily="34" charset="0"/>
+              </a:rPr>
+              <a:t> contributors</a:t>
+            </a:r>
+          </a:p>
+          <a:p>
+            <a:pPr lvl="1"/>
+            <a:r>
+              <a:rPr lang="tr-TR" b="1" dirty="0">
+                <a:latin typeface="Euclid Circular B" panose="020B0504000000000000" pitchFamily="34" charset="0"/>
+                <a:ea typeface="Euclid Circular B" panose="020B0504000000000000" pitchFamily="34" charset="0"/>
+              </a:rPr>
+              <a:t>9,000+</a:t>
+            </a:r>
+            <a:r>
+              <a:rPr lang="tr-TR" dirty="0">
+                <a:latin typeface="Euclid Circular B" panose="020B0504000000000000" pitchFamily="34" charset="0"/>
+                <a:ea typeface="Euclid Circular B" panose="020B0504000000000000" pitchFamily="34" charset="0"/>
+              </a:rPr>
+              <a:t> issues closed</a:t>
+            </a:r>
+          </a:p>
+          <a:p>
+            <a:pPr lvl="1"/>
+            <a:r>
+              <a:rPr lang="tr-TR" b="1" dirty="0">
+                <a:latin typeface="Euclid Circular B" panose="020B0504000000000000" pitchFamily="34" charset="0"/>
+                <a:ea typeface="Euclid Circular B" panose="020B0504000000000000" pitchFamily="34" charset="0"/>
+              </a:rPr>
+              <a:t>10,000+</a:t>
+            </a:r>
+            <a:r>
+              <a:rPr lang="tr-TR" dirty="0">
+                <a:latin typeface="Euclid Circular B" panose="020B0504000000000000" pitchFamily="34" charset="0"/>
+                <a:ea typeface="Euclid Circular B" panose="020B0504000000000000" pitchFamily="34" charset="0"/>
+              </a:rPr>
+              <a:t> PRs merged</a:t>
+            </a:r>
+          </a:p>
+          <a:p>
+            <a:pPr lvl="1"/>
+            <a:r>
+              <a:rPr lang="tr-TR" b="1" dirty="0">
+                <a:latin typeface="Euclid Circular B" panose="020B0504000000000000" pitchFamily="34" charset="0"/>
+                <a:ea typeface="Euclid Circular B" panose="020B0504000000000000" pitchFamily="34" charset="0"/>
+              </a:rPr>
+              <a:t>36,000+</a:t>
+            </a:r>
+            <a:r>
+              <a:rPr lang="tr-TR" dirty="0">
+                <a:latin typeface="Euclid Circular B" panose="020B0504000000000000" pitchFamily="34" charset="0"/>
+                <a:ea typeface="Euclid Circular B" panose="020B0504000000000000" pitchFamily="34" charset="0"/>
+              </a:rPr>
+              <a:t> commits</a:t>
+            </a:r>
+          </a:p>
+          <a:p>
+            <a:r>
+              <a:rPr lang="tr-TR" dirty="0">
+                <a:latin typeface="Euclid Circular B" panose="020B0504000000000000" pitchFamily="34" charset="0"/>
+                <a:ea typeface="Euclid Circular B" panose="020B0504000000000000" pitchFamily="34" charset="0"/>
+              </a:rPr>
+              <a:t>ABP Community</a:t>
+            </a:r>
+          </a:p>
+          <a:p>
+            <a:pPr lvl="1"/>
+            <a:r>
+              <a:rPr lang="tr-TR" b="1" dirty="0">
+                <a:latin typeface="Euclid Circular B" panose="020B0504000000000000" pitchFamily="34" charset="0"/>
+                <a:ea typeface="Euclid Circular B" panose="020B0504000000000000" pitchFamily="34" charset="0"/>
+              </a:rPr>
+              <a:t>200+</a:t>
+            </a:r>
+            <a:r>
+              <a:rPr lang="tr-TR" dirty="0">
+                <a:latin typeface="Euclid Circular B" panose="020B0504000000000000" pitchFamily="34" charset="0"/>
+                <a:ea typeface="Euclid Circular B" panose="020B0504000000000000" pitchFamily="34" charset="0"/>
+              </a:rPr>
+              <a:t> articles</a:t>
+            </a:r>
+          </a:p>
+          <a:p>
+            <a:pPr lvl="1"/>
+            <a:r>
+              <a:rPr lang="tr-TR" b="1" dirty="0">
+                <a:latin typeface="Euclid Circular B" panose="020B0504000000000000" pitchFamily="34" charset="0"/>
+                <a:ea typeface="Euclid Circular B" panose="020B0504000000000000" pitchFamily="34" charset="0"/>
+              </a:rPr>
+              <a:t>100+</a:t>
+            </a:r>
+            <a:r>
+              <a:rPr lang="tr-TR" dirty="0">
+                <a:latin typeface="Euclid Circular B" panose="020B0504000000000000" pitchFamily="34" charset="0"/>
+                <a:ea typeface="Euclid Circular B" panose="020B0504000000000000" pitchFamily="34" charset="0"/>
+              </a:rPr>
+              <a:t> video tutorials</a:t>
+            </a:r>
+          </a:p>
+          <a:p>
+            <a:pPr lvl="1"/>
+            <a:r>
+              <a:rPr lang="tr-TR" dirty="0">
+                <a:latin typeface="Euclid Circular B" panose="020B0504000000000000" pitchFamily="34" charset="0"/>
+                <a:ea typeface="Euclid Circular B" panose="020B0504000000000000" pitchFamily="34" charset="0"/>
+              </a:rPr>
+              <a:t>Live events, Conferences, Raffles, Discord,...</a:t>
+            </a:r>
+            <a:endParaRPr lang="en-US" dirty="0">
+              <a:latin typeface="Euclid Circular B" panose="020B0504000000000000" pitchFamily="34" charset="0"/>
+              <a:ea typeface="Euclid Circular B" panose="020B0504000000000000" pitchFamily="34" charset="0"/>
+            </a:endParaRPr>
           </a:p>
         </p:txBody>
       </p:sp>
+      <p:pic>
+        <p:nvPicPr>
+          <p:cNvPr id="5" name="Picture 4">
+            <a:extLst>
+              <a:ext uri="{FF2B5EF4-FFF2-40B4-BE49-F238E27FC236}">
+                <a16:creationId xmlns:a16="http://schemas.microsoft.com/office/drawing/2014/main" id="{70A12D4D-DFB9-A441-6443-C7626E85AA8F}"/>
+              </a:ext>
+            </a:extLst>
+          </p:cNvPr>
+          <p:cNvPicPr>
+            <a:picLocks noChangeAspect="1"/>
+          </p:cNvPicPr>
+          <p:nvPr/>
+        </p:nvPicPr>
+        <p:blipFill>
+          <a:blip r:embed="rId3"/>
+          <a:stretch>
+            <a:fillRect/>
+          </a:stretch>
+        </p:blipFill>
+        <p:spPr>
+          <a:xfrm>
+            <a:off x="7657106" y="134537"/>
+            <a:ext cx="4391082" cy="5954838"/>
+          </a:xfrm>
+          <a:prstGeom prst="rect">
+            <a:avLst/>
+          </a:prstGeom>
+          <a:ln>
+            <a:solidFill>
+              <a:schemeClr val="bg1">
+                <a:lumMod val="75000"/>
+              </a:schemeClr>
+            </a:solidFill>
+          </a:ln>
+          <a:effectLst>
+            <a:outerShdw blurRad="50800" dist="38100" dir="2700000" algn="tl" rotWithShape="0">
+              <a:prstClr val="black">
+                <a:alpha val="40000"/>
+              </a:prstClr>
+            </a:outerShdw>
+          </a:effectLst>
+        </p:spPr>
+      </p:pic>
     </p:spTree>
     <p:extLst>
       <p:ext uri="{BB962C8B-B14F-4D97-AF65-F5344CB8AC3E}">
-        <p14:creationId xmlns:p14="http://schemas.microsoft.com/office/powerpoint/2010/main" val="2038352656"/>
+        <p14:creationId xmlns:p14="http://schemas.microsoft.com/office/powerpoint/2010/main" val="2170970726"/>
       </p:ext>
     </p:extLst>
   </p:cSld>
@@ -3825,7 +4198,7 @@
           <p:cNvPr id="2" name="Title 1">
             <a:extLst>
               <a:ext uri="{FF2B5EF4-FFF2-40B4-BE49-F238E27FC236}">
-                <a16:creationId xmlns:a16="http://schemas.microsoft.com/office/drawing/2014/main" id="{55E11F08-6CA0-48F1-AD67-97430DDA07F0}"/>
+                <a16:creationId xmlns:a16="http://schemas.microsoft.com/office/drawing/2014/main" id="{9255DFBE-19DA-408D-84E6-F4043FC30BD3}"/>
               </a:ext>
             </a:extLst>
           </p:cNvPr>
@@ -3833,62 +4206,40 @@
             <a:spLocks noGrp="1"/>
           </p:cNvSpPr>
           <p:nvPr>
-            <p:ph type="title"/>
+            <p:ph type="ctrTitle"/>
           </p:nvPr>
         </p:nvSpPr>
         <p:spPr/>
         <p:txBody>
-          <a:bodyPr/>
+          <a:bodyPr>
+            <a:normAutofit/>
+          </a:bodyPr>
           <a:lstStyle/>
           <a:p>
             <a:r>
-              <a:rPr lang="en-US" b="1" dirty="0">
+              <a:rPr lang="tr-TR" sz="4000" b="1" dirty="0">
                 <a:solidFill>
                   <a:srgbClr val="292D33"/>
                 </a:solidFill>
                 <a:latin typeface="Euclid Circular B" panose="020B0504000000000000" pitchFamily="34" charset="0"/>
                 <a:ea typeface="Euclid Circular B" panose="020B0504000000000000" pitchFamily="34" charset="0"/>
               </a:rPr>
-              <a:t>Topic title</a:t>
-            </a:r>
-          </a:p>
-        </p:txBody>
-      </p:sp>
-      <p:sp>
-        <p:nvSpPr>
-          <p:cNvPr id="3" name="Content Placeholder 2">
-            <a:extLst>
-              <a:ext uri="{FF2B5EF4-FFF2-40B4-BE49-F238E27FC236}">
-                <a16:creationId xmlns:a16="http://schemas.microsoft.com/office/drawing/2014/main" id="{891C7693-D3DF-4635-96F4-97F3B4136FDF}"/>
-              </a:ext>
-            </a:extLst>
-          </p:cNvPr>
-          <p:cNvSpPr>
-            <a:spLocks noGrp="1"/>
-          </p:cNvSpPr>
-          <p:nvPr>
-            <p:ph idx="1"/>
-          </p:nvPr>
-        </p:nvSpPr>
-        <p:spPr/>
-        <p:txBody>
-          <a:bodyPr/>
-          <a:lstStyle/>
-          <a:p>
-            <a:r>
-              <a:rPr lang="en-US" dirty="0">
-                <a:latin typeface="Euclid Circular B" panose="020B0504000000000000" pitchFamily="34" charset="0"/>
-                <a:ea typeface="Euclid Circular B" panose="020B0504000000000000" pitchFamily="34" charset="0"/>
-              </a:rPr>
-              <a:t>Content</a:t>
-            </a:r>
+              <a:t>Live Coding</a:t>
+            </a:r>
+            <a:endParaRPr lang="en-US" sz="4000" b="1" dirty="0">
+              <a:solidFill>
+                <a:srgbClr val="292D33"/>
+              </a:solidFill>
+              <a:latin typeface="Euclid Circular B" panose="020B0504000000000000" pitchFamily="34" charset="0"/>
+              <a:ea typeface="Euclid Circular B" panose="020B0504000000000000" pitchFamily="34" charset="0"/>
+            </a:endParaRPr>
           </a:p>
         </p:txBody>
       </p:sp>
     </p:spTree>
     <p:extLst>
       <p:ext uri="{BB962C8B-B14F-4D97-AF65-F5344CB8AC3E}">
-        <p14:creationId xmlns:p14="http://schemas.microsoft.com/office/powerpoint/2010/main" val="1616876711"/>
+        <p14:creationId xmlns:p14="http://schemas.microsoft.com/office/powerpoint/2010/main" val="4043083406"/>
       </p:ext>
     </p:extLst>
   </p:cSld>
@@ -3997,7 +4348,7 @@
     </p:spTree>
     <p:extLst>
       <p:ext uri="{BB962C8B-B14F-4D97-AF65-F5344CB8AC3E}">
-        <p14:creationId xmlns:p14="http://schemas.microsoft.com/office/powerpoint/2010/main" val="1222127004"/>
+        <p14:creationId xmlns:p14="http://schemas.microsoft.com/office/powerpoint/2010/main" val="1616876711"/>
       </p:ext>
     </p:extLst>
   </p:cSld>
@@ -4106,7 +4457,7 @@
     </p:spTree>
     <p:extLst>
       <p:ext uri="{BB962C8B-B14F-4D97-AF65-F5344CB8AC3E}">
-        <p14:creationId xmlns:p14="http://schemas.microsoft.com/office/powerpoint/2010/main" val="64268788"/>
+        <p14:creationId xmlns:p14="http://schemas.microsoft.com/office/powerpoint/2010/main" val="1222127004"/>
       </p:ext>
     </p:extLst>
   </p:cSld>
@@ -4215,6 +4566,115 @@
     </p:spTree>
     <p:extLst>
       <p:ext uri="{BB962C8B-B14F-4D97-AF65-F5344CB8AC3E}">
+        <p14:creationId xmlns:p14="http://schemas.microsoft.com/office/powerpoint/2010/main" val="64268788"/>
+      </p:ext>
+    </p:extLst>
+  </p:cSld>
+  <p:clrMapOvr>
+    <a:masterClrMapping/>
+  </p:clrMapOvr>
+</p:sld>
+</file>
+
+<file path=ppt/slides/slide17.xml><?xml version="1.0" encoding="utf-8"?>
+<p:sld xmlns:a="http://schemas.openxmlformats.org/drawingml/2006/main" xmlns:r="http://schemas.openxmlformats.org/officeDocument/2006/relationships" xmlns:p="http://schemas.openxmlformats.org/presentationml/2006/main">
+  <p:cSld>
+    <p:bg>
+      <p:bgPr>
+        <a:blipFill dpi="0" rotWithShape="1">
+          <a:blip r:embed="rId2">
+            <a:lum/>
+          </a:blip>
+          <a:srcRect/>
+          <a:stretch>
+            <a:fillRect/>
+          </a:stretch>
+        </a:blipFill>
+        <a:effectLst/>
+      </p:bgPr>
+    </p:bg>
+    <p:spTree>
+      <p:nvGrpSpPr>
+        <p:cNvPr id="1" name=""/>
+        <p:cNvGrpSpPr/>
+        <p:nvPr/>
+      </p:nvGrpSpPr>
+      <p:grpSpPr>
+        <a:xfrm>
+          <a:off x="0" y="0"/>
+          <a:ext cx="0" cy="0"/>
+          <a:chOff x="0" y="0"/>
+          <a:chExt cx="0" cy="0"/>
+        </a:xfrm>
+      </p:grpSpPr>
+      <p:sp>
+        <p:nvSpPr>
+          <p:cNvPr id="2" name="Title 1">
+            <a:extLst>
+              <a:ext uri="{FF2B5EF4-FFF2-40B4-BE49-F238E27FC236}">
+                <a16:creationId xmlns:a16="http://schemas.microsoft.com/office/drawing/2014/main" id="{55E11F08-6CA0-48F1-AD67-97430DDA07F0}"/>
+              </a:ext>
+            </a:extLst>
+          </p:cNvPr>
+          <p:cNvSpPr>
+            <a:spLocks noGrp="1"/>
+          </p:cNvSpPr>
+          <p:nvPr>
+            <p:ph type="title"/>
+          </p:nvPr>
+        </p:nvSpPr>
+        <p:spPr/>
+        <p:txBody>
+          <a:bodyPr/>
+          <a:lstStyle/>
+          <a:p>
+            <a:r>
+              <a:rPr lang="en-US" b="1" dirty="0">
+                <a:solidFill>
+                  <a:srgbClr val="292D33"/>
+                </a:solidFill>
+                <a:latin typeface="Euclid Circular B" panose="020B0504000000000000" pitchFamily="34" charset="0"/>
+                <a:ea typeface="Euclid Circular B" panose="020B0504000000000000" pitchFamily="34" charset="0"/>
+              </a:rPr>
+              <a:t>Topic title</a:t>
+            </a:r>
+          </a:p>
+        </p:txBody>
+      </p:sp>
+      <p:sp>
+        <p:nvSpPr>
+          <p:cNvPr id="3" name="Content Placeholder 2">
+            <a:extLst>
+              <a:ext uri="{FF2B5EF4-FFF2-40B4-BE49-F238E27FC236}">
+                <a16:creationId xmlns:a16="http://schemas.microsoft.com/office/drawing/2014/main" id="{891C7693-D3DF-4635-96F4-97F3B4136FDF}"/>
+              </a:ext>
+            </a:extLst>
+          </p:cNvPr>
+          <p:cNvSpPr>
+            <a:spLocks noGrp="1"/>
+          </p:cNvSpPr>
+          <p:nvPr>
+            <p:ph idx="1"/>
+          </p:nvPr>
+        </p:nvSpPr>
+        <p:spPr/>
+        <p:txBody>
+          <a:bodyPr/>
+          <a:lstStyle/>
+          <a:p>
+            <a:r>
+              <a:rPr lang="en-US" dirty="0">
+                <a:latin typeface="Euclid Circular B" panose="020B0504000000000000" pitchFamily="34" charset="0"/>
+                <a:ea typeface="Euclid Circular B" panose="020B0504000000000000" pitchFamily="34" charset="0"/>
+              </a:rPr>
+              <a:t>Content</a:t>
+            </a:r>
+          </a:p>
+        </p:txBody>
+      </p:sp>
+    </p:spTree>
+    <p:extLst>
+      <p:ext uri="{BB962C8B-B14F-4D97-AF65-F5344CB8AC3E}">
         <p14:creationId xmlns:p14="http://schemas.microsoft.com/office/powerpoint/2010/main" val="3117832177"/>
       </p:ext>
     </p:extLst>
@@ -4225,7 +4685,617 @@
 </p:sld>
 </file>
 
-<file path=ppt/slides/slide17.xml><?xml version="1.0" encoding="utf-8"?>
+<file path=ppt/slides/slide18.xml><?xml version="1.0" encoding="utf-8"?>
+<p:sld xmlns:a="http://schemas.openxmlformats.org/drawingml/2006/main" xmlns:r="http://schemas.openxmlformats.org/officeDocument/2006/relationships" xmlns:p="http://schemas.openxmlformats.org/presentationml/2006/main">
+  <p:cSld>
+    <p:bg>
+      <p:bgPr>
+        <a:blipFill dpi="0" rotWithShape="1">
+          <a:blip r:embed="rId2">
+            <a:lum/>
+          </a:blip>
+          <a:srcRect/>
+          <a:stretch>
+            <a:fillRect/>
+          </a:stretch>
+        </a:blipFill>
+        <a:effectLst/>
+      </p:bgPr>
+    </p:bg>
+    <p:spTree>
+      <p:nvGrpSpPr>
+        <p:cNvPr id="1" name=""/>
+        <p:cNvGrpSpPr/>
+        <p:nvPr/>
+      </p:nvGrpSpPr>
+      <p:grpSpPr>
+        <a:xfrm>
+          <a:off x="0" y="0"/>
+          <a:ext cx="0" cy="0"/>
+          <a:chOff x="0" y="0"/>
+          <a:chExt cx="0" cy="0"/>
+        </a:xfrm>
+      </p:grpSpPr>
+      <p:sp>
+        <p:nvSpPr>
+          <p:cNvPr id="2" name="Title 1">
+            <a:extLst>
+              <a:ext uri="{FF2B5EF4-FFF2-40B4-BE49-F238E27FC236}">
+                <a16:creationId xmlns:a16="http://schemas.microsoft.com/office/drawing/2014/main" id="{55E11F08-6CA0-48F1-AD67-97430DDA07F0}"/>
+              </a:ext>
+            </a:extLst>
+          </p:cNvPr>
+          <p:cNvSpPr>
+            <a:spLocks noGrp="1"/>
+          </p:cNvSpPr>
+          <p:nvPr>
+            <p:ph type="title"/>
+          </p:nvPr>
+        </p:nvSpPr>
+        <p:spPr/>
+        <p:txBody>
+          <a:bodyPr/>
+          <a:lstStyle/>
+          <a:p>
+            <a:r>
+              <a:rPr lang="en-US" b="1" dirty="0">
+                <a:solidFill>
+                  <a:srgbClr val="292D33"/>
+                </a:solidFill>
+                <a:latin typeface="Euclid Circular B" panose="020B0504000000000000" pitchFamily="34" charset="0"/>
+                <a:ea typeface="Euclid Circular B" panose="020B0504000000000000" pitchFamily="34" charset="0"/>
+              </a:rPr>
+              <a:t>Topic title</a:t>
+            </a:r>
+          </a:p>
+        </p:txBody>
+      </p:sp>
+      <p:sp>
+        <p:nvSpPr>
+          <p:cNvPr id="3" name="Content Placeholder 2">
+            <a:extLst>
+              <a:ext uri="{FF2B5EF4-FFF2-40B4-BE49-F238E27FC236}">
+                <a16:creationId xmlns:a16="http://schemas.microsoft.com/office/drawing/2014/main" id="{891C7693-D3DF-4635-96F4-97F3B4136FDF}"/>
+              </a:ext>
+            </a:extLst>
+          </p:cNvPr>
+          <p:cNvSpPr>
+            <a:spLocks noGrp="1"/>
+          </p:cNvSpPr>
+          <p:nvPr>
+            <p:ph idx="1"/>
+          </p:nvPr>
+        </p:nvSpPr>
+        <p:spPr/>
+        <p:txBody>
+          <a:bodyPr/>
+          <a:lstStyle/>
+          <a:p>
+            <a:r>
+              <a:rPr lang="en-US" dirty="0">
+                <a:latin typeface="Euclid Circular B" panose="020B0504000000000000" pitchFamily="34" charset="0"/>
+                <a:ea typeface="Euclid Circular B" panose="020B0504000000000000" pitchFamily="34" charset="0"/>
+              </a:rPr>
+              <a:t>Content</a:t>
+            </a:r>
+          </a:p>
+        </p:txBody>
+      </p:sp>
+    </p:spTree>
+    <p:extLst>
+      <p:ext uri="{BB962C8B-B14F-4D97-AF65-F5344CB8AC3E}">
+        <p14:creationId xmlns:p14="http://schemas.microsoft.com/office/powerpoint/2010/main" val="1346198292"/>
+      </p:ext>
+    </p:extLst>
+  </p:cSld>
+  <p:clrMapOvr>
+    <a:masterClrMapping/>
+  </p:clrMapOvr>
+</p:sld>
+</file>
+
+<file path=ppt/slides/slide19.xml><?xml version="1.0" encoding="utf-8"?>
+<p:sld xmlns:a="http://schemas.openxmlformats.org/drawingml/2006/main" xmlns:r="http://schemas.openxmlformats.org/officeDocument/2006/relationships" xmlns:p="http://schemas.openxmlformats.org/presentationml/2006/main">
+  <p:cSld>
+    <p:bg>
+      <p:bgPr>
+        <a:blipFill dpi="0" rotWithShape="1">
+          <a:blip r:embed="rId2">
+            <a:lum/>
+          </a:blip>
+          <a:srcRect/>
+          <a:stretch>
+            <a:fillRect/>
+          </a:stretch>
+        </a:blipFill>
+        <a:effectLst/>
+      </p:bgPr>
+    </p:bg>
+    <p:spTree>
+      <p:nvGrpSpPr>
+        <p:cNvPr id="1" name=""/>
+        <p:cNvGrpSpPr/>
+        <p:nvPr/>
+      </p:nvGrpSpPr>
+      <p:grpSpPr>
+        <a:xfrm>
+          <a:off x="0" y="0"/>
+          <a:ext cx="0" cy="0"/>
+          <a:chOff x="0" y="0"/>
+          <a:chExt cx="0" cy="0"/>
+        </a:xfrm>
+      </p:grpSpPr>
+      <p:sp>
+        <p:nvSpPr>
+          <p:cNvPr id="2" name="Title 1">
+            <a:extLst>
+              <a:ext uri="{FF2B5EF4-FFF2-40B4-BE49-F238E27FC236}">
+                <a16:creationId xmlns:a16="http://schemas.microsoft.com/office/drawing/2014/main" id="{55E11F08-6CA0-48F1-AD67-97430DDA07F0}"/>
+              </a:ext>
+            </a:extLst>
+          </p:cNvPr>
+          <p:cNvSpPr>
+            <a:spLocks noGrp="1"/>
+          </p:cNvSpPr>
+          <p:nvPr>
+            <p:ph type="title"/>
+          </p:nvPr>
+        </p:nvSpPr>
+        <p:spPr/>
+        <p:txBody>
+          <a:bodyPr/>
+          <a:lstStyle/>
+          <a:p>
+            <a:r>
+              <a:rPr lang="en-US" b="1" dirty="0">
+                <a:solidFill>
+                  <a:srgbClr val="292D33"/>
+                </a:solidFill>
+                <a:latin typeface="Euclid Circular B" panose="020B0504000000000000" pitchFamily="34" charset="0"/>
+                <a:ea typeface="Euclid Circular B" panose="020B0504000000000000" pitchFamily="34" charset="0"/>
+              </a:rPr>
+              <a:t>Topic title</a:t>
+            </a:r>
+          </a:p>
+        </p:txBody>
+      </p:sp>
+      <p:sp>
+        <p:nvSpPr>
+          <p:cNvPr id="3" name="Content Placeholder 2">
+            <a:extLst>
+              <a:ext uri="{FF2B5EF4-FFF2-40B4-BE49-F238E27FC236}">
+                <a16:creationId xmlns:a16="http://schemas.microsoft.com/office/drawing/2014/main" id="{891C7693-D3DF-4635-96F4-97F3B4136FDF}"/>
+              </a:ext>
+            </a:extLst>
+          </p:cNvPr>
+          <p:cNvSpPr>
+            <a:spLocks noGrp="1"/>
+          </p:cNvSpPr>
+          <p:nvPr>
+            <p:ph idx="1"/>
+          </p:nvPr>
+        </p:nvSpPr>
+        <p:spPr/>
+        <p:txBody>
+          <a:bodyPr/>
+          <a:lstStyle/>
+          <a:p>
+            <a:r>
+              <a:rPr lang="en-US" dirty="0">
+                <a:latin typeface="Euclid Circular B" panose="020B0504000000000000" pitchFamily="34" charset="0"/>
+                <a:ea typeface="Euclid Circular B" panose="020B0504000000000000" pitchFamily="34" charset="0"/>
+              </a:rPr>
+              <a:t>Content</a:t>
+            </a:r>
+          </a:p>
+        </p:txBody>
+      </p:sp>
+    </p:spTree>
+    <p:extLst>
+      <p:ext uri="{BB962C8B-B14F-4D97-AF65-F5344CB8AC3E}">
+        <p14:creationId xmlns:p14="http://schemas.microsoft.com/office/powerpoint/2010/main" val="3160537251"/>
+      </p:ext>
+    </p:extLst>
+  </p:cSld>
+  <p:clrMapOvr>
+    <a:masterClrMapping/>
+  </p:clrMapOvr>
+</p:sld>
+</file>
+
+<file path=ppt/slides/slide2.xml><?xml version="1.0" encoding="utf-8"?>
+<p:sld xmlns:a="http://schemas.openxmlformats.org/drawingml/2006/main" xmlns:r="http://schemas.openxmlformats.org/officeDocument/2006/relationships" xmlns:p="http://schemas.openxmlformats.org/presentationml/2006/main">
+  <p:cSld>
+    <p:bg>
+      <p:bgPr>
+        <a:blipFill dpi="0" rotWithShape="1">
+          <a:blip r:embed="rId2">
+            <a:lum/>
+          </a:blip>
+          <a:srcRect/>
+          <a:stretch>
+            <a:fillRect/>
+          </a:stretch>
+        </a:blipFill>
+        <a:effectLst/>
+      </p:bgPr>
+    </p:bg>
+    <p:spTree>
+      <p:nvGrpSpPr>
+        <p:cNvPr id="1" name=""/>
+        <p:cNvGrpSpPr/>
+        <p:nvPr/>
+      </p:nvGrpSpPr>
+      <p:grpSpPr>
+        <a:xfrm>
+          <a:off x="0" y="0"/>
+          <a:ext cx="0" cy="0"/>
+          <a:chOff x="0" y="0"/>
+          <a:chExt cx="0" cy="0"/>
+        </a:xfrm>
+      </p:grpSpPr>
+      <p:sp>
+        <p:nvSpPr>
+          <p:cNvPr id="2" name="Title 1">
+            <a:extLst>
+              <a:ext uri="{FF2B5EF4-FFF2-40B4-BE49-F238E27FC236}">
+                <a16:creationId xmlns:a16="http://schemas.microsoft.com/office/drawing/2014/main" id="{55E11F08-6CA0-48F1-AD67-97430DDA07F0}"/>
+              </a:ext>
+            </a:extLst>
+          </p:cNvPr>
+          <p:cNvSpPr>
+            <a:spLocks noGrp="1"/>
+          </p:cNvSpPr>
+          <p:nvPr>
+            <p:ph type="title"/>
+          </p:nvPr>
+        </p:nvSpPr>
+        <p:spPr/>
+        <p:txBody>
+          <a:bodyPr/>
+          <a:lstStyle/>
+          <a:p>
+            <a:r>
+              <a:rPr lang="tr-TR" b="1" dirty="0">
+                <a:solidFill>
+                  <a:srgbClr val="292D33"/>
+                </a:solidFill>
+                <a:latin typeface="Euclid Circular B" panose="020B0504000000000000" pitchFamily="34" charset="0"/>
+                <a:ea typeface="Euclid Circular B" panose="020B0504000000000000" pitchFamily="34" charset="0"/>
+              </a:rPr>
+              <a:t>Agenda</a:t>
+            </a:r>
+            <a:endParaRPr lang="en-US" b="1" dirty="0">
+              <a:solidFill>
+                <a:srgbClr val="292D33"/>
+              </a:solidFill>
+              <a:latin typeface="Euclid Circular B" panose="020B0504000000000000" pitchFamily="34" charset="0"/>
+              <a:ea typeface="Euclid Circular B" panose="020B0504000000000000" pitchFamily="34" charset="0"/>
+            </a:endParaRPr>
+          </a:p>
+        </p:txBody>
+      </p:sp>
+      <p:sp>
+        <p:nvSpPr>
+          <p:cNvPr id="3" name="Content Placeholder 2">
+            <a:extLst>
+              <a:ext uri="{FF2B5EF4-FFF2-40B4-BE49-F238E27FC236}">
+                <a16:creationId xmlns:a16="http://schemas.microsoft.com/office/drawing/2014/main" id="{891C7693-D3DF-4635-96F4-97F3B4136FDF}"/>
+              </a:ext>
+            </a:extLst>
+          </p:cNvPr>
+          <p:cNvSpPr>
+            <a:spLocks noGrp="1"/>
+          </p:cNvSpPr>
+          <p:nvPr>
+            <p:ph idx="1"/>
+          </p:nvPr>
+        </p:nvSpPr>
+        <p:spPr/>
+        <p:txBody>
+          <a:bodyPr/>
+          <a:lstStyle/>
+          <a:p>
+            <a:r>
+              <a:rPr lang="tr-TR" dirty="0">
+                <a:latin typeface="Euclid Circular B" panose="020B0504000000000000" pitchFamily="34" charset="0"/>
+                <a:ea typeface="Euclid Circular B" panose="020B0504000000000000" pitchFamily="34" charset="0"/>
+              </a:rPr>
+              <a:t>What is the ABP Framework?</a:t>
+            </a:r>
+          </a:p>
+          <a:p>
+            <a:r>
+              <a:rPr lang="tr-TR" dirty="0">
+                <a:latin typeface="Euclid Circular B" panose="020B0504000000000000" pitchFamily="34" charset="0"/>
+                <a:ea typeface="Euclid Circular B" panose="020B0504000000000000" pitchFamily="34" charset="0"/>
+              </a:rPr>
+              <a:t>Why use the ABP Framework?</a:t>
+            </a:r>
+          </a:p>
+          <a:p>
+            <a:r>
+              <a:rPr lang="tr-TR" dirty="0">
+                <a:latin typeface="Euclid Circular B" panose="020B0504000000000000" pitchFamily="34" charset="0"/>
+                <a:ea typeface="Euclid Circular B" panose="020B0504000000000000" pitchFamily="34" charset="0"/>
+              </a:rPr>
+              <a:t>Live coding demo</a:t>
+            </a:r>
+          </a:p>
+          <a:p>
+            <a:r>
+              <a:rPr lang="tr-TR" dirty="0">
+                <a:latin typeface="Euclid Circular B" panose="020B0504000000000000" pitchFamily="34" charset="0"/>
+                <a:ea typeface="Euclid Circular B" panose="020B0504000000000000" pitchFamily="34" charset="0"/>
+              </a:rPr>
+              <a:t>ABP Framework: feature highlights</a:t>
+            </a:r>
+          </a:p>
+          <a:p>
+            <a:r>
+              <a:rPr lang="tr-TR" dirty="0">
+                <a:latin typeface="Euclid Circular B" panose="020B0504000000000000" pitchFamily="34" charset="0"/>
+                <a:ea typeface="Euclid Circular B" panose="020B0504000000000000" pitchFamily="34" charset="0"/>
+              </a:rPr>
+              <a:t>ABP Studio demo</a:t>
+            </a:r>
+          </a:p>
+          <a:p>
+            <a:r>
+              <a:rPr lang="tr-TR" dirty="0">
+                <a:latin typeface="Euclid Circular B" panose="020B0504000000000000" pitchFamily="34" charset="0"/>
+                <a:ea typeface="Euclid Circular B" panose="020B0504000000000000" pitchFamily="34" charset="0"/>
+              </a:rPr>
+              <a:t>The ABP Platform</a:t>
+            </a:r>
+          </a:p>
+          <a:p>
+            <a:r>
+              <a:rPr lang="tr-TR" dirty="0">
+                <a:latin typeface="Euclid Circular B" panose="020B0504000000000000" pitchFamily="34" charset="0"/>
+                <a:ea typeface="Euclid Circular B" panose="020B0504000000000000" pitchFamily="34" charset="0"/>
+              </a:rPr>
+              <a:t>QA</a:t>
+            </a:r>
+            <a:endParaRPr lang="en-US" dirty="0">
+              <a:latin typeface="Euclid Circular B" panose="020B0504000000000000" pitchFamily="34" charset="0"/>
+              <a:ea typeface="Euclid Circular B" panose="020B0504000000000000" pitchFamily="34" charset="0"/>
+            </a:endParaRPr>
+          </a:p>
+        </p:txBody>
+      </p:sp>
+    </p:spTree>
+    <p:extLst>
+      <p:ext uri="{BB962C8B-B14F-4D97-AF65-F5344CB8AC3E}">
+        <p14:creationId xmlns:p14="http://schemas.microsoft.com/office/powerpoint/2010/main" val="721846992"/>
+      </p:ext>
+    </p:extLst>
+  </p:cSld>
+  <p:clrMapOvr>
+    <a:masterClrMapping/>
+  </p:clrMapOvr>
+</p:sld>
+</file>
+
+<file path=ppt/slides/slide20.xml><?xml version="1.0" encoding="utf-8"?>
+<p:sld xmlns:a="http://schemas.openxmlformats.org/drawingml/2006/main" xmlns:r="http://schemas.openxmlformats.org/officeDocument/2006/relationships" xmlns:p="http://schemas.openxmlformats.org/presentationml/2006/main">
+  <p:cSld>
+    <p:bg>
+      <p:bgPr>
+        <a:blipFill dpi="0" rotWithShape="1">
+          <a:blip r:embed="rId2">
+            <a:lum/>
+          </a:blip>
+          <a:srcRect/>
+          <a:stretch>
+            <a:fillRect/>
+          </a:stretch>
+        </a:blipFill>
+        <a:effectLst/>
+      </p:bgPr>
+    </p:bg>
+    <p:spTree>
+      <p:nvGrpSpPr>
+        <p:cNvPr id="1" name=""/>
+        <p:cNvGrpSpPr/>
+        <p:nvPr/>
+      </p:nvGrpSpPr>
+      <p:grpSpPr>
+        <a:xfrm>
+          <a:off x="0" y="0"/>
+          <a:ext cx="0" cy="0"/>
+          <a:chOff x="0" y="0"/>
+          <a:chExt cx="0" cy="0"/>
+        </a:xfrm>
+      </p:grpSpPr>
+      <p:sp>
+        <p:nvSpPr>
+          <p:cNvPr id="2" name="Title 1">
+            <a:extLst>
+              <a:ext uri="{FF2B5EF4-FFF2-40B4-BE49-F238E27FC236}">
+                <a16:creationId xmlns:a16="http://schemas.microsoft.com/office/drawing/2014/main" id="{55E11F08-6CA0-48F1-AD67-97430DDA07F0}"/>
+              </a:ext>
+            </a:extLst>
+          </p:cNvPr>
+          <p:cNvSpPr>
+            <a:spLocks noGrp="1"/>
+          </p:cNvSpPr>
+          <p:nvPr>
+            <p:ph type="title"/>
+          </p:nvPr>
+        </p:nvSpPr>
+        <p:spPr/>
+        <p:txBody>
+          <a:bodyPr/>
+          <a:lstStyle/>
+          <a:p>
+            <a:r>
+              <a:rPr lang="en-US" b="1" dirty="0">
+                <a:solidFill>
+                  <a:srgbClr val="292D33"/>
+                </a:solidFill>
+                <a:latin typeface="Euclid Circular B" panose="020B0504000000000000" pitchFamily="34" charset="0"/>
+                <a:ea typeface="Euclid Circular B" panose="020B0504000000000000" pitchFamily="34" charset="0"/>
+              </a:rPr>
+              <a:t>Topic title</a:t>
+            </a:r>
+          </a:p>
+        </p:txBody>
+      </p:sp>
+      <p:sp>
+        <p:nvSpPr>
+          <p:cNvPr id="3" name="Content Placeholder 2">
+            <a:extLst>
+              <a:ext uri="{FF2B5EF4-FFF2-40B4-BE49-F238E27FC236}">
+                <a16:creationId xmlns:a16="http://schemas.microsoft.com/office/drawing/2014/main" id="{891C7693-D3DF-4635-96F4-97F3B4136FDF}"/>
+              </a:ext>
+            </a:extLst>
+          </p:cNvPr>
+          <p:cNvSpPr>
+            <a:spLocks noGrp="1"/>
+          </p:cNvSpPr>
+          <p:nvPr>
+            <p:ph idx="1"/>
+          </p:nvPr>
+        </p:nvSpPr>
+        <p:spPr/>
+        <p:txBody>
+          <a:bodyPr/>
+          <a:lstStyle/>
+          <a:p>
+            <a:r>
+              <a:rPr lang="en-US" dirty="0">
+                <a:latin typeface="Euclid Circular B" panose="020B0504000000000000" pitchFamily="34" charset="0"/>
+                <a:ea typeface="Euclid Circular B" panose="020B0504000000000000" pitchFamily="34" charset="0"/>
+              </a:rPr>
+              <a:t>Content</a:t>
+            </a:r>
+          </a:p>
+        </p:txBody>
+      </p:sp>
+    </p:spTree>
+    <p:extLst>
+      <p:ext uri="{BB962C8B-B14F-4D97-AF65-F5344CB8AC3E}">
+        <p14:creationId xmlns:p14="http://schemas.microsoft.com/office/powerpoint/2010/main" val="420218861"/>
+      </p:ext>
+    </p:extLst>
+  </p:cSld>
+  <p:clrMapOvr>
+    <a:masterClrMapping/>
+  </p:clrMapOvr>
+</p:sld>
+</file>
+
+<file path=ppt/slides/slide21.xml><?xml version="1.0" encoding="utf-8"?>
+<p:sld xmlns:a="http://schemas.openxmlformats.org/drawingml/2006/main" xmlns:r="http://schemas.openxmlformats.org/officeDocument/2006/relationships" xmlns:p="http://schemas.openxmlformats.org/presentationml/2006/main">
+  <p:cSld>
+    <p:bg>
+      <p:bgPr>
+        <a:blipFill dpi="0" rotWithShape="1">
+          <a:blip r:embed="rId2">
+            <a:lum/>
+          </a:blip>
+          <a:srcRect/>
+          <a:stretch>
+            <a:fillRect/>
+          </a:stretch>
+        </a:blipFill>
+        <a:effectLst/>
+      </p:bgPr>
+    </p:bg>
+    <p:spTree>
+      <p:nvGrpSpPr>
+        <p:cNvPr id="1" name=""/>
+        <p:cNvGrpSpPr/>
+        <p:nvPr/>
+      </p:nvGrpSpPr>
+      <p:grpSpPr>
+        <a:xfrm>
+          <a:off x="0" y="0"/>
+          <a:ext cx="0" cy="0"/>
+          <a:chOff x="0" y="0"/>
+          <a:chExt cx="0" cy="0"/>
+        </a:xfrm>
+      </p:grpSpPr>
+      <p:sp>
+        <p:nvSpPr>
+          <p:cNvPr id="2" name="Title 1">
+            <a:extLst>
+              <a:ext uri="{FF2B5EF4-FFF2-40B4-BE49-F238E27FC236}">
+                <a16:creationId xmlns:a16="http://schemas.microsoft.com/office/drawing/2014/main" id="{55E11F08-6CA0-48F1-AD67-97430DDA07F0}"/>
+              </a:ext>
+            </a:extLst>
+          </p:cNvPr>
+          <p:cNvSpPr>
+            <a:spLocks noGrp="1"/>
+          </p:cNvSpPr>
+          <p:nvPr>
+            <p:ph type="title"/>
+          </p:nvPr>
+        </p:nvSpPr>
+        <p:spPr/>
+        <p:txBody>
+          <a:bodyPr/>
+          <a:lstStyle/>
+          <a:p>
+            <a:r>
+              <a:rPr lang="en-US" b="1" dirty="0">
+                <a:solidFill>
+                  <a:srgbClr val="292D33"/>
+                </a:solidFill>
+                <a:latin typeface="Euclid Circular B" panose="020B0504000000000000" pitchFamily="34" charset="0"/>
+                <a:ea typeface="Euclid Circular B" panose="020B0504000000000000" pitchFamily="34" charset="0"/>
+              </a:rPr>
+              <a:t>Topic title</a:t>
+            </a:r>
+          </a:p>
+        </p:txBody>
+      </p:sp>
+      <p:sp>
+        <p:nvSpPr>
+          <p:cNvPr id="3" name="Content Placeholder 2">
+            <a:extLst>
+              <a:ext uri="{FF2B5EF4-FFF2-40B4-BE49-F238E27FC236}">
+                <a16:creationId xmlns:a16="http://schemas.microsoft.com/office/drawing/2014/main" id="{891C7693-D3DF-4635-96F4-97F3B4136FDF}"/>
+              </a:ext>
+            </a:extLst>
+          </p:cNvPr>
+          <p:cNvSpPr>
+            <a:spLocks noGrp="1"/>
+          </p:cNvSpPr>
+          <p:nvPr>
+            <p:ph idx="1"/>
+          </p:nvPr>
+        </p:nvSpPr>
+        <p:spPr/>
+        <p:txBody>
+          <a:bodyPr/>
+          <a:lstStyle/>
+          <a:p>
+            <a:r>
+              <a:rPr lang="en-US" dirty="0">
+                <a:latin typeface="Euclid Circular B" panose="020B0504000000000000" pitchFamily="34" charset="0"/>
+                <a:ea typeface="Euclid Circular B" panose="020B0504000000000000" pitchFamily="34" charset="0"/>
+              </a:rPr>
+              <a:t>Content</a:t>
+            </a:r>
+          </a:p>
+        </p:txBody>
+      </p:sp>
+    </p:spTree>
+    <p:extLst>
+      <p:ext uri="{BB962C8B-B14F-4D97-AF65-F5344CB8AC3E}">
+        <p14:creationId xmlns:p14="http://schemas.microsoft.com/office/powerpoint/2010/main" val="4062837141"/>
+      </p:ext>
+    </p:extLst>
+  </p:cSld>
+  <p:clrMapOvr>
+    <a:masterClrMapping/>
+  </p:clrMapOvr>
+</p:sld>
+</file>
+
+<file path=ppt/slides/slide22.xml><?xml version="1.0" encoding="utf-8"?>
 <p:sld xmlns:a="http://schemas.openxmlformats.org/drawingml/2006/main" xmlns:r="http://schemas.openxmlformats.org/officeDocument/2006/relationships" xmlns:p="http://schemas.openxmlformats.org/presentationml/2006/main">
   <p:cSld>
     <p:bg>
@@ -9750,7 +10820,80 @@
 </p:sld>
 </file>
 
-<file path=ppt/slides/slide2.xml><?xml version="1.0" encoding="utf-8"?>
+<file path=ppt/slides/slide3.xml><?xml version="1.0" encoding="utf-8"?>
+<p:sld xmlns:a="http://schemas.openxmlformats.org/drawingml/2006/main" xmlns:r="http://schemas.openxmlformats.org/officeDocument/2006/relationships" xmlns:p="http://schemas.openxmlformats.org/presentationml/2006/main">
+  <p:cSld>
+    <p:spTree>
+      <p:nvGrpSpPr>
+        <p:cNvPr id="1" name=""/>
+        <p:cNvGrpSpPr/>
+        <p:nvPr/>
+      </p:nvGrpSpPr>
+      <p:grpSpPr>
+        <a:xfrm>
+          <a:off x="0" y="0"/>
+          <a:ext cx="0" cy="0"/>
+          <a:chOff x="0" y="0"/>
+          <a:chExt cx="0" cy="0"/>
+        </a:xfrm>
+      </p:grpSpPr>
+      <p:sp>
+        <p:nvSpPr>
+          <p:cNvPr id="2" name="Title 1">
+            <a:extLst>
+              <a:ext uri="{FF2B5EF4-FFF2-40B4-BE49-F238E27FC236}">
+                <a16:creationId xmlns:a16="http://schemas.microsoft.com/office/drawing/2014/main" id="{9255DFBE-19DA-408D-84E6-F4043FC30BD3}"/>
+              </a:ext>
+            </a:extLst>
+          </p:cNvPr>
+          <p:cNvSpPr>
+            <a:spLocks noGrp="1"/>
+          </p:cNvSpPr>
+          <p:nvPr>
+            <p:ph type="ctrTitle"/>
+          </p:nvPr>
+        </p:nvSpPr>
+        <p:spPr/>
+        <p:txBody>
+          <a:bodyPr>
+            <a:normAutofit/>
+          </a:bodyPr>
+          <a:lstStyle/>
+          <a:p>
+            <a:r>
+              <a:rPr lang="tr-TR" sz="4000" b="1" dirty="0">
+                <a:solidFill>
+                  <a:srgbClr val="292D33"/>
+                </a:solidFill>
+                <a:latin typeface="Euclid Circular B" panose="020B0504000000000000" pitchFamily="34" charset="0"/>
+                <a:ea typeface="Euclid Circular B" panose="020B0504000000000000" pitchFamily="34" charset="0"/>
+              </a:rPr>
+              <a:t>What is the ABP Framework?</a:t>
+            </a:r>
+            <a:endParaRPr lang="en-US" sz="4000" b="1" dirty="0">
+              <a:solidFill>
+                <a:srgbClr val="292D33"/>
+              </a:solidFill>
+              <a:latin typeface="Euclid Circular B" panose="020B0504000000000000" pitchFamily="34" charset="0"/>
+              <a:ea typeface="Euclid Circular B" panose="020B0504000000000000" pitchFamily="34" charset="0"/>
+            </a:endParaRPr>
+          </a:p>
+        </p:txBody>
+      </p:sp>
+    </p:spTree>
+    <p:extLst>
+      <p:ext uri="{BB962C8B-B14F-4D97-AF65-F5344CB8AC3E}">
+        <p14:creationId xmlns:p14="http://schemas.microsoft.com/office/powerpoint/2010/main" val="1693083805"/>
+      </p:ext>
+    </p:extLst>
+  </p:cSld>
+  <p:clrMapOvr>
+    <a:masterClrMapping/>
+  </p:clrMapOvr>
+</p:sld>
+</file>
+
+<file path=ppt/slides/slide4.xml><?xml version="1.0" encoding="utf-8"?>
 <p:sld xmlns:a="http://schemas.openxmlformats.org/drawingml/2006/main" xmlns:r="http://schemas.openxmlformats.org/officeDocument/2006/relationships" xmlns:p="http://schemas.openxmlformats.org/presentationml/2006/main">
   <p:cSld>
     <p:bg>
@@ -9810,180 +10953,6 @@
                 <a:latin typeface="Euclid Circular B" panose="020B0504000000000000" pitchFamily="34" charset="0"/>
                 <a:ea typeface="Euclid Circular B" panose="020B0504000000000000" pitchFamily="34" charset="0"/>
               </a:rPr>
-              <a:t>Agenda</a:t>
-            </a:r>
-            <a:endParaRPr lang="en-US" b="1" dirty="0">
-              <a:solidFill>
-                <a:srgbClr val="292D33"/>
-              </a:solidFill>
-              <a:latin typeface="Euclid Circular B" panose="020B0504000000000000" pitchFamily="34" charset="0"/>
-              <a:ea typeface="Euclid Circular B" panose="020B0504000000000000" pitchFamily="34" charset="0"/>
-            </a:endParaRPr>
-          </a:p>
-        </p:txBody>
-      </p:sp>
-      <p:sp>
-        <p:nvSpPr>
-          <p:cNvPr id="3" name="Content Placeholder 2">
-            <a:extLst>
-              <a:ext uri="{FF2B5EF4-FFF2-40B4-BE49-F238E27FC236}">
-                <a16:creationId xmlns:a16="http://schemas.microsoft.com/office/drawing/2014/main" id="{891C7693-D3DF-4635-96F4-97F3B4136FDF}"/>
-              </a:ext>
-            </a:extLst>
-          </p:cNvPr>
-          <p:cNvSpPr>
-            <a:spLocks noGrp="1"/>
-          </p:cNvSpPr>
-          <p:nvPr>
-            <p:ph idx="1"/>
-          </p:nvPr>
-        </p:nvSpPr>
-        <p:spPr/>
-        <p:txBody>
-          <a:bodyPr/>
-          <a:lstStyle/>
-          <a:p>
-            <a:r>
-              <a:rPr lang="tr-TR" dirty="0">
-                <a:latin typeface="Euclid Circular B" panose="020B0504000000000000" pitchFamily="34" charset="0"/>
-                <a:ea typeface="Euclid Circular B" panose="020B0504000000000000" pitchFamily="34" charset="0"/>
-              </a:rPr>
-              <a:t>What is the ABP Framework?</a:t>
-            </a:r>
-          </a:p>
-          <a:p>
-            <a:r>
-              <a:rPr lang="tr-TR" dirty="0">
-                <a:latin typeface="Euclid Circular B" panose="020B0504000000000000" pitchFamily="34" charset="0"/>
-                <a:ea typeface="Euclid Circular B" panose="020B0504000000000000" pitchFamily="34" charset="0"/>
-              </a:rPr>
-              <a:t>Why to use the ABP Framework?</a:t>
-            </a:r>
-          </a:p>
-          <a:p>
-            <a:r>
-              <a:rPr lang="tr-TR" dirty="0">
-                <a:latin typeface="Euclid Circular B" panose="020B0504000000000000" pitchFamily="34" charset="0"/>
-                <a:ea typeface="Euclid Circular B" panose="020B0504000000000000" pitchFamily="34" charset="0"/>
-              </a:rPr>
-              <a:t>Live coding with the ABP Framework</a:t>
-            </a:r>
-          </a:p>
-          <a:p>
-            <a:r>
-              <a:rPr lang="tr-TR" dirty="0">
-                <a:latin typeface="Euclid Circular B" panose="020B0504000000000000" pitchFamily="34" charset="0"/>
-                <a:ea typeface="Euclid Circular B" panose="020B0504000000000000" pitchFamily="34" charset="0"/>
-              </a:rPr>
-              <a:t>ABP Framework: feature highlights</a:t>
-            </a:r>
-          </a:p>
-          <a:p>
-            <a:r>
-              <a:rPr lang="tr-TR" dirty="0">
-                <a:latin typeface="Euclid Circular B" panose="020B0504000000000000" pitchFamily="34" charset="0"/>
-                <a:ea typeface="Euclid Circular B" panose="020B0504000000000000" pitchFamily="34" charset="0"/>
-              </a:rPr>
-              <a:t>Demo: ABP Studio</a:t>
-            </a:r>
-          </a:p>
-          <a:p>
-            <a:r>
-              <a:rPr lang="tr-TR" dirty="0">
-                <a:latin typeface="Euclid Circular B" panose="020B0504000000000000" pitchFamily="34" charset="0"/>
-                <a:ea typeface="Euclid Circular B" panose="020B0504000000000000" pitchFamily="34" charset="0"/>
-              </a:rPr>
-              <a:t>The ABP Platform</a:t>
-            </a:r>
-          </a:p>
-          <a:p>
-            <a:r>
-              <a:rPr lang="tr-TR" dirty="0">
-                <a:latin typeface="Euclid Circular B" panose="020B0504000000000000" pitchFamily="34" charset="0"/>
-                <a:ea typeface="Euclid Circular B" panose="020B0504000000000000" pitchFamily="34" charset="0"/>
-              </a:rPr>
-              <a:t>QA</a:t>
-            </a:r>
-            <a:endParaRPr lang="en-US" dirty="0">
-              <a:latin typeface="Euclid Circular B" panose="020B0504000000000000" pitchFamily="34" charset="0"/>
-              <a:ea typeface="Euclid Circular B" panose="020B0504000000000000" pitchFamily="34" charset="0"/>
-            </a:endParaRPr>
-          </a:p>
-        </p:txBody>
-      </p:sp>
-    </p:spTree>
-    <p:extLst>
-      <p:ext uri="{BB962C8B-B14F-4D97-AF65-F5344CB8AC3E}">
-        <p14:creationId xmlns:p14="http://schemas.microsoft.com/office/powerpoint/2010/main" val="721846992"/>
-      </p:ext>
-    </p:extLst>
-  </p:cSld>
-  <p:clrMapOvr>
-    <a:masterClrMapping/>
-  </p:clrMapOvr>
-</p:sld>
-</file>
-
-<file path=ppt/slides/slide3.xml><?xml version="1.0" encoding="utf-8"?>
-<p:sld xmlns:a="http://schemas.openxmlformats.org/drawingml/2006/main" xmlns:r="http://schemas.openxmlformats.org/officeDocument/2006/relationships" xmlns:p="http://schemas.openxmlformats.org/presentationml/2006/main">
-  <p:cSld>
-    <p:bg>
-      <p:bgPr>
-        <a:blipFill dpi="0" rotWithShape="1">
-          <a:blip r:embed="rId2">
-            <a:lum/>
-          </a:blip>
-          <a:srcRect/>
-          <a:stretch>
-            <a:fillRect/>
-          </a:stretch>
-        </a:blipFill>
-        <a:effectLst/>
-      </p:bgPr>
-    </p:bg>
-    <p:spTree>
-      <p:nvGrpSpPr>
-        <p:cNvPr id="1" name=""/>
-        <p:cNvGrpSpPr/>
-        <p:nvPr/>
-      </p:nvGrpSpPr>
-      <p:grpSpPr>
-        <a:xfrm>
-          <a:off x="0" y="0"/>
-          <a:ext cx="0" cy="0"/>
-          <a:chOff x="0" y="0"/>
-          <a:chExt cx="0" cy="0"/>
-        </a:xfrm>
-      </p:grpSpPr>
-      <p:sp>
-        <p:nvSpPr>
-          <p:cNvPr id="2" name="Title 1">
-            <a:extLst>
-              <a:ext uri="{FF2B5EF4-FFF2-40B4-BE49-F238E27FC236}">
-                <a16:creationId xmlns:a16="http://schemas.microsoft.com/office/drawing/2014/main" id="{55E11F08-6CA0-48F1-AD67-97430DDA07F0}"/>
-              </a:ext>
-            </a:extLst>
-          </p:cNvPr>
-          <p:cNvSpPr>
-            <a:spLocks noGrp="1"/>
-          </p:cNvSpPr>
-          <p:nvPr>
-            <p:ph type="title"/>
-          </p:nvPr>
-        </p:nvSpPr>
-        <p:spPr/>
-        <p:txBody>
-          <a:bodyPr/>
-          <a:lstStyle/>
-          <a:p>
-            <a:r>
-              <a:rPr lang="tr-TR" b="1" dirty="0">
-                <a:solidFill>
-                  <a:srgbClr val="292D33"/>
-                </a:solidFill>
-                <a:latin typeface="Euclid Circular B" panose="020B0504000000000000" pitchFamily="34" charset="0"/>
-                <a:ea typeface="Euclid Circular B" panose="020B0504000000000000" pitchFamily="34" charset="0"/>
-              </a:rPr>
               <a:t>What is the ABP Framework?</a:t>
             </a:r>
             <a:endParaRPr lang="en-US" b="1" dirty="0">
@@ -10243,7 +11212,7 @@
 </p:sld>
 </file>
 
-<file path=ppt/slides/slide4.xml><?xml version="1.0" encoding="utf-8"?>
+<file path=ppt/slides/slide5.xml><?xml version="1.0" encoding="utf-8"?>
 <p:sld xmlns:a="http://schemas.openxmlformats.org/drawingml/2006/main" xmlns:r="http://schemas.openxmlformats.org/officeDocument/2006/relationships" xmlns:p="http://schemas.openxmlformats.org/presentationml/2006/main">
   <p:cSld>
     <p:bg>
@@ -11229,7 +12198,7 @@
 </p:sld>
 </file>
 
-<file path=ppt/slides/slide5.xml><?xml version="1.0" encoding="utf-8"?>
+<file path=ppt/slides/slide6.xml><?xml version="1.0" encoding="utf-8"?>
 <p:sld xmlns:a="http://schemas.openxmlformats.org/drawingml/2006/main" xmlns:r="http://schemas.openxmlformats.org/officeDocument/2006/relationships" xmlns:p="http://schemas.openxmlformats.org/presentationml/2006/main">
   <p:cSld>
     <p:bg>
@@ -11785,7 +12754,7 @@
 </p:sld>
 </file>
 
-<file path=ppt/slides/slide6.xml><?xml version="1.0" encoding="utf-8"?>
+<file path=ppt/slides/slide7.xml><?xml version="1.0" encoding="utf-8"?>
 <p:sld xmlns:a="http://schemas.openxmlformats.org/drawingml/2006/main" xmlns:r="http://schemas.openxmlformats.org/officeDocument/2006/relationships" xmlns:p="http://schemas.openxmlformats.org/presentationml/2006/main">
   <p:cSld>
     <p:bg>
@@ -14195,122 +15164,6 @@
 </p:sld>
 </file>
 
-<file path=ppt/slides/slide7.xml><?xml version="1.0" encoding="utf-8"?>
-<p:sld xmlns:a="http://schemas.openxmlformats.org/drawingml/2006/main" xmlns:r="http://schemas.openxmlformats.org/officeDocument/2006/relationships" xmlns:p="http://schemas.openxmlformats.org/presentationml/2006/main">
-  <p:cSld>
-    <p:bg>
-      <p:bgPr>
-        <a:blipFill dpi="0" rotWithShape="1">
-          <a:blip r:embed="rId2">
-            <a:lum/>
-          </a:blip>
-          <a:srcRect/>
-          <a:stretch>
-            <a:fillRect/>
-          </a:stretch>
-        </a:blipFill>
-        <a:effectLst/>
-      </p:bgPr>
-    </p:bg>
-    <p:spTree>
-      <p:nvGrpSpPr>
-        <p:cNvPr id="1" name=""/>
-        <p:cNvGrpSpPr/>
-        <p:nvPr/>
-      </p:nvGrpSpPr>
-      <p:grpSpPr>
-        <a:xfrm>
-          <a:off x="0" y="0"/>
-          <a:ext cx="0" cy="0"/>
-          <a:chOff x="0" y="0"/>
-          <a:chExt cx="0" cy="0"/>
-        </a:xfrm>
-      </p:grpSpPr>
-      <p:sp>
-        <p:nvSpPr>
-          <p:cNvPr id="2" name="Title 1">
-            <a:extLst>
-              <a:ext uri="{FF2B5EF4-FFF2-40B4-BE49-F238E27FC236}">
-                <a16:creationId xmlns:a16="http://schemas.microsoft.com/office/drawing/2014/main" id="{55E11F08-6CA0-48F1-AD67-97430DDA07F0}"/>
-              </a:ext>
-            </a:extLst>
-          </p:cNvPr>
-          <p:cNvSpPr>
-            <a:spLocks noGrp="1"/>
-          </p:cNvSpPr>
-          <p:nvPr>
-            <p:ph type="title"/>
-          </p:nvPr>
-        </p:nvSpPr>
-        <p:spPr/>
-        <p:txBody>
-          <a:bodyPr/>
-          <a:lstStyle/>
-          <a:p>
-            <a:r>
-              <a:rPr lang="tr-TR" b="1">
-                <a:solidFill>
-                  <a:srgbClr val="292D33"/>
-                </a:solidFill>
-                <a:latin typeface="Euclid Circular B" panose="020B0504000000000000" pitchFamily="34" charset="0"/>
-                <a:ea typeface="Euclid Circular B" panose="020B0504000000000000" pitchFamily="34" charset="0"/>
-              </a:rPr>
-              <a:t>Why ABP?</a:t>
-            </a:r>
-            <a:endParaRPr lang="en-US" b="1" dirty="0">
-              <a:solidFill>
-                <a:srgbClr val="292D33"/>
-              </a:solidFill>
-              <a:latin typeface="Euclid Circular B" panose="020B0504000000000000" pitchFamily="34" charset="0"/>
-              <a:ea typeface="Euclid Circular B" panose="020B0504000000000000" pitchFamily="34" charset="0"/>
-            </a:endParaRPr>
-          </a:p>
-        </p:txBody>
-      </p:sp>
-      <p:sp>
-        <p:nvSpPr>
-          <p:cNvPr id="3" name="Content Placeholder 2">
-            <a:extLst>
-              <a:ext uri="{FF2B5EF4-FFF2-40B4-BE49-F238E27FC236}">
-                <a16:creationId xmlns:a16="http://schemas.microsoft.com/office/drawing/2014/main" id="{891C7693-D3DF-4635-96F4-97F3B4136FDF}"/>
-              </a:ext>
-            </a:extLst>
-          </p:cNvPr>
-          <p:cNvSpPr>
-            <a:spLocks noGrp="1"/>
-          </p:cNvSpPr>
-          <p:nvPr>
-            <p:ph idx="1"/>
-          </p:nvPr>
-        </p:nvSpPr>
-        <p:spPr/>
-        <p:txBody>
-          <a:bodyPr/>
-          <a:lstStyle/>
-          <a:p>
-            <a:r>
-              <a:rPr lang="en-US" dirty="0">
-                <a:latin typeface="Euclid Circular B" panose="020B0504000000000000" pitchFamily="34" charset="0"/>
-                <a:ea typeface="Euclid Circular B" panose="020B0504000000000000" pitchFamily="34" charset="0"/>
-              </a:rPr>
-              <a:t>Content</a:t>
-            </a:r>
-          </a:p>
-        </p:txBody>
-      </p:sp>
-    </p:spTree>
-    <p:extLst>
-      <p:ext uri="{BB962C8B-B14F-4D97-AF65-F5344CB8AC3E}">
-        <p14:creationId xmlns:p14="http://schemas.microsoft.com/office/powerpoint/2010/main" val="943247770"/>
-      </p:ext>
-    </p:extLst>
-  </p:cSld>
-  <p:clrMapOvr>
-    <a:masterClrMapping/>
-  </p:clrMapOvr>
-</p:sld>
-</file>
-
 <file path=ppt/slides/slide8.xml><?xml version="1.0" encoding="utf-8"?>
 <p:sld xmlns:a="http://schemas.openxmlformats.org/drawingml/2006/main" xmlns:r="http://schemas.openxmlformats.org/officeDocument/2006/relationships" xmlns:p="http://schemas.openxmlformats.org/presentationml/2006/main">
   <p:cSld>
@@ -14347,7 +15200,7 @@
           <p:cNvPr id="2" name="Title 1">
             <a:extLst>
               <a:ext uri="{FF2B5EF4-FFF2-40B4-BE49-F238E27FC236}">
-                <a16:creationId xmlns:a16="http://schemas.microsoft.com/office/drawing/2014/main" id="{55E11F08-6CA0-48F1-AD67-97430DDA07F0}"/>
+                <a16:creationId xmlns:a16="http://schemas.microsoft.com/office/drawing/2014/main" id="{9255DFBE-19DA-408D-84E6-F4043FC30BD3}"/>
               </a:ext>
             </a:extLst>
           </p:cNvPr>
@@ -14355,62 +15208,40 @@
             <a:spLocks noGrp="1"/>
           </p:cNvSpPr>
           <p:nvPr>
-            <p:ph type="title"/>
+            <p:ph type="ctrTitle"/>
           </p:nvPr>
         </p:nvSpPr>
         <p:spPr/>
         <p:txBody>
-          <a:bodyPr/>
+          <a:bodyPr>
+            <a:normAutofit/>
+          </a:bodyPr>
           <a:lstStyle/>
           <a:p>
             <a:r>
-              <a:rPr lang="en-US" b="1" dirty="0">
+              <a:rPr lang="tr-TR" sz="4000" b="1" dirty="0">
                 <a:solidFill>
                   <a:srgbClr val="292D33"/>
                 </a:solidFill>
                 <a:latin typeface="Euclid Circular B" panose="020B0504000000000000" pitchFamily="34" charset="0"/>
                 <a:ea typeface="Euclid Circular B" panose="020B0504000000000000" pitchFamily="34" charset="0"/>
               </a:rPr>
-              <a:t>Topic title</a:t>
-            </a:r>
-          </a:p>
-        </p:txBody>
-      </p:sp>
-      <p:sp>
-        <p:nvSpPr>
-          <p:cNvPr id="3" name="Content Placeholder 2">
-            <a:extLst>
-              <a:ext uri="{FF2B5EF4-FFF2-40B4-BE49-F238E27FC236}">
-                <a16:creationId xmlns:a16="http://schemas.microsoft.com/office/drawing/2014/main" id="{891C7693-D3DF-4635-96F4-97F3B4136FDF}"/>
-              </a:ext>
-            </a:extLst>
-          </p:cNvPr>
-          <p:cNvSpPr>
-            <a:spLocks noGrp="1"/>
-          </p:cNvSpPr>
-          <p:nvPr>
-            <p:ph idx="1"/>
-          </p:nvPr>
-        </p:nvSpPr>
-        <p:spPr/>
-        <p:txBody>
-          <a:bodyPr/>
-          <a:lstStyle/>
-          <a:p>
-            <a:r>
-              <a:rPr lang="en-US" dirty="0">
-                <a:latin typeface="Euclid Circular B" panose="020B0504000000000000" pitchFamily="34" charset="0"/>
-                <a:ea typeface="Euclid Circular B" panose="020B0504000000000000" pitchFamily="34" charset="0"/>
-              </a:rPr>
-              <a:t>Content</a:t>
-            </a:r>
+              <a:t>Why use the ABP Framework?</a:t>
+            </a:r>
+            <a:endParaRPr lang="en-US" sz="4000" b="1" dirty="0">
+              <a:solidFill>
+                <a:srgbClr val="292D33"/>
+              </a:solidFill>
+              <a:latin typeface="Euclid Circular B" panose="020B0504000000000000" pitchFamily="34" charset="0"/>
+              <a:ea typeface="Euclid Circular B" panose="020B0504000000000000" pitchFamily="34" charset="0"/>
+            </a:endParaRPr>
           </a:p>
         </p:txBody>
       </p:sp>
     </p:spTree>
     <p:extLst>
       <p:ext uri="{BB962C8B-B14F-4D97-AF65-F5344CB8AC3E}">
-        <p14:creationId xmlns:p14="http://schemas.microsoft.com/office/powerpoint/2010/main" val="4077136525"/>
+        <p14:creationId xmlns:p14="http://schemas.microsoft.com/office/powerpoint/2010/main" val="2746927691"/>
       </p:ext>
     </p:extLst>
   </p:cSld>
@@ -14473,6 +15304,35 @@
           <a:lstStyle/>
           <a:p>
             <a:r>
+              <a:rPr lang="tr-TR" dirty="0">
+                <a:solidFill>
+                  <a:srgbClr val="292D33"/>
+                </a:solidFill>
+                <a:latin typeface="Euclid Circular B" panose="020B0504000000000000" pitchFamily="34" charset="0"/>
+                <a:ea typeface="Euclid Circular B" panose="020B0504000000000000" pitchFamily="34" charset="0"/>
+              </a:rPr>
+              <a:t>Why ABP?</a:t>
+            </a:r>
+            <a:br>
+              <a:rPr lang="tr-TR" dirty="0">
+                <a:solidFill>
+                  <a:srgbClr val="292D33"/>
+                </a:solidFill>
+                <a:latin typeface="Euclid Circular B" panose="020B0504000000000000" pitchFamily="34" charset="0"/>
+                <a:ea typeface="Euclid Circular B" panose="020B0504000000000000" pitchFamily="34" charset="0"/>
+              </a:rPr>
+            </a:br>
+            <a:r>
+              <a:rPr lang="tr-TR" b="1" dirty="0">
+                <a:solidFill>
+                  <a:srgbClr val="292D33"/>
+                </a:solidFill>
+                <a:latin typeface="Euclid Circular B" panose="020B0504000000000000" pitchFamily="34" charset="0"/>
+                <a:ea typeface="Euclid Circular B" panose="020B0504000000000000" pitchFamily="34" charset="0"/>
+              </a:rPr>
+              <a:t>Challenges </a:t>
+            </a:r>
+            <a:r>
               <a:rPr lang="en-US" b="1" dirty="0">
                 <a:solidFill>
                   <a:srgbClr val="292D33"/>
@@ -14480,7 +15340,27 @@
                 <a:latin typeface="Euclid Circular B" panose="020B0504000000000000" pitchFamily="34" charset="0"/>
                 <a:ea typeface="Euclid Circular B" panose="020B0504000000000000" pitchFamily="34" charset="0"/>
               </a:rPr>
-              <a:t>Topic title</a:t>
+              <a:t>of </a:t>
+            </a:r>
+            <a:r>
+              <a:rPr lang="tr-TR" b="1" dirty="0">
+                <a:solidFill>
+                  <a:srgbClr val="292D33"/>
+                </a:solidFill>
+                <a:latin typeface="Euclid Circular B" panose="020B0504000000000000" pitchFamily="34" charset="0"/>
+                <a:ea typeface="Euclid Circular B" panose="020B0504000000000000" pitchFamily="34" charset="0"/>
+              </a:rPr>
+              <a:t>creating</a:t>
+            </a:r>
+            <a:r>
+              <a:rPr lang="en-US" b="1" dirty="0">
+                <a:solidFill>
+                  <a:srgbClr val="292D33"/>
+                </a:solidFill>
+                <a:latin typeface="Euclid Circular B" panose="020B0504000000000000" pitchFamily="34" charset="0"/>
+                <a:ea typeface="Euclid Circular B" panose="020B0504000000000000" pitchFamily="34" charset="0"/>
+              </a:rPr>
+              <a:t> a new solution</a:t>
             </a:r>
           </a:p>
         </p:txBody>
@@ -14507,19 +15387,85 @@
           <a:lstStyle/>
           <a:p>
             <a:r>
-              <a:rPr lang="en-US" dirty="0">
+              <a:rPr lang="tr-TR" dirty="0">
                 <a:latin typeface="Euclid Circular B" panose="020B0504000000000000" pitchFamily="34" charset="0"/>
                 <a:ea typeface="Euclid Circular B" panose="020B0504000000000000" pitchFamily="34" charset="0"/>
               </a:rPr>
-              <a:t>Content</a:t>
-            </a:r>
+              <a:t>Creating an empty solution</a:t>
+            </a:r>
+            <a:br>
+              <a:rPr lang="tr-TR" dirty="0">
+                <a:latin typeface="Euclid Circular B" panose="020B0504000000000000" pitchFamily="34" charset="0"/>
+                <a:ea typeface="Euclid Circular B" panose="020B0504000000000000" pitchFamily="34" charset="0"/>
+              </a:rPr>
+            </a:br>
+            <a:r>
+              <a:rPr lang="tr-TR" sz="2400" dirty="0">
+                <a:latin typeface="Euclid Circular B" panose="020B0504000000000000" pitchFamily="34" charset="0"/>
+                <a:ea typeface="Euclid Circular B" panose="020B0504000000000000" pitchFamily="34" charset="0"/>
+              </a:rPr>
+              <a:t>(organizing codebase, layers, 3-rd party integrations, automated tests)</a:t>
+            </a:r>
+            <a:endParaRPr lang="tr-TR" dirty="0">
+              <a:latin typeface="Euclid Circular B" panose="020B0504000000000000" pitchFamily="34" charset="0"/>
+              <a:ea typeface="Euclid Circular B" panose="020B0504000000000000" pitchFamily="34" charset="0"/>
+            </a:endParaRPr>
+          </a:p>
+          <a:p>
+            <a:r>
+              <a:rPr lang="tr-TR" dirty="0">
+                <a:latin typeface="Euclid Circular B" panose="020B0504000000000000" pitchFamily="34" charset="0"/>
+                <a:ea typeface="Euclid Circular B" panose="020B0504000000000000" pitchFamily="34" charset="0"/>
+              </a:rPr>
+              <a:t>Choosing the common libraries</a:t>
+            </a:r>
+          </a:p>
+          <a:p>
+            <a:r>
+              <a:rPr lang="tr-TR" dirty="0">
+                <a:latin typeface="Euclid Circular B" panose="020B0504000000000000" pitchFamily="34" charset="0"/>
+                <a:ea typeface="Euclid Circular B" panose="020B0504000000000000" pitchFamily="34" charset="0"/>
+              </a:rPr>
+              <a:t>UI Theme &amp; Layout</a:t>
+            </a:r>
+          </a:p>
+          <a:p>
+            <a:r>
+              <a:rPr lang="tr-TR" dirty="0">
+                <a:latin typeface="Euclid Circular B" panose="020B0504000000000000" pitchFamily="34" charset="0"/>
+                <a:ea typeface="Euclid Circular B" panose="020B0504000000000000" pitchFamily="34" charset="0"/>
+              </a:rPr>
+              <a:t>Setup the test infrastructure</a:t>
+            </a:r>
+          </a:p>
+          <a:p>
+            <a:r>
+              <a:rPr lang="tr-TR" dirty="0">
+                <a:latin typeface="Euclid Circular B" panose="020B0504000000000000" pitchFamily="34" charset="0"/>
+                <a:ea typeface="Euclid Circular B" panose="020B0504000000000000" pitchFamily="34" charset="0"/>
+              </a:rPr>
+              <a:t>Coding standards &amp; training the team</a:t>
+            </a:r>
+          </a:p>
+          <a:p>
+            <a:r>
+              <a:rPr lang="tr-TR" dirty="0">
+                <a:latin typeface="Euclid Circular B" panose="020B0504000000000000" pitchFamily="34" charset="0"/>
+                <a:ea typeface="Euclid Circular B" panose="020B0504000000000000" pitchFamily="34" charset="0"/>
+              </a:rPr>
+              <a:t>Keeping your solution up to date</a:t>
+            </a:r>
+            <a:endParaRPr lang="en-US" dirty="0">
+              <a:latin typeface="Euclid Circular B" panose="020B0504000000000000" pitchFamily="34" charset="0"/>
+              <a:ea typeface="Euclid Circular B" panose="020B0504000000000000" pitchFamily="34" charset="0"/>
+            </a:endParaRPr>
           </a:p>
         </p:txBody>
       </p:sp>
     </p:spTree>
     <p:extLst>
       <p:ext uri="{BB962C8B-B14F-4D97-AF65-F5344CB8AC3E}">
-        <p14:creationId xmlns:p14="http://schemas.microsoft.com/office/powerpoint/2010/main" val="1865268225"/>
+        <p14:creationId xmlns:p14="http://schemas.microsoft.com/office/powerpoint/2010/main" val="4077136525"/>
       </p:ext>
     </p:extLst>
   </p:cSld>

--- a/2024-07-17 WeAreDevelopers Berlin/ABP.pptx
+++ b/2024-07-17 WeAreDevelopers Berlin/ABP.pptx
@@ -7,26 +7,22 @@
   <p:sldIdLst>
     <p:sldId id="256" r:id="rId2"/>
     <p:sldId id="257" r:id="rId3"/>
-    <p:sldId id="274" r:id="rId4"/>
+    <p:sldId id="273" r:id="rId4"/>
     <p:sldId id="258" r:id="rId5"/>
     <p:sldId id="259" r:id="rId6"/>
     <p:sldId id="260" r:id="rId7"/>
     <p:sldId id="261" r:id="rId8"/>
-    <p:sldId id="273" r:id="rId9"/>
+    <p:sldId id="280" r:id="rId9"/>
     <p:sldId id="263" r:id="rId10"/>
     <p:sldId id="264" r:id="rId11"/>
     <p:sldId id="265" r:id="rId12"/>
     <p:sldId id="266" r:id="rId13"/>
     <p:sldId id="275" r:id="rId14"/>
     <p:sldId id="268" r:id="rId15"/>
-    <p:sldId id="269" r:id="rId16"/>
-    <p:sldId id="270" r:id="rId17"/>
-    <p:sldId id="271" r:id="rId18"/>
-    <p:sldId id="276" r:id="rId19"/>
-    <p:sldId id="277" r:id="rId20"/>
-    <p:sldId id="278" r:id="rId21"/>
-    <p:sldId id="279" r:id="rId22"/>
-    <p:sldId id="272" r:id="rId23"/>
+    <p:sldId id="281" r:id="rId16"/>
+    <p:sldId id="272" r:id="rId17"/>
+    <p:sldId id="278" r:id="rId18"/>
+    <p:sldId id="269" r:id="rId19"/>
   </p:sldIdLst>
   <p:sldSz cx="12192000" cy="6858000"/>
   <p:notesSz cx="6858000" cy="9144000"/>
@@ -280,7 +276,7 @@
           <a:p>
             <a:fld id="{2A14C9FE-EBC3-45D3-899C-58AAF4F8AF71}" type="datetimeFigureOut">
               <a:rPr lang="en-US" smtClean="0"/>
-              <a:t>6/18/2024</a:t>
+              <a:t>6/23/2024</a:t>
             </a:fld>
             <a:endParaRPr lang="en-US"/>
           </a:p>
@@ -478,7 +474,7 @@
           <a:p>
             <a:fld id="{2A14C9FE-EBC3-45D3-899C-58AAF4F8AF71}" type="datetimeFigureOut">
               <a:rPr lang="en-US" smtClean="0"/>
-              <a:t>6/18/2024</a:t>
+              <a:t>6/23/2024</a:t>
             </a:fld>
             <a:endParaRPr lang="en-US"/>
           </a:p>
@@ -686,7 +682,7 @@
           <a:p>
             <a:fld id="{2A14C9FE-EBC3-45D3-899C-58AAF4F8AF71}" type="datetimeFigureOut">
               <a:rPr lang="en-US" smtClean="0"/>
-              <a:t>6/18/2024</a:t>
+              <a:t>6/23/2024</a:t>
             </a:fld>
             <a:endParaRPr lang="en-US"/>
           </a:p>
@@ -884,7 +880,7 @@
           <a:p>
             <a:fld id="{2A14C9FE-EBC3-45D3-899C-58AAF4F8AF71}" type="datetimeFigureOut">
               <a:rPr lang="en-US" smtClean="0"/>
-              <a:t>6/18/2024</a:t>
+              <a:t>6/23/2024</a:t>
             </a:fld>
             <a:endParaRPr lang="en-US"/>
           </a:p>
@@ -1159,7 +1155,7 @@
           <a:p>
             <a:fld id="{2A14C9FE-EBC3-45D3-899C-58AAF4F8AF71}" type="datetimeFigureOut">
               <a:rPr lang="en-US" smtClean="0"/>
-              <a:t>6/18/2024</a:t>
+              <a:t>6/23/2024</a:t>
             </a:fld>
             <a:endParaRPr lang="en-US"/>
           </a:p>
@@ -1424,7 +1420,7 @@
           <a:p>
             <a:fld id="{2A14C9FE-EBC3-45D3-899C-58AAF4F8AF71}" type="datetimeFigureOut">
               <a:rPr lang="en-US" smtClean="0"/>
-              <a:t>6/18/2024</a:t>
+              <a:t>6/23/2024</a:t>
             </a:fld>
             <a:endParaRPr lang="en-US"/>
           </a:p>
@@ -1836,7 +1832,7 @@
           <a:p>
             <a:fld id="{2A14C9FE-EBC3-45D3-899C-58AAF4F8AF71}" type="datetimeFigureOut">
               <a:rPr lang="en-US" smtClean="0"/>
-              <a:t>6/18/2024</a:t>
+              <a:t>6/23/2024</a:t>
             </a:fld>
             <a:endParaRPr lang="en-US"/>
           </a:p>
@@ -1977,7 +1973,7 @@
           <a:p>
             <a:fld id="{2A14C9FE-EBC3-45D3-899C-58AAF4F8AF71}" type="datetimeFigureOut">
               <a:rPr lang="en-US" smtClean="0"/>
-              <a:t>6/18/2024</a:t>
+              <a:t>6/23/2024</a:t>
             </a:fld>
             <a:endParaRPr lang="en-US"/>
           </a:p>
@@ -2090,7 +2086,7 @@
           <a:p>
             <a:fld id="{2A14C9FE-EBC3-45D3-899C-58AAF4F8AF71}" type="datetimeFigureOut">
               <a:rPr lang="en-US" smtClean="0"/>
-              <a:t>6/18/2024</a:t>
+              <a:t>6/23/2024</a:t>
             </a:fld>
             <a:endParaRPr lang="en-US"/>
           </a:p>
@@ -2401,7 +2397,7 @@
           <a:p>
             <a:fld id="{2A14C9FE-EBC3-45D3-899C-58AAF4F8AF71}" type="datetimeFigureOut">
               <a:rPr lang="en-US" smtClean="0"/>
-              <a:t>6/18/2024</a:t>
+              <a:t>6/23/2024</a:t>
             </a:fld>
             <a:endParaRPr lang="en-US"/>
           </a:p>
@@ -2689,7 +2685,7 @@
           <a:p>
             <a:fld id="{2A14C9FE-EBC3-45D3-899C-58AAF4F8AF71}" type="datetimeFigureOut">
               <a:rPr lang="en-US" smtClean="0"/>
-              <a:t>6/18/2024</a:t>
+              <a:t>6/23/2024</a:t>
             </a:fld>
             <a:endParaRPr lang="en-US"/>
           </a:p>
@@ -2930,7 +2926,7 @@
           <a:p>
             <a:fld id="{2A14C9FE-EBC3-45D3-899C-58AAF4F8AF71}" type="datetimeFigureOut">
               <a:rPr lang="en-US" smtClean="0"/>
-              <a:t>6/18/2024</a:t>
+              <a:t>6/23/2024</a:t>
             </a:fld>
             <a:endParaRPr lang="en-US"/>
           </a:p>
@@ -3648,6 +3644,402 @@
   <p:clrMapOvr>
     <a:masterClrMapping/>
   </p:clrMapOvr>
+  <p:timing>
+    <p:tnLst>
+      <p:par>
+        <p:cTn id="1" dur="indefinite" restart="never" nodeType="tmRoot">
+          <p:childTnLst>
+            <p:seq concurrent="1" nextAc="seek">
+              <p:cTn id="2" dur="indefinite" nodeType="mainSeq">
+                <p:childTnLst>
+                  <p:par>
+                    <p:cTn id="3" fill="hold">
+                      <p:stCondLst>
+                        <p:cond delay="indefinite"/>
+                      </p:stCondLst>
+                      <p:childTnLst>
+                        <p:par>
+                          <p:cTn id="4" fill="hold">
+                            <p:stCondLst>
+                              <p:cond delay="0"/>
+                            </p:stCondLst>
+                            <p:childTnLst>
+                              <p:par>
+                                <p:cTn id="5" presetID="10" presetClass="entr" presetSubtype="0" fill="hold" nodeType="clickEffect">
+                                  <p:stCondLst>
+                                    <p:cond delay="0"/>
+                                  </p:stCondLst>
+                                  <p:childTnLst>
+                                    <p:set>
+                                      <p:cBhvr>
+                                        <p:cTn id="6" dur="1" fill="hold">
+                                          <p:stCondLst>
+                                            <p:cond delay="0"/>
+                                          </p:stCondLst>
+                                        </p:cTn>
+                                        <p:tgtEl>
+                                          <p:spTgt spid="3">
+                                            <p:txEl>
+                                              <p:pRg st="0" end="0"/>
+                                            </p:txEl>
+                                          </p:spTgt>
+                                        </p:tgtEl>
+                                        <p:attrNameLst>
+                                          <p:attrName>style.visibility</p:attrName>
+                                        </p:attrNameLst>
+                                      </p:cBhvr>
+                                      <p:to>
+                                        <p:strVal val="visible"/>
+                                      </p:to>
+                                    </p:set>
+                                    <p:animEffect transition="in" filter="fade">
+                                      <p:cBhvr>
+                                        <p:cTn id="7" dur="500"/>
+                                        <p:tgtEl>
+                                          <p:spTgt spid="3">
+                                            <p:txEl>
+                                              <p:pRg st="0" end="0"/>
+                                            </p:txEl>
+                                          </p:spTgt>
+                                        </p:tgtEl>
+                                      </p:cBhvr>
+                                    </p:animEffect>
+                                  </p:childTnLst>
+                                </p:cTn>
+                              </p:par>
+                            </p:childTnLst>
+                          </p:cTn>
+                        </p:par>
+                      </p:childTnLst>
+                    </p:cTn>
+                  </p:par>
+                  <p:par>
+                    <p:cTn id="8" fill="hold">
+                      <p:stCondLst>
+                        <p:cond delay="indefinite"/>
+                      </p:stCondLst>
+                      <p:childTnLst>
+                        <p:par>
+                          <p:cTn id="9" fill="hold">
+                            <p:stCondLst>
+                              <p:cond delay="0"/>
+                            </p:stCondLst>
+                            <p:childTnLst>
+                              <p:par>
+                                <p:cTn id="10" presetID="10" presetClass="entr" presetSubtype="0" fill="hold" nodeType="clickEffect">
+                                  <p:stCondLst>
+                                    <p:cond delay="0"/>
+                                  </p:stCondLst>
+                                  <p:childTnLst>
+                                    <p:set>
+                                      <p:cBhvr>
+                                        <p:cTn id="11" dur="1" fill="hold">
+                                          <p:stCondLst>
+                                            <p:cond delay="0"/>
+                                          </p:stCondLst>
+                                        </p:cTn>
+                                        <p:tgtEl>
+                                          <p:spTgt spid="3">
+                                            <p:txEl>
+                                              <p:pRg st="1" end="1"/>
+                                            </p:txEl>
+                                          </p:spTgt>
+                                        </p:tgtEl>
+                                        <p:attrNameLst>
+                                          <p:attrName>style.visibility</p:attrName>
+                                        </p:attrNameLst>
+                                      </p:cBhvr>
+                                      <p:to>
+                                        <p:strVal val="visible"/>
+                                      </p:to>
+                                    </p:set>
+                                    <p:animEffect transition="in" filter="fade">
+                                      <p:cBhvr>
+                                        <p:cTn id="12" dur="500"/>
+                                        <p:tgtEl>
+                                          <p:spTgt spid="3">
+                                            <p:txEl>
+                                              <p:pRg st="1" end="1"/>
+                                            </p:txEl>
+                                          </p:spTgt>
+                                        </p:tgtEl>
+                                      </p:cBhvr>
+                                    </p:animEffect>
+                                  </p:childTnLst>
+                                </p:cTn>
+                              </p:par>
+                            </p:childTnLst>
+                          </p:cTn>
+                        </p:par>
+                      </p:childTnLst>
+                    </p:cTn>
+                  </p:par>
+                  <p:par>
+                    <p:cTn id="13" fill="hold">
+                      <p:stCondLst>
+                        <p:cond delay="indefinite"/>
+                      </p:stCondLst>
+                      <p:childTnLst>
+                        <p:par>
+                          <p:cTn id="14" fill="hold">
+                            <p:stCondLst>
+                              <p:cond delay="0"/>
+                            </p:stCondLst>
+                            <p:childTnLst>
+                              <p:par>
+                                <p:cTn id="15" presetID="10" presetClass="entr" presetSubtype="0" fill="hold" nodeType="clickEffect">
+                                  <p:stCondLst>
+                                    <p:cond delay="0"/>
+                                  </p:stCondLst>
+                                  <p:childTnLst>
+                                    <p:set>
+                                      <p:cBhvr>
+                                        <p:cTn id="16" dur="1" fill="hold">
+                                          <p:stCondLst>
+                                            <p:cond delay="0"/>
+                                          </p:stCondLst>
+                                        </p:cTn>
+                                        <p:tgtEl>
+                                          <p:spTgt spid="3">
+                                            <p:txEl>
+                                              <p:pRg st="2" end="2"/>
+                                            </p:txEl>
+                                          </p:spTgt>
+                                        </p:tgtEl>
+                                        <p:attrNameLst>
+                                          <p:attrName>style.visibility</p:attrName>
+                                        </p:attrNameLst>
+                                      </p:cBhvr>
+                                      <p:to>
+                                        <p:strVal val="visible"/>
+                                      </p:to>
+                                    </p:set>
+                                    <p:animEffect transition="in" filter="fade">
+                                      <p:cBhvr>
+                                        <p:cTn id="17" dur="500"/>
+                                        <p:tgtEl>
+                                          <p:spTgt spid="3">
+                                            <p:txEl>
+                                              <p:pRg st="2" end="2"/>
+                                            </p:txEl>
+                                          </p:spTgt>
+                                        </p:tgtEl>
+                                      </p:cBhvr>
+                                    </p:animEffect>
+                                  </p:childTnLst>
+                                </p:cTn>
+                              </p:par>
+                            </p:childTnLst>
+                          </p:cTn>
+                        </p:par>
+                      </p:childTnLst>
+                    </p:cTn>
+                  </p:par>
+                  <p:par>
+                    <p:cTn id="18" fill="hold">
+                      <p:stCondLst>
+                        <p:cond delay="indefinite"/>
+                      </p:stCondLst>
+                      <p:childTnLst>
+                        <p:par>
+                          <p:cTn id="19" fill="hold">
+                            <p:stCondLst>
+                              <p:cond delay="0"/>
+                            </p:stCondLst>
+                            <p:childTnLst>
+                              <p:par>
+                                <p:cTn id="20" presetID="10" presetClass="entr" presetSubtype="0" fill="hold" nodeType="clickEffect">
+                                  <p:stCondLst>
+                                    <p:cond delay="0"/>
+                                  </p:stCondLst>
+                                  <p:childTnLst>
+                                    <p:set>
+                                      <p:cBhvr>
+                                        <p:cTn id="21" dur="1" fill="hold">
+                                          <p:stCondLst>
+                                            <p:cond delay="0"/>
+                                          </p:stCondLst>
+                                        </p:cTn>
+                                        <p:tgtEl>
+                                          <p:spTgt spid="3">
+                                            <p:txEl>
+                                              <p:pRg st="3" end="3"/>
+                                            </p:txEl>
+                                          </p:spTgt>
+                                        </p:tgtEl>
+                                        <p:attrNameLst>
+                                          <p:attrName>style.visibility</p:attrName>
+                                        </p:attrNameLst>
+                                      </p:cBhvr>
+                                      <p:to>
+                                        <p:strVal val="visible"/>
+                                      </p:to>
+                                    </p:set>
+                                    <p:animEffect transition="in" filter="fade">
+                                      <p:cBhvr>
+                                        <p:cTn id="22" dur="500"/>
+                                        <p:tgtEl>
+                                          <p:spTgt spid="3">
+                                            <p:txEl>
+                                              <p:pRg st="3" end="3"/>
+                                            </p:txEl>
+                                          </p:spTgt>
+                                        </p:tgtEl>
+                                      </p:cBhvr>
+                                    </p:animEffect>
+                                  </p:childTnLst>
+                                </p:cTn>
+                              </p:par>
+                            </p:childTnLst>
+                          </p:cTn>
+                        </p:par>
+                      </p:childTnLst>
+                    </p:cTn>
+                  </p:par>
+                  <p:par>
+                    <p:cTn id="23" fill="hold">
+                      <p:stCondLst>
+                        <p:cond delay="indefinite"/>
+                      </p:stCondLst>
+                      <p:childTnLst>
+                        <p:par>
+                          <p:cTn id="24" fill="hold">
+                            <p:stCondLst>
+                              <p:cond delay="0"/>
+                            </p:stCondLst>
+                            <p:childTnLst>
+                              <p:par>
+                                <p:cTn id="25" presetID="10" presetClass="entr" presetSubtype="0" fill="hold" nodeType="clickEffect">
+                                  <p:stCondLst>
+                                    <p:cond delay="0"/>
+                                  </p:stCondLst>
+                                  <p:childTnLst>
+                                    <p:set>
+                                      <p:cBhvr>
+                                        <p:cTn id="26" dur="1" fill="hold">
+                                          <p:stCondLst>
+                                            <p:cond delay="0"/>
+                                          </p:stCondLst>
+                                        </p:cTn>
+                                        <p:tgtEl>
+                                          <p:spTgt spid="3">
+                                            <p:txEl>
+                                              <p:pRg st="4" end="4"/>
+                                            </p:txEl>
+                                          </p:spTgt>
+                                        </p:tgtEl>
+                                        <p:attrNameLst>
+                                          <p:attrName>style.visibility</p:attrName>
+                                        </p:attrNameLst>
+                                      </p:cBhvr>
+                                      <p:to>
+                                        <p:strVal val="visible"/>
+                                      </p:to>
+                                    </p:set>
+                                    <p:animEffect transition="in" filter="fade">
+                                      <p:cBhvr>
+                                        <p:cTn id="27" dur="500"/>
+                                        <p:tgtEl>
+                                          <p:spTgt spid="3">
+                                            <p:txEl>
+                                              <p:pRg st="4" end="4"/>
+                                            </p:txEl>
+                                          </p:spTgt>
+                                        </p:tgtEl>
+                                      </p:cBhvr>
+                                    </p:animEffect>
+                                  </p:childTnLst>
+                                </p:cTn>
+                              </p:par>
+                            </p:childTnLst>
+                          </p:cTn>
+                        </p:par>
+                      </p:childTnLst>
+                    </p:cTn>
+                  </p:par>
+                  <p:par>
+                    <p:cTn id="28" fill="hold">
+                      <p:stCondLst>
+                        <p:cond delay="indefinite"/>
+                      </p:stCondLst>
+                      <p:childTnLst>
+                        <p:par>
+                          <p:cTn id="29" fill="hold">
+                            <p:stCondLst>
+                              <p:cond delay="0"/>
+                            </p:stCondLst>
+                            <p:childTnLst>
+                              <p:par>
+                                <p:cTn id="30" presetID="10" presetClass="entr" presetSubtype="0" fill="hold" nodeType="clickEffect">
+                                  <p:stCondLst>
+                                    <p:cond delay="0"/>
+                                  </p:stCondLst>
+                                  <p:childTnLst>
+                                    <p:set>
+                                      <p:cBhvr>
+                                        <p:cTn id="31" dur="1" fill="hold">
+                                          <p:stCondLst>
+                                            <p:cond delay="0"/>
+                                          </p:stCondLst>
+                                        </p:cTn>
+                                        <p:tgtEl>
+                                          <p:spTgt spid="3">
+                                            <p:txEl>
+                                              <p:pRg st="5" end="5"/>
+                                            </p:txEl>
+                                          </p:spTgt>
+                                        </p:tgtEl>
+                                        <p:attrNameLst>
+                                          <p:attrName>style.visibility</p:attrName>
+                                        </p:attrNameLst>
+                                      </p:cBhvr>
+                                      <p:to>
+                                        <p:strVal val="visible"/>
+                                      </p:to>
+                                    </p:set>
+                                    <p:animEffect transition="in" filter="fade">
+                                      <p:cBhvr>
+                                        <p:cTn id="32" dur="500"/>
+                                        <p:tgtEl>
+                                          <p:spTgt spid="3">
+                                            <p:txEl>
+                                              <p:pRg st="5" end="5"/>
+                                            </p:txEl>
+                                          </p:spTgt>
+                                        </p:tgtEl>
+                                      </p:cBhvr>
+                                    </p:animEffect>
+                                  </p:childTnLst>
+                                </p:cTn>
+                              </p:par>
+                            </p:childTnLst>
+                          </p:cTn>
+                        </p:par>
+                      </p:childTnLst>
+                    </p:cTn>
+                  </p:par>
+                </p:childTnLst>
+              </p:cTn>
+              <p:prevCondLst>
+                <p:cond evt="onPrev" delay="0">
+                  <p:tgtEl>
+                    <p:sldTgt/>
+                  </p:tgtEl>
+                </p:cond>
+              </p:prevCondLst>
+              <p:nextCondLst>
+                <p:cond evt="onNext" delay="0">
+                  <p:tgtEl>
+                    <p:sldTgt/>
+                  </p:tgtEl>
+                </p:cond>
+              </p:nextCondLst>
+            </p:seq>
+          </p:childTnLst>
+        </p:cTn>
+      </p:par>
+    </p:tnLst>
+  </p:timing>
 </p:sld>
 </file>
 
@@ -3814,6 +4206,280 @@
   <p:clrMapOvr>
     <a:masterClrMapping/>
   </p:clrMapOvr>
+  <p:timing>
+    <p:tnLst>
+      <p:par>
+        <p:cTn id="1" dur="indefinite" restart="never" nodeType="tmRoot">
+          <p:childTnLst>
+            <p:seq concurrent="1" nextAc="seek">
+              <p:cTn id="2" dur="indefinite" nodeType="mainSeq">
+                <p:childTnLst>
+                  <p:par>
+                    <p:cTn id="3" fill="hold">
+                      <p:stCondLst>
+                        <p:cond delay="indefinite"/>
+                      </p:stCondLst>
+                      <p:childTnLst>
+                        <p:par>
+                          <p:cTn id="4" fill="hold">
+                            <p:stCondLst>
+                              <p:cond delay="0"/>
+                            </p:stCondLst>
+                            <p:childTnLst>
+                              <p:par>
+                                <p:cTn id="5" presetID="10" presetClass="entr" presetSubtype="0" fill="hold" nodeType="clickEffect">
+                                  <p:stCondLst>
+                                    <p:cond delay="0"/>
+                                  </p:stCondLst>
+                                  <p:childTnLst>
+                                    <p:set>
+                                      <p:cBhvr>
+                                        <p:cTn id="6" dur="1" fill="hold">
+                                          <p:stCondLst>
+                                            <p:cond delay="0"/>
+                                          </p:stCondLst>
+                                        </p:cTn>
+                                        <p:tgtEl>
+                                          <p:spTgt spid="3">
+                                            <p:txEl>
+                                              <p:pRg st="0" end="0"/>
+                                            </p:txEl>
+                                          </p:spTgt>
+                                        </p:tgtEl>
+                                        <p:attrNameLst>
+                                          <p:attrName>style.visibility</p:attrName>
+                                        </p:attrNameLst>
+                                      </p:cBhvr>
+                                      <p:to>
+                                        <p:strVal val="visible"/>
+                                      </p:to>
+                                    </p:set>
+                                    <p:animEffect transition="in" filter="fade">
+                                      <p:cBhvr>
+                                        <p:cTn id="7" dur="500"/>
+                                        <p:tgtEl>
+                                          <p:spTgt spid="3">
+                                            <p:txEl>
+                                              <p:pRg st="0" end="0"/>
+                                            </p:txEl>
+                                          </p:spTgt>
+                                        </p:tgtEl>
+                                      </p:cBhvr>
+                                    </p:animEffect>
+                                  </p:childTnLst>
+                                </p:cTn>
+                              </p:par>
+                            </p:childTnLst>
+                          </p:cTn>
+                        </p:par>
+                      </p:childTnLst>
+                    </p:cTn>
+                  </p:par>
+                  <p:par>
+                    <p:cTn id="8" fill="hold">
+                      <p:stCondLst>
+                        <p:cond delay="indefinite"/>
+                      </p:stCondLst>
+                      <p:childTnLst>
+                        <p:par>
+                          <p:cTn id="9" fill="hold">
+                            <p:stCondLst>
+                              <p:cond delay="0"/>
+                            </p:stCondLst>
+                            <p:childTnLst>
+                              <p:par>
+                                <p:cTn id="10" presetID="10" presetClass="entr" presetSubtype="0" fill="hold" nodeType="clickEffect">
+                                  <p:stCondLst>
+                                    <p:cond delay="0"/>
+                                  </p:stCondLst>
+                                  <p:childTnLst>
+                                    <p:set>
+                                      <p:cBhvr>
+                                        <p:cTn id="11" dur="1" fill="hold">
+                                          <p:stCondLst>
+                                            <p:cond delay="0"/>
+                                          </p:stCondLst>
+                                        </p:cTn>
+                                        <p:tgtEl>
+                                          <p:spTgt spid="3">
+                                            <p:txEl>
+                                              <p:pRg st="1" end="1"/>
+                                            </p:txEl>
+                                          </p:spTgt>
+                                        </p:tgtEl>
+                                        <p:attrNameLst>
+                                          <p:attrName>style.visibility</p:attrName>
+                                        </p:attrNameLst>
+                                      </p:cBhvr>
+                                      <p:to>
+                                        <p:strVal val="visible"/>
+                                      </p:to>
+                                    </p:set>
+                                    <p:animEffect transition="in" filter="fade">
+                                      <p:cBhvr>
+                                        <p:cTn id="12" dur="500"/>
+                                        <p:tgtEl>
+                                          <p:spTgt spid="3">
+                                            <p:txEl>
+                                              <p:pRg st="1" end="1"/>
+                                            </p:txEl>
+                                          </p:spTgt>
+                                        </p:tgtEl>
+                                      </p:cBhvr>
+                                    </p:animEffect>
+                                  </p:childTnLst>
+                                </p:cTn>
+                              </p:par>
+                            </p:childTnLst>
+                          </p:cTn>
+                        </p:par>
+                      </p:childTnLst>
+                    </p:cTn>
+                  </p:par>
+                  <p:par>
+                    <p:cTn id="13" fill="hold">
+                      <p:stCondLst>
+                        <p:cond delay="indefinite"/>
+                      </p:stCondLst>
+                      <p:childTnLst>
+                        <p:par>
+                          <p:cTn id="14" fill="hold">
+                            <p:stCondLst>
+                              <p:cond delay="0"/>
+                            </p:stCondLst>
+                            <p:childTnLst>
+                              <p:par>
+                                <p:cTn id="15" presetID="10" presetClass="entr" presetSubtype="0" fill="hold" nodeType="clickEffect">
+                                  <p:stCondLst>
+                                    <p:cond delay="0"/>
+                                  </p:stCondLst>
+                                  <p:childTnLst>
+                                    <p:set>
+                                      <p:cBhvr>
+                                        <p:cTn id="16" dur="1" fill="hold">
+                                          <p:stCondLst>
+                                            <p:cond delay="0"/>
+                                          </p:stCondLst>
+                                        </p:cTn>
+                                        <p:tgtEl>
+                                          <p:spTgt spid="3">
+                                            <p:txEl>
+                                              <p:pRg st="2" end="2"/>
+                                            </p:txEl>
+                                          </p:spTgt>
+                                        </p:tgtEl>
+                                        <p:attrNameLst>
+                                          <p:attrName>style.visibility</p:attrName>
+                                        </p:attrNameLst>
+                                      </p:cBhvr>
+                                      <p:to>
+                                        <p:strVal val="visible"/>
+                                      </p:to>
+                                    </p:set>
+                                    <p:animEffect transition="in" filter="fade">
+                                      <p:cBhvr>
+                                        <p:cTn id="17" dur="500"/>
+                                        <p:tgtEl>
+                                          <p:spTgt spid="3">
+                                            <p:txEl>
+                                              <p:pRg st="2" end="2"/>
+                                            </p:txEl>
+                                          </p:spTgt>
+                                        </p:tgtEl>
+                                      </p:cBhvr>
+                                    </p:animEffect>
+                                  </p:childTnLst>
+                                </p:cTn>
+                              </p:par>
+                            </p:childTnLst>
+                          </p:cTn>
+                        </p:par>
+                      </p:childTnLst>
+                    </p:cTn>
+                  </p:par>
+                  <p:par>
+                    <p:cTn id="18" fill="hold">
+                      <p:stCondLst>
+                        <p:cond delay="indefinite"/>
+                      </p:stCondLst>
+                      <p:childTnLst>
+                        <p:par>
+                          <p:cTn id="19" fill="hold">
+                            <p:stCondLst>
+                              <p:cond delay="0"/>
+                            </p:stCondLst>
+                            <p:childTnLst>
+                              <p:par>
+                                <p:cTn id="20" presetID="10" presetClass="entr" presetSubtype="0" fill="hold" nodeType="clickEffect">
+                                  <p:stCondLst>
+                                    <p:cond delay="0"/>
+                                  </p:stCondLst>
+                                  <p:childTnLst>
+                                    <p:set>
+                                      <p:cBhvr>
+                                        <p:cTn id="21" dur="1" fill="hold">
+                                          <p:stCondLst>
+                                            <p:cond delay="0"/>
+                                          </p:stCondLst>
+                                        </p:cTn>
+                                        <p:tgtEl>
+                                          <p:spTgt spid="3">
+                                            <p:txEl>
+                                              <p:pRg st="3" end="3"/>
+                                            </p:txEl>
+                                          </p:spTgt>
+                                        </p:tgtEl>
+                                        <p:attrNameLst>
+                                          <p:attrName>style.visibility</p:attrName>
+                                        </p:attrNameLst>
+                                      </p:cBhvr>
+                                      <p:to>
+                                        <p:strVal val="visible"/>
+                                      </p:to>
+                                    </p:set>
+                                    <p:animEffect transition="in" filter="fade">
+                                      <p:cBhvr>
+                                        <p:cTn id="22" dur="500"/>
+                                        <p:tgtEl>
+                                          <p:spTgt spid="3">
+                                            <p:txEl>
+                                              <p:pRg st="3" end="3"/>
+                                            </p:txEl>
+                                          </p:spTgt>
+                                        </p:tgtEl>
+                                      </p:cBhvr>
+                                    </p:animEffect>
+                                  </p:childTnLst>
+                                </p:cTn>
+                              </p:par>
+                            </p:childTnLst>
+                          </p:cTn>
+                        </p:par>
+                      </p:childTnLst>
+                    </p:cTn>
+                  </p:par>
+                </p:childTnLst>
+              </p:cTn>
+              <p:prevCondLst>
+                <p:cond evt="onPrev" delay="0">
+                  <p:tgtEl>
+                    <p:sldTgt/>
+                  </p:tgtEl>
+                </p:cond>
+              </p:prevCondLst>
+              <p:nextCondLst>
+                <p:cond evt="onNext" delay="0">
+                  <p:tgtEl>
+                    <p:sldTgt/>
+                  </p:tgtEl>
+                </p:cond>
+              </p:nextCondLst>
+            </p:seq>
+          </p:childTnLst>
+        </p:cTn>
+      </p:par>
+    </p:tnLst>
+  </p:timing>
 </p:sld>
 </file>
 
@@ -4159,6 +4825,580 @@
   <p:clrMapOvr>
     <a:masterClrMapping/>
   </p:clrMapOvr>
+  <p:timing>
+    <p:tnLst>
+      <p:par>
+        <p:cTn id="1" dur="indefinite" restart="never" nodeType="tmRoot">
+          <p:childTnLst>
+            <p:seq concurrent="1" nextAc="seek">
+              <p:cTn id="2" dur="indefinite" nodeType="mainSeq">
+                <p:childTnLst>
+                  <p:par>
+                    <p:cTn id="3" fill="hold">
+                      <p:stCondLst>
+                        <p:cond delay="indefinite"/>
+                      </p:stCondLst>
+                      <p:childTnLst>
+                        <p:par>
+                          <p:cTn id="4" fill="hold">
+                            <p:stCondLst>
+                              <p:cond delay="0"/>
+                            </p:stCondLst>
+                            <p:childTnLst>
+                              <p:par>
+                                <p:cTn id="5" presetID="10" presetClass="entr" presetSubtype="0" fill="hold" nodeType="clickEffect">
+                                  <p:stCondLst>
+                                    <p:cond delay="0"/>
+                                  </p:stCondLst>
+                                  <p:childTnLst>
+                                    <p:set>
+                                      <p:cBhvr>
+                                        <p:cTn id="6" dur="1" fill="hold">
+                                          <p:stCondLst>
+                                            <p:cond delay="0"/>
+                                          </p:stCondLst>
+                                        </p:cTn>
+                                        <p:tgtEl>
+                                          <p:spTgt spid="3">
+                                            <p:txEl>
+                                              <p:pRg st="0" end="0"/>
+                                            </p:txEl>
+                                          </p:spTgt>
+                                        </p:tgtEl>
+                                        <p:attrNameLst>
+                                          <p:attrName>style.visibility</p:attrName>
+                                        </p:attrNameLst>
+                                      </p:cBhvr>
+                                      <p:to>
+                                        <p:strVal val="visible"/>
+                                      </p:to>
+                                    </p:set>
+                                    <p:animEffect transition="in" filter="fade">
+                                      <p:cBhvr>
+                                        <p:cTn id="7" dur="500"/>
+                                        <p:tgtEl>
+                                          <p:spTgt spid="3">
+                                            <p:txEl>
+                                              <p:pRg st="0" end="0"/>
+                                            </p:txEl>
+                                          </p:spTgt>
+                                        </p:tgtEl>
+                                      </p:cBhvr>
+                                    </p:animEffect>
+                                  </p:childTnLst>
+                                </p:cTn>
+                              </p:par>
+                              <p:par>
+                                <p:cTn id="8" presetID="10" presetClass="entr" presetSubtype="0" fill="hold" nodeType="withEffect">
+                                  <p:stCondLst>
+                                    <p:cond delay="0"/>
+                                  </p:stCondLst>
+                                  <p:childTnLst>
+                                    <p:set>
+                                      <p:cBhvr>
+                                        <p:cTn id="9" dur="1" fill="hold">
+                                          <p:stCondLst>
+                                            <p:cond delay="0"/>
+                                          </p:stCondLst>
+                                        </p:cTn>
+                                        <p:tgtEl>
+                                          <p:spTgt spid="3">
+                                            <p:txEl>
+                                              <p:pRg st="1" end="1"/>
+                                            </p:txEl>
+                                          </p:spTgt>
+                                        </p:tgtEl>
+                                        <p:attrNameLst>
+                                          <p:attrName>style.visibility</p:attrName>
+                                        </p:attrNameLst>
+                                      </p:cBhvr>
+                                      <p:to>
+                                        <p:strVal val="visible"/>
+                                      </p:to>
+                                    </p:set>
+                                    <p:animEffect transition="in" filter="fade">
+                                      <p:cBhvr>
+                                        <p:cTn id="10" dur="500"/>
+                                        <p:tgtEl>
+                                          <p:spTgt spid="3">
+                                            <p:txEl>
+                                              <p:pRg st="1" end="1"/>
+                                            </p:txEl>
+                                          </p:spTgt>
+                                        </p:tgtEl>
+                                      </p:cBhvr>
+                                    </p:animEffect>
+                                  </p:childTnLst>
+                                </p:cTn>
+                              </p:par>
+                              <p:par>
+                                <p:cTn id="11" presetID="10" presetClass="entr" presetSubtype="0" fill="hold" nodeType="withEffect">
+                                  <p:stCondLst>
+                                    <p:cond delay="0"/>
+                                  </p:stCondLst>
+                                  <p:childTnLst>
+                                    <p:set>
+                                      <p:cBhvr>
+                                        <p:cTn id="12" dur="1" fill="hold">
+                                          <p:stCondLst>
+                                            <p:cond delay="0"/>
+                                          </p:stCondLst>
+                                        </p:cTn>
+                                        <p:tgtEl>
+                                          <p:spTgt spid="3">
+                                            <p:txEl>
+                                              <p:pRg st="2" end="2"/>
+                                            </p:txEl>
+                                          </p:spTgt>
+                                        </p:tgtEl>
+                                        <p:attrNameLst>
+                                          <p:attrName>style.visibility</p:attrName>
+                                        </p:attrNameLst>
+                                      </p:cBhvr>
+                                      <p:to>
+                                        <p:strVal val="visible"/>
+                                      </p:to>
+                                    </p:set>
+                                    <p:animEffect transition="in" filter="fade">
+                                      <p:cBhvr>
+                                        <p:cTn id="13" dur="500"/>
+                                        <p:tgtEl>
+                                          <p:spTgt spid="3">
+                                            <p:txEl>
+                                              <p:pRg st="2" end="2"/>
+                                            </p:txEl>
+                                          </p:spTgt>
+                                        </p:tgtEl>
+                                      </p:cBhvr>
+                                    </p:animEffect>
+                                  </p:childTnLst>
+                                </p:cTn>
+                              </p:par>
+                              <p:par>
+                                <p:cTn id="14" presetID="10" presetClass="entr" presetSubtype="0" fill="hold" nodeType="withEffect">
+                                  <p:stCondLst>
+                                    <p:cond delay="0"/>
+                                  </p:stCondLst>
+                                  <p:childTnLst>
+                                    <p:set>
+                                      <p:cBhvr>
+                                        <p:cTn id="15" dur="1" fill="hold">
+                                          <p:stCondLst>
+                                            <p:cond delay="0"/>
+                                          </p:stCondLst>
+                                        </p:cTn>
+                                        <p:tgtEl>
+                                          <p:spTgt spid="3">
+                                            <p:txEl>
+                                              <p:pRg st="3" end="3"/>
+                                            </p:txEl>
+                                          </p:spTgt>
+                                        </p:tgtEl>
+                                        <p:attrNameLst>
+                                          <p:attrName>style.visibility</p:attrName>
+                                        </p:attrNameLst>
+                                      </p:cBhvr>
+                                      <p:to>
+                                        <p:strVal val="visible"/>
+                                      </p:to>
+                                    </p:set>
+                                    <p:animEffect transition="in" filter="fade">
+                                      <p:cBhvr>
+                                        <p:cTn id="16" dur="500"/>
+                                        <p:tgtEl>
+                                          <p:spTgt spid="3">
+                                            <p:txEl>
+                                              <p:pRg st="3" end="3"/>
+                                            </p:txEl>
+                                          </p:spTgt>
+                                        </p:tgtEl>
+                                      </p:cBhvr>
+                                    </p:animEffect>
+                                  </p:childTnLst>
+                                </p:cTn>
+                              </p:par>
+                              <p:par>
+                                <p:cTn id="17" presetID="10" presetClass="entr" presetSubtype="0" fill="hold" nodeType="withEffect">
+                                  <p:stCondLst>
+                                    <p:cond delay="0"/>
+                                  </p:stCondLst>
+                                  <p:childTnLst>
+                                    <p:set>
+                                      <p:cBhvr>
+                                        <p:cTn id="18" dur="1" fill="hold">
+                                          <p:stCondLst>
+                                            <p:cond delay="0"/>
+                                          </p:stCondLst>
+                                        </p:cTn>
+                                        <p:tgtEl>
+                                          <p:spTgt spid="3">
+                                            <p:txEl>
+                                              <p:pRg st="4" end="4"/>
+                                            </p:txEl>
+                                          </p:spTgt>
+                                        </p:tgtEl>
+                                        <p:attrNameLst>
+                                          <p:attrName>style.visibility</p:attrName>
+                                        </p:attrNameLst>
+                                      </p:cBhvr>
+                                      <p:to>
+                                        <p:strVal val="visible"/>
+                                      </p:to>
+                                    </p:set>
+                                    <p:animEffect transition="in" filter="fade">
+                                      <p:cBhvr>
+                                        <p:cTn id="19" dur="500"/>
+                                        <p:tgtEl>
+                                          <p:spTgt spid="3">
+                                            <p:txEl>
+                                              <p:pRg st="4" end="4"/>
+                                            </p:txEl>
+                                          </p:spTgt>
+                                        </p:tgtEl>
+                                      </p:cBhvr>
+                                    </p:animEffect>
+                                  </p:childTnLst>
+                                </p:cTn>
+                              </p:par>
+                              <p:par>
+                                <p:cTn id="20" presetID="10" presetClass="entr" presetSubtype="0" fill="hold" nodeType="withEffect">
+                                  <p:stCondLst>
+                                    <p:cond delay="0"/>
+                                  </p:stCondLst>
+                                  <p:childTnLst>
+                                    <p:set>
+                                      <p:cBhvr>
+                                        <p:cTn id="21" dur="1" fill="hold">
+                                          <p:stCondLst>
+                                            <p:cond delay="0"/>
+                                          </p:stCondLst>
+                                        </p:cTn>
+                                        <p:tgtEl>
+                                          <p:spTgt spid="3">
+                                            <p:txEl>
+                                              <p:pRg st="5" end="5"/>
+                                            </p:txEl>
+                                          </p:spTgt>
+                                        </p:tgtEl>
+                                        <p:attrNameLst>
+                                          <p:attrName>style.visibility</p:attrName>
+                                        </p:attrNameLst>
+                                      </p:cBhvr>
+                                      <p:to>
+                                        <p:strVal val="visible"/>
+                                      </p:to>
+                                    </p:set>
+                                    <p:animEffect transition="in" filter="fade">
+                                      <p:cBhvr>
+                                        <p:cTn id="22" dur="500"/>
+                                        <p:tgtEl>
+                                          <p:spTgt spid="3">
+                                            <p:txEl>
+                                              <p:pRg st="5" end="5"/>
+                                            </p:txEl>
+                                          </p:spTgt>
+                                        </p:tgtEl>
+                                      </p:cBhvr>
+                                    </p:animEffect>
+                                  </p:childTnLst>
+                                </p:cTn>
+                              </p:par>
+                              <p:par>
+                                <p:cTn id="23" presetID="10" presetClass="entr" presetSubtype="0" fill="hold" nodeType="withEffect">
+                                  <p:stCondLst>
+                                    <p:cond delay="0"/>
+                                  </p:stCondLst>
+                                  <p:childTnLst>
+                                    <p:set>
+                                      <p:cBhvr>
+                                        <p:cTn id="24" dur="1" fill="hold">
+                                          <p:stCondLst>
+                                            <p:cond delay="0"/>
+                                          </p:stCondLst>
+                                        </p:cTn>
+                                        <p:tgtEl>
+                                          <p:spTgt spid="3">
+                                            <p:txEl>
+                                              <p:pRg st="6" end="6"/>
+                                            </p:txEl>
+                                          </p:spTgt>
+                                        </p:tgtEl>
+                                        <p:attrNameLst>
+                                          <p:attrName>style.visibility</p:attrName>
+                                        </p:attrNameLst>
+                                      </p:cBhvr>
+                                      <p:to>
+                                        <p:strVal val="visible"/>
+                                      </p:to>
+                                    </p:set>
+                                    <p:animEffect transition="in" filter="fade">
+                                      <p:cBhvr>
+                                        <p:cTn id="25" dur="500"/>
+                                        <p:tgtEl>
+                                          <p:spTgt spid="3">
+                                            <p:txEl>
+                                              <p:pRg st="6" end="6"/>
+                                            </p:txEl>
+                                          </p:spTgt>
+                                        </p:tgtEl>
+                                      </p:cBhvr>
+                                    </p:animEffect>
+                                  </p:childTnLst>
+                                </p:cTn>
+                              </p:par>
+                            </p:childTnLst>
+                          </p:cTn>
+                        </p:par>
+                      </p:childTnLst>
+                    </p:cTn>
+                  </p:par>
+                  <p:par>
+                    <p:cTn id="26" fill="hold">
+                      <p:stCondLst>
+                        <p:cond delay="indefinite"/>
+                      </p:stCondLst>
+                      <p:childTnLst>
+                        <p:par>
+                          <p:cTn id="27" fill="hold">
+                            <p:stCondLst>
+                              <p:cond delay="0"/>
+                            </p:stCondLst>
+                            <p:childTnLst>
+                              <p:par>
+                                <p:cTn id="28" presetID="10" presetClass="entr" presetSubtype="0" fill="hold" nodeType="clickEffect">
+                                  <p:stCondLst>
+                                    <p:cond delay="0"/>
+                                  </p:stCondLst>
+                                  <p:childTnLst>
+                                    <p:set>
+                                      <p:cBhvr>
+                                        <p:cTn id="29" dur="1" fill="hold">
+                                          <p:stCondLst>
+                                            <p:cond delay="0"/>
+                                          </p:stCondLst>
+                                        </p:cTn>
+                                        <p:tgtEl>
+                                          <p:spTgt spid="3">
+                                            <p:txEl>
+                                              <p:pRg st="7" end="7"/>
+                                            </p:txEl>
+                                          </p:spTgt>
+                                        </p:tgtEl>
+                                        <p:attrNameLst>
+                                          <p:attrName>style.visibility</p:attrName>
+                                        </p:attrNameLst>
+                                      </p:cBhvr>
+                                      <p:to>
+                                        <p:strVal val="visible"/>
+                                      </p:to>
+                                    </p:set>
+                                    <p:animEffect transition="in" filter="fade">
+                                      <p:cBhvr>
+                                        <p:cTn id="30" dur="500"/>
+                                        <p:tgtEl>
+                                          <p:spTgt spid="3">
+                                            <p:txEl>
+                                              <p:pRg st="7" end="7"/>
+                                            </p:txEl>
+                                          </p:spTgt>
+                                        </p:tgtEl>
+                                      </p:cBhvr>
+                                    </p:animEffect>
+                                  </p:childTnLst>
+                                </p:cTn>
+                              </p:par>
+                              <p:par>
+                                <p:cTn id="31" presetID="10" presetClass="entr" presetSubtype="0" fill="hold" nodeType="withEffect">
+                                  <p:stCondLst>
+                                    <p:cond delay="0"/>
+                                  </p:stCondLst>
+                                  <p:childTnLst>
+                                    <p:set>
+                                      <p:cBhvr>
+                                        <p:cTn id="32" dur="1" fill="hold">
+                                          <p:stCondLst>
+                                            <p:cond delay="0"/>
+                                          </p:stCondLst>
+                                        </p:cTn>
+                                        <p:tgtEl>
+                                          <p:spTgt spid="3">
+                                            <p:txEl>
+                                              <p:pRg st="8" end="8"/>
+                                            </p:txEl>
+                                          </p:spTgt>
+                                        </p:tgtEl>
+                                        <p:attrNameLst>
+                                          <p:attrName>style.visibility</p:attrName>
+                                        </p:attrNameLst>
+                                      </p:cBhvr>
+                                      <p:to>
+                                        <p:strVal val="visible"/>
+                                      </p:to>
+                                    </p:set>
+                                    <p:animEffect transition="in" filter="fade">
+                                      <p:cBhvr>
+                                        <p:cTn id="33" dur="500"/>
+                                        <p:tgtEl>
+                                          <p:spTgt spid="3">
+                                            <p:txEl>
+                                              <p:pRg st="8" end="8"/>
+                                            </p:txEl>
+                                          </p:spTgt>
+                                        </p:tgtEl>
+                                      </p:cBhvr>
+                                    </p:animEffect>
+                                  </p:childTnLst>
+                                </p:cTn>
+                              </p:par>
+                              <p:par>
+                                <p:cTn id="34" presetID="10" presetClass="entr" presetSubtype="0" fill="hold" nodeType="withEffect">
+                                  <p:stCondLst>
+                                    <p:cond delay="0"/>
+                                  </p:stCondLst>
+                                  <p:childTnLst>
+                                    <p:set>
+                                      <p:cBhvr>
+                                        <p:cTn id="35" dur="1" fill="hold">
+                                          <p:stCondLst>
+                                            <p:cond delay="0"/>
+                                          </p:stCondLst>
+                                        </p:cTn>
+                                        <p:tgtEl>
+                                          <p:spTgt spid="3">
+                                            <p:txEl>
+                                              <p:pRg st="9" end="9"/>
+                                            </p:txEl>
+                                          </p:spTgt>
+                                        </p:tgtEl>
+                                        <p:attrNameLst>
+                                          <p:attrName>style.visibility</p:attrName>
+                                        </p:attrNameLst>
+                                      </p:cBhvr>
+                                      <p:to>
+                                        <p:strVal val="visible"/>
+                                      </p:to>
+                                    </p:set>
+                                    <p:animEffect transition="in" filter="fade">
+                                      <p:cBhvr>
+                                        <p:cTn id="36" dur="500"/>
+                                        <p:tgtEl>
+                                          <p:spTgt spid="3">
+                                            <p:txEl>
+                                              <p:pRg st="9" end="9"/>
+                                            </p:txEl>
+                                          </p:spTgt>
+                                        </p:tgtEl>
+                                      </p:cBhvr>
+                                    </p:animEffect>
+                                  </p:childTnLst>
+                                </p:cTn>
+                              </p:par>
+                              <p:par>
+                                <p:cTn id="37" presetID="10" presetClass="entr" presetSubtype="0" fill="hold" nodeType="withEffect">
+                                  <p:stCondLst>
+                                    <p:cond delay="0"/>
+                                  </p:stCondLst>
+                                  <p:childTnLst>
+                                    <p:set>
+                                      <p:cBhvr>
+                                        <p:cTn id="38" dur="1" fill="hold">
+                                          <p:stCondLst>
+                                            <p:cond delay="0"/>
+                                          </p:stCondLst>
+                                        </p:cTn>
+                                        <p:tgtEl>
+                                          <p:spTgt spid="3">
+                                            <p:txEl>
+                                              <p:pRg st="10" end="10"/>
+                                            </p:txEl>
+                                          </p:spTgt>
+                                        </p:tgtEl>
+                                        <p:attrNameLst>
+                                          <p:attrName>style.visibility</p:attrName>
+                                        </p:attrNameLst>
+                                      </p:cBhvr>
+                                      <p:to>
+                                        <p:strVal val="visible"/>
+                                      </p:to>
+                                    </p:set>
+                                    <p:animEffect transition="in" filter="fade">
+                                      <p:cBhvr>
+                                        <p:cTn id="39" dur="500"/>
+                                        <p:tgtEl>
+                                          <p:spTgt spid="3">
+                                            <p:txEl>
+                                              <p:pRg st="10" end="10"/>
+                                            </p:txEl>
+                                          </p:spTgt>
+                                        </p:tgtEl>
+                                      </p:cBhvr>
+                                    </p:animEffect>
+                                  </p:childTnLst>
+                                </p:cTn>
+                              </p:par>
+                              <p:par>
+                                <p:cTn id="40" presetID="10" presetClass="entr" presetSubtype="0" fill="hold" nodeType="withEffect">
+                                  <p:stCondLst>
+                                    <p:cond delay="0"/>
+                                  </p:stCondLst>
+                                  <p:childTnLst>
+                                    <p:set>
+                                      <p:cBhvr>
+                                        <p:cTn id="41" dur="1" fill="hold">
+                                          <p:stCondLst>
+                                            <p:cond delay="0"/>
+                                          </p:stCondLst>
+                                        </p:cTn>
+                                        <p:tgtEl>
+                                          <p:spTgt spid="5"/>
+                                        </p:tgtEl>
+                                        <p:attrNameLst>
+                                          <p:attrName>style.visibility</p:attrName>
+                                        </p:attrNameLst>
+                                      </p:cBhvr>
+                                      <p:to>
+                                        <p:strVal val="visible"/>
+                                      </p:to>
+                                    </p:set>
+                                    <p:animEffect transition="in" filter="fade">
+                                      <p:cBhvr>
+                                        <p:cTn id="42" dur="500"/>
+                                        <p:tgtEl>
+                                          <p:spTgt spid="5"/>
+                                        </p:tgtEl>
+                                      </p:cBhvr>
+                                    </p:animEffect>
+                                  </p:childTnLst>
+                                </p:cTn>
+                              </p:par>
+                            </p:childTnLst>
+                          </p:cTn>
+                        </p:par>
+                      </p:childTnLst>
+                    </p:cTn>
+                  </p:par>
+                </p:childTnLst>
+              </p:cTn>
+              <p:prevCondLst>
+                <p:cond evt="onPrev" delay="0">
+                  <p:tgtEl>
+                    <p:sldTgt/>
+                  </p:tgtEl>
+                </p:cond>
+              </p:prevCondLst>
+              <p:nextCondLst>
+                <p:cond evt="onNext" delay="0">
+                  <p:tgtEl>
+                    <p:sldTgt/>
+                  </p:tgtEl>
+                </p:cond>
+              </p:nextCondLst>
+            </p:seq>
+          </p:childTnLst>
+        </p:cTn>
+      </p:par>
+    </p:tnLst>
+  </p:timing>
 </p:sld>
 </file>
 
@@ -4224,7 +5464,7 @@
                 <a:latin typeface="Euclid Circular B" panose="020B0504000000000000" pitchFamily="34" charset="0"/>
                 <a:ea typeface="Euclid Circular B" panose="020B0504000000000000" pitchFamily="34" charset="0"/>
               </a:rPr>
-              <a:t>Live Coding</a:t>
+              <a:t>Demo: Live Coding</a:t>
             </a:r>
             <a:endParaRPr lang="en-US" sz="4000" b="1" dirty="0">
               <a:solidFill>
@@ -4302,15 +5542,22 @@
           <a:lstStyle/>
           <a:p>
             <a:r>
-              <a:rPr lang="en-US" b="1" dirty="0">
+              <a:rPr lang="tr-TR" b="1" dirty="0">
                 <a:solidFill>
                   <a:srgbClr val="292D33"/>
                 </a:solidFill>
                 <a:latin typeface="Euclid Circular B" panose="020B0504000000000000" pitchFamily="34" charset="0"/>
                 <a:ea typeface="Euclid Circular B" panose="020B0504000000000000" pitchFamily="34" charset="0"/>
               </a:rPr>
-              <a:t>Topic title</a:t>
-            </a:r>
+              <a:t>ABP: Other features</a:t>
+            </a:r>
+            <a:endParaRPr lang="en-US" b="1" dirty="0">
+              <a:solidFill>
+                <a:srgbClr val="292D33"/>
+              </a:solidFill>
+              <a:latin typeface="Euclid Circular B" panose="020B0504000000000000" pitchFamily="34" charset="0"/>
+              <a:ea typeface="Euclid Circular B" panose="020B0504000000000000" pitchFamily="34" charset="0"/>
+            </a:endParaRPr>
           </a:p>
         </p:txBody>
       </p:sp>
@@ -4332,15 +5579,166 @@
         </p:nvSpPr>
         <p:spPr/>
         <p:txBody>
-          <a:bodyPr/>
+          <a:bodyPr>
+            <a:normAutofit lnSpcReduction="10000"/>
+          </a:bodyPr>
           <a:lstStyle/>
           <a:p>
             <a:r>
-              <a:rPr lang="en-US" dirty="0">
+              <a:rPr lang="tr-TR" b="1" dirty="0">
                 <a:latin typeface="Euclid Circular B" panose="020B0504000000000000" pitchFamily="34" charset="0"/>
                 <a:ea typeface="Euclid Circular B" panose="020B0504000000000000" pitchFamily="34" charset="0"/>
               </a:rPr>
-              <a:t>Content</a:t>
+              <a:t>Distributed event bus </a:t>
+            </a:r>
+            <a:r>
+              <a:rPr lang="tr-TR" dirty="0">
+                <a:latin typeface="Euclid Circular B" panose="020B0504000000000000" pitchFamily="34" charset="0"/>
+                <a:ea typeface="Euclid Circular B" panose="020B0504000000000000" pitchFamily="34" charset="0"/>
+              </a:rPr>
+              <a:t>(RabbitMQ, Kafka, Rebus, Azure... integrations)</a:t>
+            </a:r>
+          </a:p>
+          <a:p>
+            <a:r>
+              <a:rPr lang="tr-TR" dirty="0">
+                <a:latin typeface="Euclid Circular B" panose="020B0504000000000000" pitchFamily="34" charset="0"/>
+                <a:ea typeface="Euclid Circular B" panose="020B0504000000000000" pitchFamily="34" charset="0"/>
+              </a:rPr>
+              <a:t>Automatic / simplified </a:t>
+            </a:r>
+            <a:r>
+              <a:rPr lang="tr-TR" b="1" dirty="0">
+                <a:latin typeface="Euclid Circular B" panose="020B0504000000000000" pitchFamily="34" charset="0"/>
+                <a:ea typeface="Euclid Circular B" panose="020B0504000000000000" pitchFamily="34" charset="0"/>
+              </a:rPr>
+              <a:t>dependency injection</a:t>
+            </a:r>
+          </a:p>
+          <a:p>
+            <a:r>
+              <a:rPr lang="tr-TR" dirty="0">
+                <a:latin typeface="Euclid Circular B" panose="020B0504000000000000" pitchFamily="34" charset="0"/>
+                <a:ea typeface="Euclid Circular B" panose="020B0504000000000000" pitchFamily="34" charset="0"/>
+              </a:rPr>
+              <a:t>Background workers and </a:t>
+            </a:r>
+            <a:r>
+              <a:rPr lang="tr-TR" b="1" dirty="0">
+                <a:latin typeface="Euclid Circular B" panose="020B0504000000000000" pitchFamily="34" charset="0"/>
+                <a:ea typeface="Euclid Circular B" panose="020B0504000000000000" pitchFamily="34" charset="0"/>
+              </a:rPr>
+              <a:t>background job queues</a:t>
+            </a:r>
+          </a:p>
+          <a:p>
+            <a:r>
+              <a:rPr lang="tr-TR" dirty="0">
+                <a:latin typeface="Euclid Circular B" panose="020B0504000000000000" pitchFamily="34" charset="0"/>
+                <a:ea typeface="Euclid Circular B" panose="020B0504000000000000" pitchFamily="34" charset="0"/>
+              </a:rPr>
+              <a:t>Automatic </a:t>
+            </a:r>
+            <a:r>
+              <a:rPr lang="tr-TR" b="1" dirty="0">
+                <a:latin typeface="Euclid Circular B" panose="020B0504000000000000" pitchFamily="34" charset="0"/>
+                <a:ea typeface="Euclid Circular B" panose="020B0504000000000000" pitchFamily="34" charset="0"/>
+              </a:rPr>
+              <a:t>data filtering </a:t>
+            </a:r>
+            <a:r>
+              <a:rPr lang="tr-TR" dirty="0">
+                <a:latin typeface="Euclid Circular B" panose="020B0504000000000000" pitchFamily="34" charset="0"/>
+                <a:ea typeface="Euclid Circular B" panose="020B0504000000000000" pitchFamily="34" charset="0"/>
+              </a:rPr>
+              <a:t>(e.g. Entity.IsActive)</a:t>
+            </a:r>
+          </a:p>
+          <a:p>
+            <a:r>
+              <a:rPr lang="tr-TR" dirty="0">
+                <a:latin typeface="Euclid Circular B" panose="020B0504000000000000" pitchFamily="34" charset="0"/>
+                <a:ea typeface="Euclid Circular B" panose="020B0504000000000000" pitchFamily="34" charset="0"/>
+              </a:rPr>
+              <a:t>Automatic </a:t>
+            </a:r>
+            <a:r>
+              <a:rPr lang="tr-TR" b="1" dirty="0">
+                <a:latin typeface="Euclid Circular B" panose="020B0504000000000000" pitchFamily="34" charset="0"/>
+                <a:ea typeface="Euclid Circular B" panose="020B0504000000000000" pitchFamily="34" charset="0"/>
+              </a:rPr>
+              <a:t>audit logging </a:t>
+            </a:r>
+            <a:r>
+              <a:rPr lang="tr-TR" dirty="0">
+                <a:latin typeface="Euclid Circular B" panose="020B0504000000000000" pitchFamily="34" charset="0"/>
+                <a:ea typeface="Euclid Circular B" panose="020B0504000000000000" pitchFamily="34" charset="0"/>
+              </a:rPr>
+              <a:t>/ entity histories</a:t>
+            </a:r>
+          </a:p>
+          <a:p>
+            <a:r>
+              <a:rPr lang="tr-TR" b="1" dirty="0">
+                <a:latin typeface="Euclid Circular B" panose="020B0504000000000000" pitchFamily="34" charset="0"/>
+                <a:ea typeface="Euclid Circular B" panose="020B0504000000000000" pitchFamily="34" charset="0"/>
+              </a:rPr>
+              <a:t>Distributed locking</a:t>
+            </a:r>
+          </a:p>
+          <a:p>
+            <a:r>
+              <a:rPr lang="tr-TR" b="1" dirty="0">
+                <a:latin typeface="Euclid Circular B" panose="020B0504000000000000" pitchFamily="34" charset="0"/>
+                <a:ea typeface="Euclid Circular B" panose="020B0504000000000000" pitchFamily="34" charset="0"/>
+              </a:rPr>
+              <a:t>Image </a:t>
+            </a:r>
+            <a:r>
+              <a:rPr lang="tr-TR" dirty="0">
+                <a:latin typeface="Euclid Circular B" panose="020B0504000000000000" pitchFamily="34" charset="0"/>
+                <a:ea typeface="Euclid Circular B" panose="020B0504000000000000" pitchFamily="34" charset="0"/>
+              </a:rPr>
+              <a:t>manipulation</a:t>
+            </a:r>
+          </a:p>
+          <a:p>
+            <a:r>
+              <a:rPr lang="tr-TR" b="1" dirty="0">
+                <a:latin typeface="Euclid Circular B" panose="020B0504000000000000" pitchFamily="34" charset="0"/>
+                <a:ea typeface="Euclid Circular B" panose="020B0504000000000000" pitchFamily="34" charset="0"/>
+              </a:rPr>
+              <a:t>Email</a:t>
+            </a:r>
+            <a:r>
+              <a:rPr lang="tr-TR" dirty="0">
+                <a:latin typeface="Euclid Circular B" panose="020B0504000000000000" pitchFamily="34" charset="0"/>
+                <a:ea typeface="Euclid Circular B" panose="020B0504000000000000" pitchFamily="34" charset="0"/>
+              </a:rPr>
+              <a:t> / </a:t>
+            </a:r>
+            <a:r>
+              <a:rPr lang="tr-TR" b="1" dirty="0">
+                <a:latin typeface="Euclid Circular B" panose="020B0504000000000000" pitchFamily="34" charset="0"/>
+                <a:ea typeface="Euclid Circular B" panose="020B0504000000000000" pitchFamily="34" charset="0"/>
+              </a:rPr>
+              <a:t>SMS</a:t>
+            </a:r>
+            <a:r>
+              <a:rPr lang="tr-TR" dirty="0">
+                <a:latin typeface="Euclid Circular B" panose="020B0504000000000000" pitchFamily="34" charset="0"/>
+                <a:ea typeface="Euclid Circular B" panose="020B0504000000000000" pitchFamily="34" charset="0"/>
+              </a:rPr>
+              <a:t> sending</a:t>
+            </a:r>
+          </a:p>
+          <a:p>
+            <a:r>
+              <a:rPr lang="tr-TR" dirty="0">
+                <a:latin typeface="Euclid Circular B" panose="020B0504000000000000" pitchFamily="34" charset="0"/>
+                <a:ea typeface="Euclid Circular B" panose="020B0504000000000000" pitchFamily="34" charset="0"/>
+              </a:rPr>
+              <a:t>...</a:t>
             </a:r>
           </a:p>
         </p:txBody>
@@ -4355,6 +5753,567 @@
   <p:clrMapOvr>
     <a:masterClrMapping/>
   </p:clrMapOvr>
+  <p:timing>
+    <p:tnLst>
+      <p:par>
+        <p:cTn id="1" dur="indefinite" restart="never" nodeType="tmRoot">
+          <p:childTnLst>
+            <p:seq concurrent="1" nextAc="seek">
+              <p:cTn id="2" dur="indefinite" nodeType="mainSeq">
+                <p:childTnLst>
+                  <p:par>
+                    <p:cTn id="3" fill="hold">
+                      <p:stCondLst>
+                        <p:cond delay="indefinite"/>
+                      </p:stCondLst>
+                      <p:childTnLst>
+                        <p:par>
+                          <p:cTn id="4" fill="hold">
+                            <p:stCondLst>
+                              <p:cond delay="0"/>
+                            </p:stCondLst>
+                            <p:childTnLst>
+                              <p:par>
+                                <p:cTn id="5" presetID="10" presetClass="entr" presetSubtype="0" fill="hold" nodeType="clickEffect">
+                                  <p:stCondLst>
+                                    <p:cond delay="0"/>
+                                  </p:stCondLst>
+                                  <p:childTnLst>
+                                    <p:set>
+                                      <p:cBhvr>
+                                        <p:cTn id="6" dur="1" fill="hold">
+                                          <p:stCondLst>
+                                            <p:cond delay="0"/>
+                                          </p:stCondLst>
+                                        </p:cTn>
+                                        <p:tgtEl>
+                                          <p:spTgt spid="3">
+                                            <p:txEl>
+                                              <p:pRg st="0" end="0"/>
+                                            </p:txEl>
+                                          </p:spTgt>
+                                        </p:tgtEl>
+                                        <p:attrNameLst>
+                                          <p:attrName>style.visibility</p:attrName>
+                                        </p:attrNameLst>
+                                      </p:cBhvr>
+                                      <p:to>
+                                        <p:strVal val="visible"/>
+                                      </p:to>
+                                    </p:set>
+                                    <p:animEffect transition="in" filter="fade">
+                                      <p:cBhvr>
+                                        <p:cTn id="7" dur="500"/>
+                                        <p:tgtEl>
+                                          <p:spTgt spid="3">
+                                            <p:txEl>
+                                              <p:pRg st="0" end="0"/>
+                                            </p:txEl>
+                                          </p:spTgt>
+                                        </p:tgtEl>
+                                      </p:cBhvr>
+                                    </p:animEffect>
+                                  </p:childTnLst>
+                                </p:cTn>
+                              </p:par>
+                            </p:childTnLst>
+                          </p:cTn>
+                        </p:par>
+                      </p:childTnLst>
+                    </p:cTn>
+                  </p:par>
+                  <p:par>
+                    <p:cTn id="8" fill="hold">
+                      <p:stCondLst>
+                        <p:cond delay="indefinite"/>
+                      </p:stCondLst>
+                      <p:childTnLst>
+                        <p:par>
+                          <p:cTn id="9" fill="hold">
+                            <p:stCondLst>
+                              <p:cond delay="0"/>
+                            </p:stCondLst>
+                            <p:childTnLst>
+                              <p:par>
+                                <p:cTn id="10" presetID="10" presetClass="entr" presetSubtype="0" fill="hold" nodeType="clickEffect">
+                                  <p:stCondLst>
+                                    <p:cond delay="0"/>
+                                  </p:stCondLst>
+                                  <p:childTnLst>
+                                    <p:set>
+                                      <p:cBhvr>
+                                        <p:cTn id="11" dur="1" fill="hold">
+                                          <p:stCondLst>
+                                            <p:cond delay="0"/>
+                                          </p:stCondLst>
+                                        </p:cTn>
+                                        <p:tgtEl>
+                                          <p:spTgt spid="3">
+                                            <p:txEl>
+                                              <p:pRg st="1" end="1"/>
+                                            </p:txEl>
+                                          </p:spTgt>
+                                        </p:tgtEl>
+                                        <p:attrNameLst>
+                                          <p:attrName>style.visibility</p:attrName>
+                                        </p:attrNameLst>
+                                      </p:cBhvr>
+                                      <p:to>
+                                        <p:strVal val="visible"/>
+                                      </p:to>
+                                    </p:set>
+                                    <p:animEffect transition="in" filter="fade">
+                                      <p:cBhvr>
+                                        <p:cTn id="12" dur="500"/>
+                                        <p:tgtEl>
+                                          <p:spTgt spid="3">
+                                            <p:txEl>
+                                              <p:pRg st="1" end="1"/>
+                                            </p:txEl>
+                                          </p:spTgt>
+                                        </p:tgtEl>
+                                      </p:cBhvr>
+                                    </p:animEffect>
+                                  </p:childTnLst>
+                                </p:cTn>
+                              </p:par>
+                            </p:childTnLst>
+                          </p:cTn>
+                        </p:par>
+                      </p:childTnLst>
+                    </p:cTn>
+                  </p:par>
+                  <p:par>
+                    <p:cTn id="13" fill="hold">
+                      <p:stCondLst>
+                        <p:cond delay="indefinite"/>
+                      </p:stCondLst>
+                      <p:childTnLst>
+                        <p:par>
+                          <p:cTn id="14" fill="hold">
+                            <p:stCondLst>
+                              <p:cond delay="0"/>
+                            </p:stCondLst>
+                            <p:childTnLst>
+                              <p:par>
+                                <p:cTn id="15" presetID="10" presetClass="entr" presetSubtype="0" fill="hold" nodeType="clickEffect">
+                                  <p:stCondLst>
+                                    <p:cond delay="0"/>
+                                  </p:stCondLst>
+                                  <p:childTnLst>
+                                    <p:set>
+                                      <p:cBhvr>
+                                        <p:cTn id="16" dur="1" fill="hold">
+                                          <p:stCondLst>
+                                            <p:cond delay="0"/>
+                                          </p:stCondLst>
+                                        </p:cTn>
+                                        <p:tgtEl>
+                                          <p:spTgt spid="3">
+                                            <p:txEl>
+                                              <p:pRg st="2" end="2"/>
+                                            </p:txEl>
+                                          </p:spTgt>
+                                        </p:tgtEl>
+                                        <p:attrNameLst>
+                                          <p:attrName>style.visibility</p:attrName>
+                                        </p:attrNameLst>
+                                      </p:cBhvr>
+                                      <p:to>
+                                        <p:strVal val="visible"/>
+                                      </p:to>
+                                    </p:set>
+                                    <p:animEffect transition="in" filter="fade">
+                                      <p:cBhvr>
+                                        <p:cTn id="17" dur="500"/>
+                                        <p:tgtEl>
+                                          <p:spTgt spid="3">
+                                            <p:txEl>
+                                              <p:pRg st="2" end="2"/>
+                                            </p:txEl>
+                                          </p:spTgt>
+                                        </p:tgtEl>
+                                      </p:cBhvr>
+                                    </p:animEffect>
+                                  </p:childTnLst>
+                                </p:cTn>
+                              </p:par>
+                            </p:childTnLst>
+                          </p:cTn>
+                        </p:par>
+                      </p:childTnLst>
+                    </p:cTn>
+                  </p:par>
+                  <p:par>
+                    <p:cTn id="18" fill="hold">
+                      <p:stCondLst>
+                        <p:cond delay="indefinite"/>
+                      </p:stCondLst>
+                      <p:childTnLst>
+                        <p:par>
+                          <p:cTn id="19" fill="hold">
+                            <p:stCondLst>
+                              <p:cond delay="0"/>
+                            </p:stCondLst>
+                            <p:childTnLst>
+                              <p:par>
+                                <p:cTn id="20" presetID="10" presetClass="entr" presetSubtype="0" fill="hold" nodeType="clickEffect">
+                                  <p:stCondLst>
+                                    <p:cond delay="0"/>
+                                  </p:stCondLst>
+                                  <p:childTnLst>
+                                    <p:set>
+                                      <p:cBhvr>
+                                        <p:cTn id="21" dur="1" fill="hold">
+                                          <p:stCondLst>
+                                            <p:cond delay="0"/>
+                                          </p:stCondLst>
+                                        </p:cTn>
+                                        <p:tgtEl>
+                                          <p:spTgt spid="3">
+                                            <p:txEl>
+                                              <p:pRg st="3" end="3"/>
+                                            </p:txEl>
+                                          </p:spTgt>
+                                        </p:tgtEl>
+                                        <p:attrNameLst>
+                                          <p:attrName>style.visibility</p:attrName>
+                                        </p:attrNameLst>
+                                      </p:cBhvr>
+                                      <p:to>
+                                        <p:strVal val="visible"/>
+                                      </p:to>
+                                    </p:set>
+                                    <p:animEffect transition="in" filter="fade">
+                                      <p:cBhvr>
+                                        <p:cTn id="22" dur="500"/>
+                                        <p:tgtEl>
+                                          <p:spTgt spid="3">
+                                            <p:txEl>
+                                              <p:pRg st="3" end="3"/>
+                                            </p:txEl>
+                                          </p:spTgt>
+                                        </p:tgtEl>
+                                      </p:cBhvr>
+                                    </p:animEffect>
+                                  </p:childTnLst>
+                                </p:cTn>
+                              </p:par>
+                            </p:childTnLst>
+                          </p:cTn>
+                        </p:par>
+                      </p:childTnLst>
+                    </p:cTn>
+                  </p:par>
+                  <p:par>
+                    <p:cTn id="23" fill="hold">
+                      <p:stCondLst>
+                        <p:cond delay="indefinite"/>
+                      </p:stCondLst>
+                      <p:childTnLst>
+                        <p:par>
+                          <p:cTn id="24" fill="hold">
+                            <p:stCondLst>
+                              <p:cond delay="0"/>
+                            </p:stCondLst>
+                            <p:childTnLst>
+                              <p:par>
+                                <p:cTn id="25" presetID="10" presetClass="entr" presetSubtype="0" fill="hold" nodeType="clickEffect">
+                                  <p:stCondLst>
+                                    <p:cond delay="0"/>
+                                  </p:stCondLst>
+                                  <p:childTnLst>
+                                    <p:set>
+                                      <p:cBhvr>
+                                        <p:cTn id="26" dur="1" fill="hold">
+                                          <p:stCondLst>
+                                            <p:cond delay="0"/>
+                                          </p:stCondLst>
+                                        </p:cTn>
+                                        <p:tgtEl>
+                                          <p:spTgt spid="3">
+                                            <p:txEl>
+                                              <p:pRg st="4" end="4"/>
+                                            </p:txEl>
+                                          </p:spTgt>
+                                        </p:tgtEl>
+                                        <p:attrNameLst>
+                                          <p:attrName>style.visibility</p:attrName>
+                                        </p:attrNameLst>
+                                      </p:cBhvr>
+                                      <p:to>
+                                        <p:strVal val="visible"/>
+                                      </p:to>
+                                    </p:set>
+                                    <p:animEffect transition="in" filter="fade">
+                                      <p:cBhvr>
+                                        <p:cTn id="27" dur="500"/>
+                                        <p:tgtEl>
+                                          <p:spTgt spid="3">
+                                            <p:txEl>
+                                              <p:pRg st="4" end="4"/>
+                                            </p:txEl>
+                                          </p:spTgt>
+                                        </p:tgtEl>
+                                      </p:cBhvr>
+                                    </p:animEffect>
+                                  </p:childTnLst>
+                                </p:cTn>
+                              </p:par>
+                            </p:childTnLst>
+                          </p:cTn>
+                        </p:par>
+                      </p:childTnLst>
+                    </p:cTn>
+                  </p:par>
+                  <p:par>
+                    <p:cTn id="28" fill="hold">
+                      <p:stCondLst>
+                        <p:cond delay="indefinite"/>
+                      </p:stCondLst>
+                      <p:childTnLst>
+                        <p:par>
+                          <p:cTn id="29" fill="hold">
+                            <p:stCondLst>
+                              <p:cond delay="0"/>
+                            </p:stCondLst>
+                            <p:childTnLst>
+                              <p:par>
+                                <p:cTn id="30" presetID="10" presetClass="entr" presetSubtype="0" fill="hold" nodeType="clickEffect">
+                                  <p:stCondLst>
+                                    <p:cond delay="0"/>
+                                  </p:stCondLst>
+                                  <p:childTnLst>
+                                    <p:set>
+                                      <p:cBhvr>
+                                        <p:cTn id="31" dur="1" fill="hold">
+                                          <p:stCondLst>
+                                            <p:cond delay="0"/>
+                                          </p:stCondLst>
+                                        </p:cTn>
+                                        <p:tgtEl>
+                                          <p:spTgt spid="3">
+                                            <p:txEl>
+                                              <p:pRg st="5" end="5"/>
+                                            </p:txEl>
+                                          </p:spTgt>
+                                        </p:tgtEl>
+                                        <p:attrNameLst>
+                                          <p:attrName>style.visibility</p:attrName>
+                                        </p:attrNameLst>
+                                      </p:cBhvr>
+                                      <p:to>
+                                        <p:strVal val="visible"/>
+                                      </p:to>
+                                    </p:set>
+                                    <p:animEffect transition="in" filter="fade">
+                                      <p:cBhvr>
+                                        <p:cTn id="32" dur="500"/>
+                                        <p:tgtEl>
+                                          <p:spTgt spid="3">
+                                            <p:txEl>
+                                              <p:pRg st="5" end="5"/>
+                                            </p:txEl>
+                                          </p:spTgt>
+                                        </p:tgtEl>
+                                      </p:cBhvr>
+                                    </p:animEffect>
+                                  </p:childTnLst>
+                                </p:cTn>
+                              </p:par>
+                            </p:childTnLst>
+                          </p:cTn>
+                        </p:par>
+                      </p:childTnLst>
+                    </p:cTn>
+                  </p:par>
+                  <p:par>
+                    <p:cTn id="33" fill="hold">
+                      <p:stCondLst>
+                        <p:cond delay="indefinite"/>
+                      </p:stCondLst>
+                      <p:childTnLst>
+                        <p:par>
+                          <p:cTn id="34" fill="hold">
+                            <p:stCondLst>
+                              <p:cond delay="0"/>
+                            </p:stCondLst>
+                            <p:childTnLst>
+                              <p:par>
+                                <p:cTn id="35" presetID="10" presetClass="entr" presetSubtype="0" fill="hold" nodeType="clickEffect">
+                                  <p:stCondLst>
+                                    <p:cond delay="0"/>
+                                  </p:stCondLst>
+                                  <p:childTnLst>
+                                    <p:set>
+                                      <p:cBhvr>
+                                        <p:cTn id="36" dur="1" fill="hold">
+                                          <p:stCondLst>
+                                            <p:cond delay="0"/>
+                                          </p:stCondLst>
+                                        </p:cTn>
+                                        <p:tgtEl>
+                                          <p:spTgt spid="3">
+                                            <p:txEl>
+                                              <p:pRg st="6" end="6"/>
+                                            </p:txEl>
+                                          </p:spTgt>
+                                        </p:tgtEl>
+                                        <p:attrNameLst>
+                                          <p:attrName>style.visibility</p:attrName>
+                                        </p:attrNameLst>
+                                      </p:cBhvr>
+                                      <p:to>
+                                        <p:strVal val="visible"/>
+                                      </p:to>
+                                    </p:set>
+                                    <p:animEffect transition="in" filter="fade">
+                                      <p:cBhvr>
+                                        <p:cTn id="37" dur="500"/>
+                                        <p:tgtEl>
+                                          <p:spTgt spid="3">
+                                            <p:txEl>
+                                              <p:pRg st="6" end="6"/>
+                                            </p:txEl>
+                                          </p:spTgt>
+                                        </p:tgtEl>
+                                      </p:cBhvr>
+                                    </p:animEffect>
+                                  </p:childTnLst>
+                                </p:cTn>
+                              </p:par>
+                            </p:childTnLst>
+                          </p:cTn>
+                        </p:par>
+                      </p:childTnLst>
+                    </p:cTn>
+                  </p:par>
+                  <p:par>
+                    <p:cTn id="38" fill="hold">
+                      <p:stCondLst>
+                        <p:cond delay="indefinite"/>
+                      </p:stCondLst>
+                      <p:childTnLst>
+                        <p:par>
+                          <p:cTn id="39" fill="hold">
+                            <p:stCondLst>
+                              <p:cond delay="0"/>
+                            </p:stCondLst>
+                            <p:childTnLst>
+                              <p:par>
+                                <p:cTn id="40" presetID="10" presetClass="entr" presetSubtype="0" fill="hold" nodeType="clickEffect">
+                                  <p:stCondLst>
+                                    <p:cond delay="0"/>
+                                  </p:stCondLst>
+                                  <p:childTnLst>
+                                    <p:set>
+                                      <p:cBhvr>
+                                        <p:cTn id="41" dur="1" fill="hold">
+                                          <p:stCondLst>
+                                            <p:cond delay="0"/>
+                                          </p:stCondLst>
+                                        </p:cTn>
+                                        <p:tgtEl>
+                                          <p:spTgt spid="3">
+                                            <p:txEl>
+                                              <p:pRg st="7" end="7"/>
+                                            </p:txEl>
+                                          </p:spTgt>
+                                        </p:tgtEl>
+                                        <p:attrNameLst>
+                                          <p:attrName>style.visibility</p:attrName>
+                                        </p:attrNameLst>
+                                      </p:cBhvr>
+                                      <p:to>
+                                        <p:strVal val="visible"/>
+                                      </p:to>
+                                    </p:set>
+                                    <p:animEffect transition="in" filter="fade">
+                                      <p:cBhvr>
+                                        <p:cTn id="42" dur="500"/>
+                                        <p:tgtEl>
+                                          <p:spTgt spid="3">
+                                            <p:txEl>
+                                              <p:pRg st="7" end="7"/>
+                                            </p:txEl>
+                                          </p:spTgt>
+                                        </p:tgtEl>
+                                      </p:cBhvr>
+                                    </p:animEffect>
+                                  </p:childTnLst>
+                                </p:cTn>
+                              </p:par>
+                              <p:par>
+                                <p:cTn id="43" presetID="10" presetClass="entr" presetSubtype="0" fill="hold" nodeType="withEffect">
+                                  <p:stCondLst>
+                                    <p:cond delay="0"/>
+                                  </p:stCondLst>
+                                  <p:childTnLst>
+                                    <p:set>
+                                      <p:cBhvr>
+                                        <p:cTn id="44" dur="1" fill="hold">
+                                          <p:stCondLst>
+                                            <p:cond delay="0"/>
+                                          </p:stCondLst>
+                                        </p:cTn>
+                                        <p:tgtEl>
+                                          <p:spTgt spid="3">
+                                            <p:txEl>
+                                              <p:pRg st="8" end="8"/>
+                                            </p:txEl>
+                                          </p:spTgt>
+                                        </p:tgtEl>
+                                        <p:attrNameLst>
+                                          <p:attrName>style.visibility</p:attrName>
+                                        </p:attrNameLst>
+                                      </p:cBhvr>
+                                      <p:to>
+                                        <p:strVal val="visible"/>
+                                      </p:to>
+                                    </p:set>
+                                    <p:animEffect transition="in" filter="fade">
+                                      <p:cBhvr>
+                                        <p:cTn id="45" dur="500"/>
+                                        <p:tgtEl>
+                                          <p:spTgt spid="3">
+                                            <p:txEl>
+                                              <p:pRg st="8" end="8"/>
+                                            </p:txEl>
+                                          </p:spTgt>
+                                        </p:tgtEl>
+                                      </p:cBhvr>
+                                    </p:animEffect>
+                                  </p:childTnLst>
+                                </p:cTn>
+                              </p:par>
+                            </p:childTnLst>
+                          </p:cTn>
+                        </p:par>
+                      </p:childTnLst>
+                    </p:cTn>
+                  </p:par>
+                </p:childTnLst>
+              </p:cTn>
+              <p:prevCondLst>
+                <p:cond evt="onPrev" delay="0">
+                  <p:tgtEl>
+                    <p:sldTgt/>
+                  </p:tgtEl>
+                </p:cond>
+              </p:prevCondLst>
+              <p:nextCondLst>
+                <p:cond evt="onNext" delay="0">
+                  <p:tgtEl>
+                    <p:sldTgt/>
+                  </p:tgtEl>
+                </p:cond>
+              </p:nextCondLst>
+            </p:seq>
+          </p:childTnLst>
+        </p:cTn>
+      </p:par>
+    </p:tnLst>
+  </p:timing>
 </p:sld>
 </file>
 
@@ -4394,7 +6353,7 @@
           <p:cNvPr id="2" name="Title 1">
             <a:extLst>
               <a:ext uri="{FF2B5EF4-FFF2-40B4-BE49-F238E27FC236}">
-                <a16:creationId xmlns:a16="http://schemas.microsoft.com/office/drawing/2014/main" id="{55E11F08-6CA0-48F1-AD67-97430DDA07F0}"/>
+                <a16:creationId xmlns:a16="http://schemas.microsoft.com/office/drawing/2014/main" id="{9255DFBE-19DA-408D-84E6-F4043FC30BD3}"/>
               </a:ext>
             </a:extLst>
           </p:cNvPr>
@@ -4402,62 +6361,40 @@
             <a:spLocks noGrp="1"/>
           </p:cNvSpPr>
           <p:nvPr>
-            <p:ph type="title"/>
+            <p:ph type="ctrTitle"/>
           </p:nvPr>
         </p:nvSpPr>
         <p:spPr/>
         <p:txBody>
-          <a:bodyPr/>
+          <a:bodyPr>
+            <a:normAutofit/>
+          </a:bodyPr>
           <a:lstStyle/>
           <a:p>
             <a:r>
-              <a:rPr lang="en-US" b="1" dirty="0">
+              <a:rPr lang="tr-TR" sz="4000" b="1" dirty="0">
                 <a:solidFill>
                   <a:srgbClr val="292D33"/>
                 </a:solidFill>
                 <a:latin typeface="Euclid Circular B" panose="020B0504000000000000" pitchFamily="34" charset="0"/>
                 <a:ea typeface="Euclid Circular B" panose="020B0504000000000000" pitchFamily="34" charset="0"/>
               </a:rPr>
-              <a:t>Topic title</a:t>
-            </a:r>
-          </a:p>
-        </p:txBody>
-      </p:sp>
-      <p:sp>
-        <p:nvSpPr>
-          <p:cNvPr id="3" name="Content Placeholder 2">
-            <a:extLst>
-              <a:ext uri="{FF2B5EF4-FFF2-40B4-BE49-F238E27FC236}">
-                <a16:creationId xmlns:a16="http://schemas.microsoft.com/office/drawing/2014/main" id="{891C7693-D3DF-4635-96F4-97F3B4136FDF}"/>
-              </a:ext>
-            </a:extLst>
-          </p:cNvPr>
-          <p:cNvSpPr>
-            <a:spLocks noGrp="1"/>
-          </p:cNvSpPr>
-          <p:nvPr>
-            <p:ph idx="1"/>
-          </p:nvPr>
-        </p:nvSpPr>
-        <p:spPr/>
-        <p:txBody>
-          <a:bodyPr/>
-          <a:lstStyle/>
-          <a:p>
-            <a:r>
-              <a:rPr lang="en-US" dirty="0">
-                <a:latin typeface="Euclid Circular B" panose="020B0504000000000000" pitchFamily="34" charset="0"/>
-                <a:ea typeface="Euclid Circular B" panose="020B0504000000000000" pitchFamily="34" charset="0"/>
-              </a:rPr>
-              <a:t>Content</a:t>
-            </a:r>
+              <a:t>Demo: ABP Studio</a:t>
+            </a:r>
+            <a:endParaRPr lang="en-US" sz="4000" b="1" dirty="0">
+              <a:solidFill>
+                <a:srgbClr val="292D33"/>
+              </a:solidFill>
+              <a:latin typeface="Euclid Circular B" panose="020B0504000000000000" pitchFamily="34" charset="0"/>
+              <a:ea typeface="Euclid Circular B" panose="020B0504000000000000" pitchFamily="34" charset="0"/>
+            </a:endParaRPr>
           </a:p>
         </p:txBody>
       </p:sp>
     </p:spTree>
     <p:extLst>
       <p:ext uri="{BB962C8B-B14F-4D97-AF65-F5344CB8AC3E}">
-        <p14:creationId xmlns:p14="http://schemas.microsoft.com/office/powerpoint/2010/main" val="1222127004"/>
+        <p14:creationId xmlns:p14="http://schemas.microsoft.com/office/powerpoint/2010/main" val="185236194"/>
       </p:ext>
     </p:extLst>
   </p:cSld>
@@ -4468,834 +6405,6 @@
 </file>
 
 <file path=ppt/slides/slide16.xml><?xml version="1.0" encoding="utf-8"?>
-<p:sld xmlns:a="http://schemas.openxmlformats.org/drawingml/2006/main" xmlns:r="http://schemas.openxmlformats.org/officeDocument/2006/relationships" xmlns:p="http://schemas.openxmlformats.org/presentationml/2006/main">
-  <p:cSld>
-    <p:bg>
-      <p:bgPr>
-        <a:blipFill dpi="0" rotWithShape="1">
-          <a:blip r:embed="rId2">
-            <a:lum/>
-          </a:blip>
-          <a:srcRect/>
-          <a:stretch>
-            <a:fillRect/>
-          </a:stretch>
-        </a:blipFill>
-        <a:effectLst/>
-      </p:bgPr>
-    </p:bg>
-    <p:spTree>
-      <p:nvGrpSpPr>
-        <p:cNvPr id="1" name=""/>
-        <p:cNvGrpSpPr/>
-        <p:nvPr/>
-      </p:nvGrpSpPr>
-      <p:grpSpPr>
-        <a:xfrm>
-          <a:off x="0" y="0"/>
-          <a:ext cx="0" cy="0"/>
-          <a:chOff x="0" y="0"/>
-          <a:chExt cx="0" cy="0"/>
-        </a:xfrm>
-      </p:grpSpPr>
-      <p:sp>
-        <p:nvSpPr>
-          <p:cNvPr id="2" name="Title 1">
-            <a:extLst>
-              <a:ext uri="{FF2B5EF4-FFF2-40B4-BE49-F238E27FC236}">
-                <a16:creationId xmlns:a16="http://schemas.microsoft.com/office/drawing/2014/main" id="{55E11F08-6CA0-48F1-AD67-97430DDA07F0}"/>
-              </a:ext>
-            </a:extLst>
-          </p:cNvPr>
-          <p:cNvSpPr>
-            <a:spLocks noGrp="1"/>
-          </p:cNvSpPr>
-          <p:nvPr>
-            <p:ph type="title"/>
-          </p:nvPr>
-        </p:nvSpPr>
-        <p:spPr/>
-        <p:txBody>
-          <a:bodyPr/>
-          <a:lstStyle/>
-          <a:p>
-            <a:r>
-              <a:rPr lang="en-US" b="1" dirty="0">
-                <a:solidFill>
-                  <a:srgbClr val="292D33"/>
-                </a:solidFill>
-                <a:latin typeface="Euclid Circular B" panose="020B0504000000000000" pitchFamily="34" charset="0"/>
-                <a:ea typeface="Euclid Circular B" panose="020B0504000000000000" pitchFamily="34" charset="0"/>
-              </a:rPr>
-              <a:t>Topic title</a:t>
-            </a:r>
-          </a:p>
-        </p:txBody>
-      </p:sp>
-      <p:sp>
-        <p:nvSpPr>
-          <p:cNvPr id="3" name="Content Placeholder 2">
-            <a:extLst>
-              <a:ext uri="{FF2B5EF4-FFF2-40B4-BE49-F238E27FC236}">
-                <a16:creationId xmlns:a16="http://schemas.microsoft.com/office/drawing/2014/main" id="{891C7693-D3DF-4635-96F4-97F3B4136FDF}"/>
-              </a:ext>
-            </a:extLst>
-          </p:cNvPr>
-          <p:cNvSpPr>
-            <a:spLocks noGrp="1"/>
-          </p:cNvSpPr>
-          <p:nvPr>
-            <p:ph idx="1"/>
-          </p:nvPr>
-        </p:nvSpPr>
-        <p:spPr/>
-        <p:txBody>
-          <a:bodyPr/>
-          <a:lstStyle/>
-          <a:p>
-            <a:r>
-              <a:rPr lang="en-US" dirty="0">
-                <a:latin typeface="Euclid Circular B" panose="020B0504000000000000" pitchFamily="34" charset="0"/>
-                <a:ea typeface="Euclid Circular B" panose="020B0504000000000000" pitchFamily="34" charset="0"/>
-              </a:rPr>
-              <a:t>Content</a:t>
-            </a:r>
-          </a:p>
-        </p:txBody>
-      </p:sp>
-    </p:spTree>
-    <p:extLst>
-      <p:ext uri="{BB962C8B-B14F-4D97-AF65-F5344CB8AC3E}">
-        <p14:creationId xmlns:p14="http://schemas.microsoft.com/office/powerpoint/2010/main" val="64268788"/>
-      </p:ext>
-    </p:extLst>
-  </p:cSld>
-  <p:clrMapOvr>
-    <a:masterClrMapping/>
-  </p:clrMapOvr>
-</p:sld>
-</file>
-
-<file path=ppt/slides/slide17.xml><?xml version="1.0" encoding="utf-8"?>
-<p:sld xmlns:a="http://schemas.openxmlformats.org/drawingml/2006/main" xmlns:r="http://schemas.openxmlformats.org/officeDocument/2006/relationships" xmlns:p="http://schemas.openxmlformats.org/presentationml/2006/main">
-  <p:cSld>
-    <p:bg>
-      <p:bgPr>
-        <a:blipFill dpi="0" rotWithShape="1">
-          <a:blip r:embed="rId2">
-            <a:lum/>
-          </a:blip>
-          <a:srcRect/>
-          <a:stretch>
-            <a:fillRect/>
-          </a:stretch>
-        </a:blipFill>
-        <a:effectLst/>
-      </p:bgPr>
-    </p:bg>
-    <p:spTree>
-      <p:nvGrpSpPr>
-        <p:cNvPr id="1" name=""/>
-        <p:cNvGrpSpPr/>
-        <p:nvPr/>
-      </p:nvGrpSpPr>
-      <p:grpSpPr>
-        <a:xfrm>
-          <a:off x="0" y="0"/>
-          <a:ext cx="0" cy="0"/>
-          <a:chOff x="0" y="0"/>
-          <a:chExt cx="0" cy="0"/>
-        </a:xfrm>
-      </p:grpSpPr>
-      <p:sp>
-        <p:nvSpPr>
-          <p:cNvPr id="2" name="Title 1">
-            <a:extLst>
-              <a:ext uri="{FF2B5EF4-FFF2-40B4-BE49-F238E27FC236}">
-                <a16:creationId xmlns:a16="http://schemas.microsoft.com/office/drawing/2014/main" id="{55E11F08-6CA0-48F1-AD67-97430DDA07F0}"/>
-              </a:ext>
-            </a:extLst>
-          </p:cNvPr>
-          <p:cNvSpPr>
-            <a:spLocks noGrp="1"/>
-          </p:cNvSpPr>
-          <p:nvPr>
-            <p:ph type="title"/>
-          </p:nvPr>
-        </p:nvSpPr>
-        <p:spPr/>
-        <p:txBody>
-          <a:bodyPr/>
-          <a:lstStyle/>
-          <a:p>
-            <a:r>
-              <a:rPr lang="en-US" b="1" dirty="0">
-                <a:solidFill>
-                  <a:srgbClr val="292D33"/>
-                </a:solidFill>
-                <a:latin typeface="Euclid Circular B" panose="020B0504000000000000" pitchFamily="34" charset="0"/>
-                <a:ea typeface="Euclid Circular B" panose="020B0504000000000000" pitchFamily="34" charset="0"/>
-              </a:rPr>
-              <a:t>Topic title</a:t>
-            </a:r>
-          </a:p>
-        </p:txBody>
-      </p:sp>
-      <p:sp>
-        <p:nvSpPr>
-          <p:cNvPr id="3" name="Content Placeholder 2">
-            <a:extLst>
-              <a:ext uri="{FF2B5EF4-FFF2-40B4-BE49-F238E27FC236}">
-                <a16:creationId xmlns:a16="http://schemas.microsoft.com/office/drawing/2014/main" id="{891C7693-D3DF-4635-96F4-97F3B4136FDF}"/>
-              </a:ext>
-            </a:extLst>
-          </p:cNvPr>
-          <p:cNvSpPr>
-            <a:spLocks noGrp="1"/>
-          </p:cNvSpPr>
-          <p:nvPr>
-            <p:ph idx="1"/>
-          </p:nvPr>
-        </p:nvSpPr>
-        <p:spPr/>
-        <p:txBody>
-          <a:bodyPr/>
-          <a:lstStyle/>
-          <a:p>
-            <a:r>
-              <a:rPr lang="en-US" dirty="0">
-                <a:latin typeface="Euclid Circular B" panose="020B0504000000000000" pitchFamily="34" charset="0"/>
-                <a:ea typeface="Euclid Circular B" panose="020B0504000000000000" pitchFamily="34" charset="0"/>
-              </a:rPr>
-              <a:t>Content</a:t>
-            </a:r>
-          </a:p>
-        </p:txBody>
-      </p:sp>
-    </p:spTree>
-    <p:extLst>
-      <p:ext uri="{BB962C8B-B14F-4D97-AF65-F5344CB8AC3E}">
-        <p14:creationId xmlns:p14="http://schemas.microsoft.com/office/powerpoint/2010/main" val="3117832177"/>
-      </p:ext>
-    </p:extLst>
-  </p:cSld>
-  <p:clrMapOvr>
-    <a:masterClrMapping/>
-  </p:clrMapOvr>
-</p:sld>
-</file>
-
-<file path=ppt/slides/slide18.xml><?xml version="1.0" encoding="utf-8"?>
-<p:sld xmlns:a="http://schemas.openxmlformats.org/drawingml/2006/main" xmlns:r="http://schemas.openxmlformats.org/officeDocument/2006/relationships" xmlns:p="http://schemas.openxmlformats.org/presentationml/2006/main">
-  <p:cSld>
-    <p:bg>
-      <p:bgPr>
-        <a:blipFill dpi="0" rotWithShape="1">
-          <a:blip r:embed="rId2">
-            <a:lum/>
-          </a:blip>
-          <a:srcRect/>
-          <a:stretch>
-            <a:fillRect/>
-          </a:stretch>
-        </a:blipFill>
-        <a:effectLst/>
-      </p:bgPr>
-    </p:bg>
-    <p:spTree>
-      <p:nvGrpSpPr>
-        <p:cNvPr id="1" name=""/>
-        <p:cNvGrpSpPr/>
-        <p:nvPr/>
-      </p:nvGrpSpPr>
-      <p:grpSpPr>
-        <a:xfrm>
-          <a:off x="0" y="0"/>
-          <a:ext cx="0" cy="0"/>
-          <a:chOff x="0" y="0"/>
-          <a:chExt cx="0" cy="0"/>
-        </a:xfrm>
-      </p:grpSpPr>
-      <p:sp>
-        <p:nvSpPr>
-          <p:cNvPr id="2" name="Title 1">
-            <a:extLst>
-              <a:ext uri="{FF2B5EF4-FFF2-40B4-BE49-F238E27FC236}">
-                <a16:creationId xmlns:a16="http://schemas.microsoft.com/office/drawing/2014/main" id="{55E11F08-6CA0-48F1-AD67-97430DDA07F0}"/>
-              </a:ext>
-            </a:extLst>
-          </p:cNvPr>
-          <p:cNvSpPr>
-            <a:spLocks noGrp="1"/>
-          </p:cNvSpPr>
-          <p:nvPr>
-            <p:ph type="title"/>
-          </p:nvPr>
-        </p:nvSpPr>
-        <p:spPr/>
-        <p:txBody>
-          <a:bodyPr/>
-          <a:lstStyle/>
-          <a:p>
-            <a:r>
-              <a:rPr lang="en-US" b="1" dirty="0">
-                <a:solidFill>
-                  <a:srgbClr val="292D33"/>
-                </a:solidFill>
-                <a:latin typeface="Euclid Circular B" panose="020B0504000000000000" pitchFamily="34" charset="0"/>
-                <a:ea typeface="Euclid Circular B" panose="020B0504000000000000" pitchFamily="34" charset="0"/>
-              </a:rPr>
-              <a:t>Topic title</a:t>
-            </a:r>
-          </a:p>
-        </p:txBody>
-      </p:sp>
-      <p:sp>
-        <p:nvSpPr>
-          <p:cNvPr id="3" name="Content Placeholder 2">
-            <a:extLst>
-              <a:ext uri="{FF2B5EF4-FFF2-40B4-BE49-F238E27FC236}">
-                <a16:creationId xmlns:a16="http://schemas.microsoft.com/office/drawing/2014/main" id="{891C7693-D3DF-4635-96F4-97F3B4136FDF}"/>
-              </a:ext>
-            </a:extLst>
-          </p:cNvPr>
-          <p:cNvSpPr>
-            <a:spLocks noGrp="1"/>
-          </p:cNvSpPr>
-          <p:nvPr>
-            <p:ph idx="1"/>
-          </p:nvPr>
-        </p:nvSpPr>
-        <p:spPr/>
-        <p:txBody>
-          <a:bodyPr/>
-          <a:lstStyle/>
-          <a:p>
-            <a:r>
-              <a:rPr lang="en-US" dirty="0">
-                <a:latin typeface="Euclid Circular B" panose="020B0504000000000000" pitchFamily="34" charset="0"/>
-                <a:ea typeface="Euclid Circular B" panose="020B0504000000000000" pitchFamily="34" charset="0"/>
-              </a:rPr>
-              <a:t>Content</a:t>
-            </a:r>
-          </a:p>
-        </p:txBody>
-      </p:sp>
-    </p:spTree>
-    <p:extLst>
-      <p:ext uri="{BB962C8B-B14F-4D97-AF65-F5344CB8AC3E}">
-        <p14:creationId xmlns:p14="http://schemas.microsoft.com/office/powerpoint/2010/main" val="1346198292"/>
-      </p:ext>
-    </p:extLst>
-  </p:cSld>
-  <p:clrMapOvr>
-    <a:masterClrMapping/>
-  </p:clrMapOvr>
-</p:sld>
-</file>
-
-<file path=ppt/slides/slide19.xml><?xml version="1.0" encoding="utf-8"?>
-<p:sld xmlns:a="http://schemas.openxmlformats.org/drawingml/2006/main" xmlns:r="http://schemas.openxmlformats.org/officeDocument/2006/relationships" xmlns:p="http://schemas.openxmlformats.org/presentationml/2006/main">
-  <p:cSld>
-    <p:bg>
-      <p:bgPr>
-        <a:blipFill dpi="0" rotWithShape="1">
-          <a:blip r:embed="rId2">
-            <a:lum/>
-          </a:blip>
-          <a:srcRect/>
-          <a:stretch>
-            <a:fillRect/>
-          </a:stretch>
-        </a:blipFill>
-        <a:effectLst/>
-      </p:bgPr>
-    </p:bg>
-    <p:spTree>
-      <p:nvGrpSpPr>
-        <p:cNvPr id="1" name=""/>
-        <p:cNvGrpSpPr/>
-        <p:nvPr/>
-      </p:nvGrpSpPr>
-      <p:grpSpPr>
-        <a:xfrm>
-          <a:off x="0" y="0"/>
-          <a:ext cx="0" cy="0"/>
-          <a:chOff x="0" y="0"/>
-          <a:chExt cx="0" cy="0"/>
-        </a:xfrm>
-      </p:grpSpPr>
-      <p:sp>
-        <p:nvSpPr>
-          <p:cNvPr id="2" name="Title 1">
-            <a:extLst>
-              <a:ext uri="{FF2B5EF4-FFF2-40B4-BE49-F238E27FC236}">
-                <a16:creationId xmlns:a16="http://schemas.microsoft.com/office/drawing/2014/main" id="{55E11F08-6CA0-48F1-AD67-97430DDA07F0}"/>
-              </a:ext>
-            </a:extLst>
-          </p:cNvPr>
-          <p:cNvSpPr>
-            <a:spLocks noGrp="1"/>
-          </p:cNvSpPr>
-          <p:nvPr>
-            <p:ph type="title"/>
-          </p:nvPr>
-        </p:nvSpPr>
-        <p:spPr/>
-        <p:txBody>
-          <a:bodyPr/>
-          <a:lstStyle/>
-          <a:p>
-            <a:r>
-              <a:rPr lang="en-US" b="1" dirty="0">
-                <a:solidFill>
-                  <a:srgbClr val="292D33"/>
-                </a:solidFill>
-                <a:latin typeface="Euclid Circular B" panose="020B0504000000000000" pitchFamily="34" charset="0"/>
-                <a:ea typeface="Euclid Circular B" panose="020B0504000000000000" pitchFamily="34" charset="0"/>
-              </a:rPr>
-              <a:t>Topic title</a:t>
-            </a:r>
-          </a:p>
-        </p:txBody>
-      </p:sp>
-      <p:sp>
-        <p:nvSpPr>
-          <p:cNvPr id="3" name="Content Placeholder 2">
-            <a:extLst>
-              <a:ext uri="{FF2B5EF4-FFF2-40B4-BE49-F238E27FC236}">
-                <a16:creationId xmlns:a16="http://schemas.microsoft.com/office/drawing/2014/main" id="{891C7693-D3DF-4635-96F4-97F3B4136FDF}"/>
-              </a:ext>
-            </a:extLst>
-          </p:cNvPr>
-          <p:cNvSpPr>
-            <a:spLocks noGrp="1"/>
-          </p:cNvSpPr>
-          <p:nvPr>
-            <p:ph idx="1"/>
-          </p:nvPr>
-        </p:nvSpPr>
-        <p:spPr/>
-        <p:txBody>
-          <a:bodyPr/>
-          <a:lstStyle/>
-          <a:p>
-            <a:r>
-              <a:rPr lang="en-US" dirty="0">
-                <a:latin typeface="Euclid Circular B" panose="020B0504000000000000" pitchFamily="34" charset="0"/>
-                <a:ea typeface="Euclid Circular B" panose="020B0504000000000000" pitchFamily="34" charset="0"/>
-              </a:rPr>
-              <a:t>Content</a:t>
-            </a:r>
-          </a:p>
-        </p:txBody>
-      </p:sp>
-    </p:spTree>
-    <p:extLst>
-      <p:ext uri="{BB962C8B-B14F-4D97-AF65-F5344CB8AC3E}">
-        <p14:creationId xmlns:p14="http://schemas.microsoft.com/office/powerpoint/2010/main" val="3160537251"/>
-      </p:ext>
-    </p:extLst>
-  </p:cSld>
-  <p:clrMapOvr>
-    <a:masterClrMapping/>
-  </p:clrMapOvr>
-</p:sld>
-</file>
-
-<file path=ppt/slides/slide2.xml><?xml version="1.0" encoding="utf-8"?>
-<p:sld xmlns:a="http://schemas.openxmlformats.org/drawingml/2006/main" xmlns:r="http://schemas.openxmlformats.org/officeDocument/2006/relationships" xmlns:p="http://schemas.openxmlformats.org/presentationml/2006/main">
-  <p:cSld>
-    <p:bg>
-      <p:bgPr>
-        <a:blipFill dpi="0" rotWithShape="1">
-          <a:blip r:embed="rId2">
-            <a:lum/>
-          </a:blip>
-          <a:srcRect/>
-          <a:stretch>
-            <a:fillRect/>
-          </a:stretch>
-        </a:blipFill>
-        <a:effectLst/>
-      </p:bgPr>
-    </p:bg>
-    <p:spTree>
-      <p:nvGrpSpPr>
-        <p:cNvPr id="1" name=""/>
-        <p:cNvGrpSpPr/>
-        <p:nvPr/>
-      </p:nvGrpSpPr>
-      <p:grpSpPr>
-        <a:xfrm>
-          <a:off x="0" y="0"/>
-          <a:ext cx="0" cy="0"/>
-          <a:chOff x="0" y="0"/>
-          <a:chExt cx="0" cy="0"/>
-        </a:xfrm>
-      </p:grpSpPr>
-      <p:sp>
-        <p:nvSpPr>
-          <p:cNvPr id="2" name="Title 1">
-            <a:extLst>
-              <a:ext uri="{FF2B5EF4-FFF2-40B4-BE49-F238E27FC236}">
-                <a16:creationId xmlns:a16="http://schemas.microsoft.com/office/drawing/2014/main" id="{55E11F08-6CA0-48F1-AD67-97430DDA07F0}"/>
-              </a:ext>
-            </a:extLst>
-          </p:cNvPr>
-          <p:cNvSpPr>
-            <a:spLocks noGrp="1"/>
-          </p:cNvSpPr>
-          <p:nvPr>
-            <p:ph type="title"/>
-          </p:nvPr>
-        </p:nvSpPr>
-        <p:spPr/>
-        <p:txBody>
-          <a:bodyPr/>
-          <a:lstStyle/>
-          <a:p>
-            <a:r>
-              <a:rPr lang="tr-TR" b="1" dirty="0">
-                <a:solidFill>
-                  <a:srgbClr val="292D33"/>
-                </a:solidFill>
-                <a:latin typeface="Euclid Circular B" panose="020B0504000000000000" pitchFamily="34" charset="0"/>
-                <a:ea typeface="Euclid Circular B" panose="020B0504000000000000" pitchFamily="34" charset="0"/>
-              </a:rPr>
-              <a:t>Agenda</a:t>
-            </a:r>
-            <a:endParaRPr lang="en-US" b="1" dirty="0">
-              <a:solidFill>
-                <a:srgbClr val="292D33"/>
-              </a:solidFill>
-              <a:latin typeface="Euclid Circular B" panose="020B0504000000000000" pitchFamily="34" charset="0"/>
-              <a:ea typeface="Euclid Circular B" panose="020B0504000000000000" pitchFamily="34" charset="0"/>
-            </a:endParaRPr>
-          </a:p>
-        </p:txBody>
-      </p:sp>
-      <p:sp>
-        <p:nvSpPr>
-          <p:cNvPr id="3" name="Content Placeholder 2">
-            <a:extLst>
-              <a:ext uri="{FF2B5EF4-FFF2-40B4-BE49-F238E27FC236}">
-                <a16:creationId xmlns:a16="http://schemas.microsoft.com/office/drawing/2014/main" id="{891C7693-D3DF-4635-96F4-97F3B4136FDF}"/>
-              </a:ext>
-            </a:extLst>
-          </p:cNvPr>
-          <p:cNvSpPr>
-            <a:spLocks noGrp="1"/>
-          </p:cNvSpPr>
-          <p:nvPr>
-            <p:ph idx="1"/>
-          </p:nvPr>
-        </p:nvSpPr>
-        <p:spPr/>
-        <p:txBody>
-          <a:bodyPr/>
-          <a:lstStyle/>
-          <a:p>
-            <a:r>
-              <a:rPr lang="tr-TR" dirty="0">
-                <a:latin typeface="Euclid Circular B" panose="020B0504000000000000" pitchFamily="34" charset="0"/>
-                <a:ea typeface="Euclid Circular B" panose="020B0504000000000000" pitchFamily="34" charset="0"/>
-              </a:rPr>
-              <a:t>What is the ABP Framework?</a:t>
-            </a:r>
-          </a:p>
-          <a:p>
-            <a:r>
-              <a:rPr lang="tr-TR" dirty="0">
-                <a:latin typeface="Euclid Circular B" panose="020B0504000000000000" pitchFamily="34" charset="0"/>
-                <a:ea typeface="Euclid Circular B" panose="020B0504000000000000" pitchFamily="34" charset="0"/>
-              </a:rPr>
-              <a:t>Why use the ABP Framework?</a:t>
-            </a:r>
-          </a:p>
-          <a:p>
-            <a:r>
-              <a:rPr lang="tr-TR" dirty="0">
-                <a:latin typeface="Euclid Circular B" panose="020B0504000000000000" pitchFamily="34" charset="0"/>
-                <a:ea typeface="Euclid Circular B" panose="020B0504000000000000" pitchFamily="34" charset="0"/>
-              </a:rPr>
-              <a:t>Live coding demo</a:t>
-            </a:r>
-          </a:p>
-          <a:p>
-            <a:r>
-              <a:rPr lang="tr-TR" dirty="0">
-                <a:latin typeface="Euclid Circular B" panose="020B0504000000000000" pitchFamily="34" charset="0"/>
-                <a:ea typeface="Euclid Circular B" panose="020B0504000000000000" pitchFamily="34" charset="0"/>
-              </a:rPr>
-              <a:t>ABP Framework: feature highlights</a:t>
-            </a:r>
-          </a:p>
-          <a:p>
-            <a:r>
-              <a:rPr lang="tr-TR" dirty="0">
-                <a:latin typeface="Euclid Circular B" panose="020B0504000000000000" pitchFamily="34" charset="0"/>
-                <a:ea typeface="Euclid Circular B" panose="020B0504000000000000" pitchFamily="34" charset="0"/>
-              </a:rPr>
-              <a:t>ABP Studio demo</a:t>
-            </a:r>
-          </a:p>
-          <a:p>
-            <a:r>
-              <a:rPr lang="tr-TR" dirty="0">
-                <a:latin typeface="Euclid Circular B" panose="020B0504000000000000" pitchFamily="34" charset="0"/>
-                <a:ea typeface="Euclid Circular B" panose="020B0504000000000000" pitchFamily="34" charset="0"/>
-              </a:rPr>
-              <a:t>The ABP Platform</a:t>
-            </a:r>
-          </a:p>
-          <a:p>
-            <a:r>
-              <a:rPr lang="tr-TR" dirty="0">
-                <a:latin typeface="Euclid Circular B" panose="020B0504000000000000" pitchFamily="34" charset="0"/>
-                <a:ea typeface="Euclid Circular B" panose="020B0504000000000000" pitchFamily="34" charset="0"/>
-              </a:rPr>
-              <a:t>QA</a:t>
-            </a:r>
-            <a:endParaRPr lang="en-US" dirty="0">
-              <a:latin typeface="Euclid Circular B" panose="020B0504000000000000" pitchFamily="34" charset="0"/>
-              <a:ea typeface="Euclid Circular B" panose="020B0504000000000000" pitchFamily="34" charset="0"/>
-            </a:endParaRPr>
-          </a:p>
-        </p:txBody>
-      </p:sp>
-    </p:spTree>
-    <p:extLst>
-      <p:ext uri="{BB962C8B-B14F-4D97-AF65-F5344CB8AC3E}">
-        <p14:creationId xmlns:p14="http://schemas.microsoft.com/office/powerpoint/2010/main" val="721846992"/>
-      </p:ext>
-    </p:extLst>
-  </p:cSld>
-  <p:clrMapOvr>
-    <a:masterClrMapping/>
-  </p:clrMapOvr>
-</p:sld>
-</file>
-
-<file path=ppt/slides/slide20.xml><?xml version="1.0" encoding="utf-8"?>
-<p:sld xmlns:a="http://schemas.openxmlformats.org/drawingml/2006/main" xmlns:r="http://schemas.openxmlformats.org/officeDocument/2006/relationships" xmlns:p="http://schemas.openxmlformats.org/presentationml/2006/main">
-  <p:cSld>
-    <p:bg>
-      <p:bgPr>
-        <a:blipFill dpi="0" rotWithShape="1">
-          <a:blip r:embed="rId2">
-            <a:lum/>
-          </a:blip>
-          <a:srcRect/>
-          <a:stretch>
-            <a:fillRect/>
-          </a:stretch>
-        </a:blipFill>
-        <a:effectLst/>
-      </p:bgPr>
-    </p:bg>
-    <p:spTree>
-      <p:nvGrpSpPr>
-        <p:cNvPr id="1" name=""/>
-        <p:cNvGrpSpPr/>
-        <p:nvPr/>
-      </p:nvGrpSpPr>
-      <p:grpSpPr>
-        <a:xfrm>
-          <a:off x="0" y="0"/>
-          <a:ext cx="0" cy="0"/>
-          <a:chOff x="0" y="0"/>
-          <a:chExt cx="0" cy="0"/>
-        </a:xfrm>
-      </p:grpSpPr>
-      <p:sp>
-        <p:nvSpPr>
-          <p:cNvPr id="2" name="Title 1">
-            <a:extLst>
-              <a:ext uri="{FF2B5EF4-FFF2-40B4-BE49-F238E27FC236}">
-                <a16:creationId xmlns:a16="http://schemas.microsoft.com/office/drawing/2014/main" id="{55E11F08-6CA0-48F1-AD67-97430DDA07F0}"/>
-              </a:ext>
-            </a:extLst>
-          </p:cNvPr>
-          <p:cNvSpPr>
-            <a:spLocks noGrp="1"/>
-          </p:cNvSpPr>
-          <p:nvPr>
-            <p:ph type="title"/>
-          </p:nvPr>
-        </p:nvSpPr>
-        <p:spPr/>
-        <p:txBody>
-          <a:bodyPr/>
-          <a:lstStyle/>
-          <a:p>
-            <a:r>
-              <a:rPr lang="en-US" b="1" dirty="0">
-                <a:solidFill>
-                  <a:srgbClr val="292D33"/>
-                </a:solidFill>
-                <a:latin typeface="Euclid Circular B" panose="020B0504000000000000" pitchFamily="34" charset="0"/>
-                <a:ea typeface="Euclid Circular B" panose="020B0504000000000000" pitchFamily="34" charset="0"/>
-              </a:rPr>
-              <a:t>Topic title</a:t>
-            </a:r>
-          </a:p>
-        </p:txBody>
-      </p:sp>
-      <p:sp>
-        <p:nvSpPr>
-          <p:cNvPr id="3" name="Content Placeholder 2">
-            <a:extLst>
-              <a:ext uri="{FF2B5EF4-FFF2-40B4-BE49-F238E27FC236}">
-                <a16:creationId xmlns:a16="http://schemas.microsoft.com/office/drawing/2014/main" id="{891C7693-D3DF-4635-96F4-97F3B4136FDF}"/>
-              </a:ext>
-            </a:extLst>
-          </p:cNvPr>
-          <p:cNvSpPr>
-            <a:spLocks noGrp="1"/>
-          </p:cNvSpPr>
-          <p:nvPr>
-            <p:ph idx="1"/>
-          </p:nvPr>
-        </p:nvSpPr>
-        <p:spPr/>
-        <p:txBody>
-          <a:bodyPr/>
-          <a:lstStyle/>
-          <a:p>
-            <a:r>
-              <a:rPr lang="en-US" dirty="0">
-                <a:latin typeface="Euclid Circular B" panose="020B0504000000000000" pitchFamily="34" charset="0"/>
-                <a:ea typeface="Euclid Circular B" panose="020B0504000000000000" pitchFamily="34" charset="0"/>
-              </a:rPr>
-              <a:t>Content</a:t>
-            </a:r>
-          </a:p>
-        </p:txBody>
-      </p:sp>
-    </p:spTree>
-    <p:extLst>
-      <p:ext uri="{BB962C8B-B14F-4D97-AF65-F5344CB8AC3E}">
-        <p14:creationId xmlns:p14="http://schemas.microsoft.com/office/powerpoint/2010/main" val="420218861"/>
-      </p:ext>
-    </p:extLst>
-  </p:cSld>
-  <p:clrMapOvr>
-    <a:masterClrMapping/>
-  </p:clrMapOvr>
-</p:sld>
-</file>
-
-<file path=ppt/slides/slide21.xml><?xml version="1.0" encoding="utf-8"?>
-<p:sld xmlns:a="http://schemas.openxmlformats.org/drawingml/2006/main" xmlns:r="http://schemas.openxmlformats.org/officeDocument/2006/relationships" xmlns:p="http://schemas.openxmlformats.org/presentationml/2006/main">
-  <p:cSld>
-    <p:bg>
-      <p:bgPr>
-        <a:blipFill dpi="0" rotWithShape="1">
-          <a:blip r:embed="rId2">
-            <a:lum/>
-          </a:blip>
-          <a:srcRect/>
-          <a:stretch>
-            <a:fillRect/>
-          </a:stretch>
-        </a:blipFill>
-        <a:effectLst/>
-      </p:bgPr>
-    </p:bg>
-    <p:spTree>
-      <p:nvGrpSpPr>
-        <p:cNvPr id="1" name=""/>
-        <p:cNvGrpSpPr/>
-        <p:nvPr/>
-      </p:nvGrpSpPr>
-      <p:grpSpPr>
-        <a:xfrm>
-          <a:off x="0" y="0"/>
-          <a:ext cx="0" cy="0"/>
-          <a:chOff x="0" y="0"/>
-          <a:chExt cx="0" cy="0"/>
-        </a:xfrm>
-      </p:grpSpPr>
-      <p:sp>
-        <p:nvSpPr>
-          <p:cNvPr id="2" name="Title 1">
-            <a:extLst>
-              <a:ext uri="{FF2B5EF4-FFF2-40B4-BE49-F238E27FC236}">
-                <a16:creationId xmlns:a16="http://schemas.microsoft.com/office/drawing/2014/main" id="{55E11F08-6CA0-48F1-AD67-97430DDA07F0}"/>
-              </a:ext>
-            </a:extLst>
-          </p:cNvPr>
-          <p:cNvSpPr>
-            <a:spLocks noGrp="1"/>
-          </p:cNvSpPr>
-          <p:nvPr>
-            <p:ph type="title"/>
-          </p:nvPr>
-        </p:nvSpPr>
-        <p:spPr/>
-        <p:txBody>
-          <a:bodyPr/>
-          <a:lstStyle/>
-          <a:p>
-            <a:r>
-              <a:rPr lang="en-US" b="1" dirty="0">
-                <a:solidFill>
-                  <a:srgbClr val="292D33"/>
-                </a:solidFill>
-                <a:latin typeface="Euclid Circular B" panose="020B0504000000000000" pitchFamily="34" charset="0"/>
-                <a:ea typeface="Euclid Circular B" panose="020B0504000000000000" pitchFamily="34" charset="0"/>
-              </a:rPr>
-              <a:t>Topic title</a:t>
-            </a:r>
-          </a:p>
-        </p:txBody>
-      </p:sp>
-      <p:sp>
-        <p:nvSpPr>
-          <p:cNvPr id="3" name="Content Placeholder 2">
-            <a:extLst>
-              <a:ext uri="{FF2B5EF4-FFF2-40B4-BE49-F238E27FC236}">
-                <a16:creationId xmlns:a16="http://schemas.microsoft.com/office/drawing/2014/main" id="{891C7693-D3DF-4635-96F4-97F3B4136FDF}"/>
-              </a:ext>
-            </a:extLst>
-          </p:cNvPr>
-          <p:cNvSpPr>
-            <a:spLocks noGrp="1"/>
-          </p:cNvSpPr>
-          <p:nvPr>
-            <p:ph idx="1"/>
-          </p:nvPr>
-        </p:nvSpPr>
-        <p:spPr/>
-        <p:txBody>
-          <a:bodyPr/>
-          <a:lstStyle/>
-          <a:p>
-            <a:r>
-              <a:rPr lang="en-US" dirty="0">
-                <a:latin typeface="Euclid Circular B" panose="020B0504000000000000" pitchFamily="34" charset="0"/>
-                <a:ea typeface="Euclid Circular B" panose="020B0504000000000000" pitchFamily="34" charset="0"/>
-              </a:rPr>
-              <a:t>Content</a:t>
-            </a:r>
-          </a:p>
-        </p:txBody>
-      </p:sp>
-    </p:spTree>
-    <p:extLst>
-      <p:ext uri="{BB962C8B-B14F-4D97-AF65-F5344CB8AC3E}">
-        <p14:creationId xmlns:p14="http://schemas.microsoft.com/office/powerpoint/2010/main" val="4062837141"/>
-      </p:ext>
-    </p:extLst>
-  </p:cSld>
-  <p:clrMapOvr>
-    <a:masterClrMapping/>
-  </p:clrMapOvr>
-</p:sld>
-</file>
-
-<file path=ppt/slides/slide22.xml><?xml version="1.0" encoding="utf-8"?>
 <p:sld xmlns:a="http://schemas.openxmlformats.org/drawingml/2006/main" xmlns:r="http://schemas.openxmlformats.org/officeDocument/2006/relationships" xmlns:p="http://schemas.openxmlformats.org/presentationml/2006/main">
   <p:cSld>
     <p:bg>
@@ -10820,9 +11929,23 @@
 </p:sld>
 </file>
 
-<file path=ppt/slides/slide3.xml><?xml version="1.0" encoding="utf-8"?>
+<file path=ppt/slides/slide17.xml><?xml version="1.0" encoding="utf-8"?>
 <p:sld xmlns:a="http://schemas.openxmlformats.org/drawingml/2006/main" xmlns:r="http://schemas.openxmlformats.org/officeDocument/2006/relationships" xmlns:p="http://schemas.openxmlformats.org/presentationml/2006/main">
   <p:cSld>
+    <p:bg>
+      <p:bgPr>
+        <a:blipFill dpi="0" rotWithShape="1">
+          <a:blip r:embed="rId2">
+            <a:lum/>
+          </a:blip>
+          <a:srcRect/>
+          <a:stretch>
+            <a:fillRect/>
+          </a:stretch>
+        </a:blipFill>
+        <a:effectLst/>
+      </p:bgPr>
+    </p:bg>
     <p:spTree>
       <p:nvGrpSpPr>
         <p:cNvPr id="1" name=""/>
@@ -10842,6 +11965,1402 @@
           <p:cNvPr id="2" name="Title 1">
             <a:extLst>
               <a:ext uri="{FF2B5EF4-FFF2-40B4-BE49-F238E27FC236}">
+                <a16:creationId xmlns:a16="http://schemas.microsoft.com/office/drawing/2014/main" id="{55E11F08-6CA0-48F1-AD67-97430DDA07F0}"/>
+              </a:ext>
+            </a:extLst>
+          </p:cNvPr>
+          <p:cNvSpPr>
+            <a:spLocks noGrp="1"/>
+          </p:cNvSpPr>
+          <p:nvPr>
+            <p:ph type="title"/>
+          </p:nvPr>
+        </p:nvSpPr>
+        <p:spPr/>
+        <p:txBody>
+          <a:bodyPr/>
+          <a:lstStyle/>
+          <a:p>
+            <a:r>
+              <a:rPr lang="tr-TR" b="1" dirty="0">
+                <a:solidFill>
+                  <a:srgbClr val="292D33"/>
+                </a:solidFill>
+                <a:latin typeface="Euclid Circular B" panose="020B0504000000000000" pitchFamily="34" charset="0"/>
+                <a:ea typeface="Euclid Circular B" panose="020B0504000000000000" pitchFamily="34" charset="0"/>
+              </a:rPr>
+              <a:t>Thanks! Questions..?</a:t>
+            </a:r>
+            <a:endParaRPr lang="en-US" b="1" dirty="0">
+              <a:solidFill>
+                <a:srgbClr val="292D33"/>
+              </a:solidFill>
+              <a:latin typeface="Euclid Circular B" panose="020B0504000000000000" pitchFamily="34" charset="0"/>
+              <a:ea typeface="Euclid Circular B" panose="020B0504000000000000" pitchFamily="34" charset="0"/>
+            </a:endParaRPr>
+          </a:p>
+        </p:txBody>
+      </p:sp>
+      <p:grpSp>
+        <p:nvGrpSpPr>
+          <p:cNvPr id="6" name="Grup 8">
+            <a:extLst>
+              <a:ext uri="{FF2B5EF4-FFF2-40B4-BE49-F238E27FC236}">
+                <a16:creationId xmlns:a16="http://schemas.microsoft.com/office/drawing/2014/main" id="{6EBFE272-49D1-B2D3-C5CB-06290240B39F}"/>
+              </a:ext>
+            </a:extLst>
+          </p:cNvPr>
+          <p:cNvGrpSpPr/>
+          <p:nvPr/>
+        </p:nvGrpSpPr>
+        <p:grpSpPr>
+          <a:xfrm>
+            <a:off x="719598" y="1792486"/>
+            <a:ext cx="5203670" cy="1303340"/>
+            <a:chOff x="1110572" y="5192094"/>
+            <a:chExt cx="5203670" cy="1303340"/>
+          </a:xfrm>
+        </p:grpSpPr>
+        <p:pic>
+          <p:nvPicPr>
+            <p:cNvPr id="7" name="Resim 2">
+              <a:extLst>
+                <a:ext uri="{FF2B5EF4-FFF2-40B4-BE49-F238E27FC236}">
+                  <a16:creationId xmlns:a16="http://schemas.microsoft.com/office/drawing/2014/main" id="{E4C6C2F3-19DB-66D8-2050-05220C20634D}"/>
+                </a:ext>
+              </a:extLst>
+            </p:cNvPr>
+            <p:cNvPicPr>
+              <a:picLocks noChangeAspect="1"/>
+            </p:cNvPicPr>
+            <p:nvPr/>
+          </p:nvPicPr>
+          <p:blipFill>
+            <a:blip r:embed="rId3">
+              <a:extLst>
+                <a:ext uri="{28A0092B-C50C-407E-A947-70E740481C1C}">
+                  <a14:useLocalDpi xmlns:a14="http://schemas.microsoft.com/office/drawing/2010/main" val="0"/>
+                </a:ext>
+              </a:extLst>
+            </a:blip>
+            <a:srcRect/>
+            <a:stretch/>
+          </p:blipFill>
+          <p:spPr>
+            <a:xfrm>
+              <a:off x="1110572" y="5192094"/>
+              <a:ext cx="1303340" cy="1303340"/>
+            </a:xfrm>
+            <a:prstGeom prst="rect">
+              <a:avLst/>
+            </a:prstGeom>
+          </p:spPr>
+        </p:pic>
+        <p:sp>
+          <p:nvSpPr>
+            <p:cNvPr id="8" name="Metin kutusu 3">
+              <a:extLst>
+                <a:ext uri="{FF2B5EF4-FFF2-40B4-BE49-F238E27FC236}">
+                  <a16:creationId xmlns:a16="http://schemas.microsoft.com/office/drawing/2014/main" id="{F3F634EF-8CB8-406F-28DD-949A595093D9}"/>
+                </a:ext>
+              </a:extLst>
+            </p:cNvPr>
+            <p:cNvSpPr txBox="1"/>
+            <p:nvPr/>
+          </p:nvSpPr>
+          <p:spPr>
+            <a:xfrm>
+              <a:off x="2686326" y="5384359"/>
+              <a:ext cx="3627916" cy="523220"/>
+            </a:xfrm>
+            <a:prstGeom prst="rect">
+              <a:avLst/>
+            </a:prstGeom>
+            <a:noFill/>
+          </p:spPr>
+          <p:txBody>
+            <a:bodyPr wrap="none" rtlCol="0">
+              <a:spAutoFit/>
+            </a:bodyPr>
+            <a:lstStyle/>
+            <a:p>
+              <a:r>
+                <a:rPr lang="tr-TR" sz="2800" dirty="0">
+                  <a:solidFill>
+                    <a:srgbClr val="1C2313"/>
+                  </a:solidFill>
+                  <a:latin typeface="Open Sans" pitchFamily="2" charset="0"/>
+                  <a:ea typeface="Open Sans" pitchFamily="2" charset="0"/>
+                  <a:cs typeface="Open Sans" pitchFamily="2" charset="0"/>
+                </a:rPr>
+                <a:t>Halil 	İbrahim Kalkan</a:t>
+              </a:r>
+            </a:p>
+          </p:txBody>
+        </p:sp>
+        <p:sp>
+          <p:nvSpPr>
+            <p:cNvPr id="9" name="Metin kutusu 5">
+              <a:extLst>
+                <a:ext uri="{FF2B5EF4-FFF2-40B4-BE49-F238E27FC236}">
+                  <a16:creationId xmlns:a16="http://schemas.microsoft.com/office/drawing/2014/main" id="{BA02E00F-A061-7626-C290-7766B1EEDE0A}"/>
+                </a:ext>
+              </a:extLst>
+            </p:cNvPr>
+            <p:cNvSpPr txBox="1"/>
+            <p:nvPr/>
+          </p:nvSpPr>
+          <p:spPr>
+            <a:xfrm>
+              <a:off x="2687287" y="5919753"/>
+              <a:ext cx="1683474" cy="369332"/>
+            </a:xfrm>
+            <a:prstGeom prst="rect">
+              <a:avLst/>
+            </a:prstGeom>
+            <a:noFill/>
+          </p:spPr>
+          <p:txBody>
+            <a:bodyPr wrap="none" rtlCol="0">
+              <a:spAutoFit/>
+            </a:bodyPr>
+            <a:lstStyle/>
+            <a:p>
+              <a:r>
+                <a:rPr lang="tr-TR" u="sng" dirty="0" err="1">
+                  <a:solidFill>
+                    <a:srgbClr val="5B636F"/>
+                  </a:solidFill>
+                  <a:latin typeface="Open Sans" pitchFamily="2" charset="0"/>
+                  <a:ea typeface="Open Sans" pitchFamily="2" charset="0"/>
+                  <a:cs typeface="Open Sans" pitchFamily="2" charset="0"/>
+                </a:rPr>
+                <a:t>Co-founder</a:t>
+              </a:r>
+              <a:r>
+                <a:rPr lang="tr-TR" u="sng" dirty="0">
+                  <a:solidFill>
+                    <a:srgbClr val="5B636F"/>
+                  </a:solidFill>
+                  <a:latin typeface="Open Sans" pitchFamily="2" charset="0"/>
+                  <a:ea typeface="Open Sans" pitchFamily="2" charset="0"/>
+                  <a:cs typeface="Open Sans" pitchFamily="2" charset="0"/>
+                </a:rPr>
+                <a:t> of</a:t>
+              </a:r>
+              <a:endParaRPr lang="tr-TR" dirty="0">
+                <a:solidFill>
+                  <a:srgbClr val="5B636F"/>
+                </a:solidFill>
+                <a:latin typeface="Open Sans" pitchFamily="2" charset="0"/>
+                <a:ea typeface="Open Sans" pitchFamily="2" charset="0"/>
+                <a:cs typeface="Open Sans" pitchFamily="2" charset="0"/>
+              </a:endParaRPr>
+            </a:p>
+          </p:txBody>
+        </p:sp>
+      </p:grpSp>
+      <p:pic>
+        <p:nvPicPr>
+          <p:cNvPr id="10" name="Resim 4">
+            <a:extLst>
+              <a:ext uri="{FF2B5EF4-FFF2-40B4-BE49-F238E27FC236}">
+                <a16:creationId xmlns:a16="http://schemas.microsoft.com/office/drawing/2014/main" id="{D36E58FF-FBA3-743D-0AC4-0480F62A7FF7}"/>
+              </a:ext>
+            </a:extLst>
+          </p:cNvPr>
+          <p:cNvPicPr>
+            <a:picLocks noChangeAspect="1"/>
+          </p:cNvPicPr>
+          <p:nvPr/>
+        </p:nvPicPr>
+        <p:blipFill>
+          <a:blip r:embed="rId4">
+            <a:extLst>
+              <a:ext uri="{28A0092B-C50C-407E-A947-70E740481C1C}">
+                <a14:useLocalDpi xmlns:a14="http://schemas.microsoft.com/office/drawing/2010/main" val="0"/>
+              </a:ext>
+            </a:extLst>
+          </a:blip>
+          <a:stretch>
+            <a:fillRect/>
+          </a:stretch>
+        </p:blipFill>
+        <p:spPr>
+          <a:xfrm>
+            <a:off x="3951115" y="2536061"/>
+            <a:ext cx="1280522" cy="310430"/>
+          </a:xfrm>
+          <a:prstGeom prst="rect">
+            <a:avLst/>
+          </a:prstGeom>
+        </p:spPr>
+      </p:pic>
+      <p:sp>
+        <p:nvSpPr>
+          <p:cNvPr id="11" name="TextBox 10">
+            <a:extLst>
+              <a:ext uri="{FF2B5EF4-FFF2-40B4-BE49-F238E27FC236}">
+                <a16:creationId xmlns:a16="http://schemas.microsoft.com/office/drawing/2014/main" id="{B9A192AC-23CE-2F9B-FB7F-6E69E092E40C}"/>
+              </a:ext>
+            </a:extLst>
+          </p:cNvPr>
+          <p:cNvSpPr txBox="1"/>
+          <p:nvPr/>
+        </p:nvSpPr>
+        <p:spPr>
+          <a:xfrm>
+            <a:off x="619859" y="3580548"/>
+            <a:ext cx="11572141" cy="2677656"/>
+          </a:xfrm>
+          <a:prstGeom prst="rect">
+            <a:avLst/>
+          </a:prstGeom>
+          <a:noFill/>
+        </p:spPr>
+        <p:txBody>
+          <a:bodyPr wrap="square">
+            <a:spAutoFit/>
+          </a:bodyPr>
+          <a:lstStyle/>
+          <a:p>
+            <a:pPr>
+              <a:lnSpc>
+                <a:spcPct val="100000"/>
+              </a:lnSpc>
+            </a:pPr>
+            <a:r>
+              <a:rPr lang="en-US" sz="2800" b="1" dirty="0">
+                <a:solidFill>
+                  <a:srgbClr val="292D33"/>
+                </a:solidFill>
+                <a:latin typeface="HelveticaNeueLT Std" panose="020B0604020202020204" pitchFamily="34" charset="0"/>
+              </a:rPr>
+              <a:t>Web</a:t>
+            </a:r>
+            <a:r>
+              <a:rPr lang="tr-TR" sz="2800" dirty="0">
+                <a:solidFill>
+                  <a:srgbClr val="292D33"/>
+                </a:solidFill>
+                <a:latin typeface="HelveticaNeueLT Std" panose="020B0604020202020204" pitchFamily="34" charset="0"/>
+              </a:rPr>
+              <a:t>: </a:t>
+            </a:r>
+            <a:r>
+              <a:rPr lang="tr-TR" sz="2800" dirty="0">
+                <a:solidFill>
+                  <a:srgbClr val="292D33"/>
+                </a:solidFill>
+                <a:latin typeface="HelveticaNeueLT Std" panose="020B0604020202020204" pitchFamily="34" charset="0"/>
+                <a:hlinkClick r:id="rId5"/>
+              </a:rPr>
+              <a:t>https://</a:t>
+            </a:r>
+            <a:r>
+              <a:rPr lang="en-US" sz="2800" dirty="0">
+                <a:solidFill>
+                  <a:srgbClr val="292D33"/>
+                </a:solidFill>
+                <a:latin typeface="HelveticaNeueLT Std" panose="020B0604020202020204" pitchFamily="34" charset="0"/>
+                <a:hlinkClick r:id="rId5"/>
+              </a:rPr>
+              <a:t>halilibrahimkalkan.com</a:t>
+            </a:r>
+            <a:r>
+              <a:rPr lang="tr-TR" sz="2800" dirty="0">
+                <a:solidFill>
+                  <a:srgbClr val="292D33"/>
+                </a:solidFill>
+                <a:latin typeface="HelveticaNeueLT Std" panose="020B0604020202020204" pitchFamily="34" charset="0"/>
+              </a:rPr>
+              <a:t> </a:t>
+            </a:r>
+            <a:br>
+              <a:rPr lang="en-US" sz="2800" b="1" dirty="0">
+                <a:solidFill>
+                  <a:srgbClr val="292D33"/>
+                </a:solidFill>
+                <a:latin typeface="HelveticaNeueLT Std" panose="020B0604020202020204" pitchFamily="34" charset="0"/>
+              </a:rPr>
+            </a:br>
+            <a:r>
+              <a:rPr lang="en-US" sz="2800" b="1" dirty="0">
+                <a:solidFill>
+                  <a:srgbClr val="292D33"/>
+                </a:solidFill>
+                <a:latin typeface="HelveticaNeueLT Std" panose="020B0604020202020204" pitchFamily="34" charset="0"/>
+              </a:rPr>
+              <a:t>Git</a:t>
+            </a:r>
+            <a:r>
+              <a:rPr lang="tr-TR" sz="2800" b="1" dirty="0">
+                <a:solidFill>
+                  <a:srgbClr val="292D33"/>
+                </a:solidFill>
+                <a:latin typeface="HelveticaNeueLT Std" panose="020B0604020202020204" pitchFamily="34" charset="0"/>
+              </a:rPr>
+              <a:t>H</a:t>
+            </a:r>
+            <a:r>
+              <a:rPr lang="en-US" sz="2800" b="1" dirty="0" err="1">
+                <a:solidFill>
+                  <a:srgbClr val="292D33"/>
+                </a:solidFill>
+                <a:latin typeface="HelveticaNeueLT Std" panose="020B0604020202020204" pitchFamily="34" charset="0"/>
+              </a:rPr>
+              <a:t>ub</a:t>
+            </a:r>
+            <a:r>
+              <a:rPr lang="tr-TR" sz="2800" dirty="0">
+                <a:solidFill>
+                  <a:srgbClr val="292D33"/>
+                </a:solidFill>
+                <a:latin typeface="HelveticaNeueLT Std" panose="020B0604020202020204" pitchFamily="34" charset="0"/>
+              </a:rPr>
+              <a:t>: </a:t>
+            </a:r>
+            <a:r>
+              <a:rPr lang="tr-TR" sz="2800" dirty="0">
+                <a:solidFill>
+                  <a:srgbClr val="0070C0"/>
+                </a:solidFill>
+                <a:latin typeface="HelveticaNeueLT Std" panose="020B0604020202020204" pitchFamily="34" charset="0"/>
+              </a:rPr>
+              <a:t>h</a:t>
+            </a:r>
+            <a:r>
+              <a:rPr lang="en-US" sz="2800" dirty="0" err="1">
+                <a:solidFill>
+                  <a:srgbClr val="0070C0"/>
+                </a:solidFill>
+                <a:latin typeface="HelveticaNeueLT Std" panose="020B0604020202020204" pitchFamily="34" charset="0"/>
+              </a:rPr>
+              <a:t>ikalkan</a:t>
+            </a:r>
+            <a:endParaRPr lang="en-US" sz="2800" dirty="0">
+              <a:solidFill>
+                <a:srgbClr val="0070C0"/>
+              </a:solidFill>
+              <a:latin typeface="HelveticaNeueLT Std" panose="020B0604020202020204" pitchFamily="34" charset="0"/>
+            </a:endParaRPr>
+          </a:p>
+          <a:p>
+            <a:pPr>
+              <a:lnSpc>
+                <a:spcPct val="100000"/>
+              </a:lnSpc>
+            </a:pPr>
+            <a:r>
+              <a:rPr lang="en-US" sz="2800" b="1" dirty="0">
+                <a:solidFill>
+                  <a:srgbClr val="292D33"/>
+                </a:solidFill>
+                <a:latin typeface="HelveticaNeueLT Std" panose="020B0604020202020204" pitchFamily="34" charset="0"/>
+              </a:rPr>
+              <a:t>Twitter</a:t>
+            </a:r>
+            <a:r>
+              <a:rPr lang="tr-TR" sz="2800" dirty="0">
+                <a:solidFill>
+                  <a:srgbClr val="292D33"/>
+                </a:solidFill>
+                <a:latin typeface="HelveticaNeueLT Std" panose="020B0604020202020204" pitchFamily="34" charset="0"/>
+              </a:rPr>
+              <a:t>: </a:t>
+            </a:r>
+            <a:r>
+              <a:rPr lang="en-US" sz="2800" dirty="0" err="1">
+                <a:solidFill>
+                  <a:srgbClr val="0070C0"/>
+                </a:solidFill>
+                <a:latin typeface="HelveticaNeueLT Std" panose="020B0604020202020204" pitchFamily="34" charset="0"/>
+              </a:rPr>
+              <a:t>hibrahimkalkan</a:t>
+            </a:r>
+            <a:endParaRPr lang="tr-TR" sz="2800" dirty="0">
+              <a:solidFill>
+                <a:srgbClr val="0070C0"/>
+              </a:solidFill>
+              <a:latin typeface="HelveticaNeueLT Std" panose="020B0604020202020204" pitchFamily="34" charset="0"/>
+            </a:endParaRPr>
+          </a:p>
+          <a:p>
+            <a:pPr>
+              <a:lnSpc>
+                <a:spcPct val="100000"/>
+              </a:lnSpc>
+            </a:pPr>
+            <a:r>
+              <a:rPr lang="tr-TR" sz="2800" b="1" dirty="0">
+                <a:solidFill>
+                  <a:srgbClr val="292D33"/>
+                </a:solidFill>
+                <a:latin typeface="HelveticaNeueLT Std" panose="020B0604020202020204" pitchFamily="34" charset="0"/>
+              </a:rPr>
+              <a:t>ABP Framework</a:t>
+            </a:r>
+            <a:r>
+              <a:rPr lang="tr-TR" sz="2800" dirty="0">
+                <a:solidFill>
+                  <a:srgbClr val="292D33"/>
+                </a:solidFill>
+                <a:latin typeface="HelveticaNeueLT Std" panose="020B0604020202020204" pitchFamily="34" charset="0"/>
+              </a:rPr>
+              <a:t>: </a:t>
+            </a:r>
+            <a:r>
+              <a:rPr lang="tr-TR" sz="2800" dirty="0">
+                <a:solidFill>
+                  <a:srgbClr val="292D33"/>
+                </a:solidFill>
+                <a:latin typeface="HelveticaNeueLT Std" panose="020B0604020202020204" pitchFamily="34" charset="0"/>
+                <a:hlinkClick r:id="rId6"/>
+              </a:rPr>
+              <a:t>https://abp.io</a:t>
+            </a:r>
+            <a:r>
+              <a:rPr lang="tr-TR" sz="2800" dirty="0">
+                <a:solidFill>
+                  <a:srgbClr val="292D33"/>
+                </a:solidFill>
+                <a:latin typeface="HelveticaNeueLT Std" panose="020B0604020202020204" pitchFamily="34" charset="0"/>
+              </a:rPr>
+              <a:t> </a:t>
+            </a:r>
+          </a:p>
+          <a:p>
+            <a:r>
+              <a:rPr lang="tr-TR" sz="2800" b="1" dirty="0">
+                <a:solidFill>
+                  <a:srgbClr val="292D33"/>
+                </a:solidFill>
+                <a:latin typeface="HelveticaNeueLT Std" panose="020B0604020202020204" pitchFamily="34" charset="0"/>
+              </a:rPr>
+              <a:t>This Presentation</a:t>
+            </a:r>
+            <a:r>
+              <a:rPr lang="tr-TR" sz="2800" dirty="0"/>
+              <a:t>: </a:t>
+            </a:r>
+            <a:r>
+              <a:rPr lang="en-US" sz="2800" dirty="0">
+                <a:latin typeface="HelveticaNeueLT Std" panose="020B0604020202020204"/>
+                <a:hlinkClick r:id="rId7"/>
+              </a:rPr>
+              <a:t>https://github.com/hikalkan/presentations</a:t>
+            </a:r>
+            <a:r>
+              <a:rPr lang="tr-TR" sz="2800" dirty="0"/>
+              <a:t> </a:t>
+            </a:r>
+            <a:endParaRPr lang="en-US" sz="2800" dirty="0">
+              <a:latin typeface="HelveticaNeueLT Std" panose="020B0604020202020204"/>
+            </a:endParaRPr>
+          </a:p>
+          <a:p>
+            <a:pPr>
+              <a:lnSpc>
+                <a:spcPct val="100000"/>
+              </a:lnSpc>
+            </a:pPr>
+            <a:endParaRPr lang="en-US" sz="2800" dirty="0">
+              <a:solidFill>
+                <a:srgbClr val="292D33"/>
+              </a:solidFill>
+              <a:latin typeface="HelveticaNeueLT Std" panose="020B0604020202020204" pitchFamily="34" charset="0"/>
+            </a:endParaRPr>
+          </a:p>
+        </p:txBody>
+      </p:sp>
+      <p:pic>
+        <p:nvPicPr>
+          <p:cNvPr id="13" name="Picture 12">
+            <a:extLst>
+              <a:ext uri="{FF2B5EF4-FFF2-40B4-BE49-F238E27FC236}">
+                <a16:creationId xmlns:a16="http://schemas.microsoft.com/office/drawing/2014/main" id="{4C79E8BE-CEC0-D808-B0E4-AA0CFCA72786}"/>
+              </a:ext>
+            </a:extLst>
+          </p:cNvPr>
+          <p:cNvPicPr>
+            <a:picLocks noChangeAspect="1"/>
+          </p:cNvPicPr>
+          <p:nvPr/>
+        </p:nvPicPr>
+        <p:blipFill>
+          <a:blip r:embed="rId8"/>
+          <a:stretch>
+            <a:fillRect/>
+          </a:stretch>
+        </p:blipFill>
+        <p:spPr>
+          <a:xfrm>
+            <a:off x="8082294" y="1486800"/>
+            <a:ext cx="3088626" cy="3117357"/>
+          </a:xfrm>
+          <a:prstGeom prst="rect">
+            <a:avLst/>
+          </a:prstGeom>
+        </p:spPr>
+      </p:pic>
+      <p:sp>
+        <p:nvSpPr>
+          <p:cNvPr id="15" name="TextBox 14">
+            <a:extLst>
+              <a:ext uri="{FF2B5EF4-FFF2-40B4-BE49-F238E27FC236}">
+                <a16:creationId xmlns:a16="http://schemas.microsoft.com/office/drawing/2014/main" id="{7DABAD5D-123C-D543-002D-7CD1988A66D6}"/>
+              </a:ext>
+            </a:extLst>
+          </p:cNvPr>
+          <p:cNvSpPr txBox="1"/>
+          <p:nvPr/>
+        </p:nvSpPr>
+        <p:spPr>
+          <a:xfrm>
+            <a:off x="8082294" y="1107731"/>
+            <a:ext cx="3025679" cy="369332"/>
+          </a:xfrm>
+          <a:prstGeom prst="rect">
+            <a:avLst/>
+          </a:prstGeom>
+          <a:noFill/>
+        </p:spPr>
+        <p:txBody>
+          <a:bodyPr wrap="square">
+            <a:spAutoFit/>
+          </a:bodyPr>
+          <a:lstStyle/>
+          <a:p>
+            <a:pPr algn="ctr">
+              <a:lnSpc>
+                <a:spcPct val="100000"/>
+              </a:lnSpc>
+            </a:pPr>
+            <a:r>
+              <a:rPr lang="en-US" sz="1800" b="1" dirty="0">
+                <a:solidFill>
+                  <a:srgbClr val="292D33"/>
+                </a:solidFill>
+                <a:latin typeface="HelveticaNeueLT Std" panose="020B0604020202020204" pitchFamily="34" charset="0"/>
+              </a:rPr>
+              <a:t>Twitter</a:t>
+            </a:r>
+            <a:r>
+              <a:rPr lang="tr-TR" sz="1800" dirty="0">
+                <a:solidFill>
+                  <a:srgbClr val="292D33"/>
+                </a:solidFill>
+                <a:latin typeface="HelveticaNeueLT Std" panose="020B0604020202020204" pitchFamily="34" charset="0"/>
+              </a:rPr>
+              <a:t>: </a:t>
+            </a:r>
+            <a:r>
+              <a:rPr lang="en-US" sz="1800" dirty="0" err="1">
+                <a:solidFill>
+                  <a:srgbClr val="0070C0"/>
+                </a:solidFill>
+                <a:latin typeface="HelveticaNeueLT Std" panose="020B0604020202020204" pitchFamily="34" charset="0"/>
+              </a:rPr>
+              <a:t>hibrahimkalkan</a:t>
+            </a:r>
+            <a:endParaRPr lang="tr-TR" sz="1800" dirty="0">
+              <a:solidFill>
+                <a:srgbClr val="0070C0"/>
+              </a:solidFill>
+              <a:latin typeface="HelveticaNeueLT Std" panose="020B0604020202020204" pitchFamily="34" charset="0"/>
+            </a:endParaRPr>
+          </a:p>
+        </p:txBody>
+      </p:sp>
+    </p:spTree>
+    <p:extLst>
+      <p:ext uri="{BB962C8B-B14F-4D97-AF65-F5344CB8AC3E}">
+        <p14:creationId xmlns:p14="http://schemas.microsoft.com/office/powerpoint/2010/main" val="420218861"/>
+      </p:ext>
+    </p:extLst>
+  </p:cSld>
+  <p:clrMapOvr>
+    <a:masterClrMapping/>
+  </p:clrMapOvr>
+</p:sld>
+</file>
+
+<file path=ppt/slides/slide18.xml><?xml version="1.0" encoding="utf-8"?>
+<p:sld xmlns:a="http://schemas.openxmlformats.org/drawingml/2006/main" xmlns:r="http://schemas.openxmlformats.org/officeDocument/2006/relationships" xmlns:p="http://schemas.openxmlformats.org/presentationml/2006/main">
+  <p:cSld>
+    <p:bg>
+      <p:bgPr>
+        <a:blipFill dpi="0" rotWithShape="1">
+          <a:blip r:embed="rId2">
+            <a:lum/>
+          </a:blip>
+          <a:srcRect/>
+          <a:stretch>
+            <a:fillRect/>
+          </a:stretch>
+        </a:blipFill>
+        <a:effectLst/>
+      </p:bgPr>
+    </p:bg>
+    <p:spTree>
+      <p:nvGrpSpPr>
+        <p:cNvPr id="1" name=""/>
+        <p:cNvGrpSpPr/>
+        <p:nvPr/>
+      </p:nvGrpSpPr>
+      <p:grpSpPr>
+        <a:xfrm>
+          <a:off x="0" y="0"/>
+          <a:ext cx="0" cy="0"/>
+          <a:chOff x="0" y="0"/>
+          <a:chExt cx="0" cy="0"/>
+        </a:xfrm>
+      </p:grpSpPr>
+      <p:sp>
+        <p:nvSpPr>
+          <p:cNvPr id="2" name="Title 1">
+            <a:extLst>
+              <a:ext uri="{FF2B5EF4-FFF2-40B4-BE49-F238E27FC236}">
+                <a16:creationId xmlns:a16="http://schemas.microsoft.com/office/drawing/2014/main" id="{55E11F08-6CA0-48F1-AD67-97430DDA07F0}"/>
+              </a:ext>
+            </a:extLst>
+          </p:cNvPr>
+          <p:cNvSpPr>
+            <a:spLocks noGrp="1"/>
+          </p:cNvSpPr>
+          <p:nvPr>
+            <p:ph type="title"/>
+          </p:nvPr>
+        </p:nvSpPr>
+        <p:spPr/>
+        <p:txBody>
+          <a:bodyPr/>
+          <a:lstStyle/>
+          <a:p>
+            <a:r>
+              <a:rPr lang="en-US" b="1" dirty="0">
+                <a:solidFill>
+                  <a:srgbClr val="292D33"/>
+                </a:solidFill>
+                <a:latin typeface="Euclid Circular B" panose="020B0504000000000000" pitchFamily="34" charset="0"/>
+                <a:ea typeface="Euclid Circular B" panose="020B0504000000000000" pitchFamily="34" charset="0"/>
+              </a:rPr>
+              <a:t>Topic title</a:t>
+            </a:r>
+          </a:p>
+        </p:txBody>
+      </p:sp>
+      <p:sp>
+        <p:nvSpPr>
+          <p:cNvPr id="3" name="Content Placeholder 2">
+            <a:extLst>
+              <a:ext uri="{FF2B5EF4-FFF2-40B4-BE49-F238E27FC236}">
+                <a16:creationId xmlns:a16="http://schemas.microsoft.com/office/drawing/2014/main" id="{891C7693-D3DF-4635-96F4-97F3B4136FDF}"/>
+              </a:ext>
+            </a:extLst>
+          </p:cNvPr>
+          <p:cNvSpPr>
+            <a:spLocks noGrp="1"/>
+          </p:cNvSpPr>
+          <p:nvPr>
+            <p:ph idx="1"/>
+          </p:nvPr>
+        </p:nvSpPr>
+        <p:spPr/>
+        <p:txBody>
+          <a:bodyPr/>
+          <a:lstStyle/>
+          <a:p>
+            <a:r>
+              <a:rPr lang="en-US" dirty="0">
+                <a:latin typeface="Euclid Circular B" panose="020B0504000000000000" pitchFamily="34" charset="0"/>
+                <a:ea typeface="Euclid Circular B" panose="020B0504000000000000" pitchFamily="34" charset="0"/>
+              </a:rPr>
+              <a:t>Content</a:t>
+            </a:r>
+          </a:p>
+        </p:txBody>
+      </p:sp>
+    </p:spTree>
+    <p:extLst>
+      <p:ext uri="{BB962C8B-B14F-4D97-AF65-F5344CB8AC3E}">
+        <p14:creationId xmlns:p14="http://schemas.microsoft.com/office/powerpoint/2010/main" val="1222127004"/>
+      </p:ext>
+    </p:extLst>
+  </p:cSld>
+  <p:clrMapOvr>
+    <a:masterClrMapping/>
+  </p:clrMapOvr>
+</p:sld>
+</file>
+
+<file path=ppt/slides/slide2.xml><?xml version="1.0" encoding="utf-8"?>
+<p:sld xmlns:a="http://schemas.openxmlformats.org/drawingml/2006/main" xmlns:r="http://schemas.openxmlformats.org/officeDocument/2006/relationships" xmlns:p="http://schemas.openxmlformats.org/presentationml/2006/main">
+  <p:cSld>
+    <p:bg>
+      <p:bgPr>
+        <a:blipFill dpi="0" rotWithShape="1">
+          <a:blip r:embed="rId2">
+            <a:lum/>
+          </a:blip>
+          <a:srcRect/>
+          <a:stretch>
+            <a:fillRect/>
+          </a:stretch>
+        </a:blipFill>
+        <a:effectLst/>
+      </p:bgPr>
+    </p:bg>
+    <p:spTree>
+      <p:nvGrpSpPr>
+        <p:cNvPr id="1" name=""/>
+        <p:cNvGrpSpPr/>
+        <p:nvPr/>
+      </p:nvGrpSpPr>
+      <p:grpSpPr>
+        <a:xfrm>
+          <a:off x="0" y="0"/>
+          <a:ext cx="0" cy="0"/>
+          <a:chOff x="0" y="0"/>
+          <a:chExt cx="0" cy="0"/>
+        </a:xfrm>
+      </p:grpSpPr>
+      <p:sp>
+        <p:nvSpPr>
+          <p:cNvPr id="2" name="Title 1">
+            <a:extLst>
+              <a:ext uri="{FF2B5EF4-FFF2-40B4-BE49-F238E27FC236}">
+                <a16:creationId xmlns:a16="http://schemas.microsoft.com/office/drawing/2014/main" id="{55E11F08-6CA0-48F1-AD67-97430DDA07F0}"/>
+              </a:ext>
+            </a:extLst>
+          </p:cNvPr>
+          <p:cNvSpPr>
+            <a:spLocks noGrp="1"/>
+          </p:cNvSpPr>
+          <p:nvPr>
+            <p:ph type="title"/>
+          </p:nvPr>
+        </p:nvSpPr>
+        <p:spPr/>
+        <p:txBody>
+          <a:bodyPr/>
+          <a:lstStyle/>
+          <a:p>
+            <a:r>
+              <a:rPr lang="tr-TR" b="1" dirty="0">
+                <a:solidFill>
+                  <a:srgbClr val="292D33"/>
+                </a:solidFill>
+                <a:latin typeface="Euclid Circular B" panose="020B0504000000000000" pitchFamily="34" charset="0"/>
+                <a:ea typeface="Euclid Circular B" panose="020B0504000000000000" pitchFamily="34" charset="0"/>
+              </a:rPr>
+              <a:t>Agenda</a:t>
+            </a:r>
+            <a:endParaRPr lang="en-US" b="1" dirty="0">
+              <a:solidFill>
+                <a:srgbClr val="292D33"/>
+              </a:solidFill>
+              <a:latin typeface="Euclid Circular B" panose="020B0504000000000000" pitchFamily="34" charset="0"/>
+              <a:ea typeface="Euclid Circular B" panose="020B0504000000000000" pitchFamily="34" charset="0"/>
+            </a:endParaRPr>
+          </a:p>
+        </p:txBody>
+      </p:sp>
+      <p:sp>
+        <p:nvSpPr>
+          <p:cNvPr id="3" name="Content Placeholder 2">
+            <a:extLst>
+              <a:ext uri="{FF2B5EF4-FFF2-40B4-BE49-F238E27FC236}">
+                <a16:creationId xmlns:a16="http://schemas.microsoft.com/office/drawing/2014/main" id="{891C7693-D3DF-4635-96F4-97F3B4136FDF}"/>
+              </a:ext>
+            </a:extLst>
+          </p:cNvPr>
+          <p:cNvSpPr>
+            <a:spLocks noGrp="1"/>
+          </p:cNvSpPr>
+          <p:nvPr>
+            <p:ph idx="1"/>
+          </p:nvPr>
+        </p:nvSpPr>
+        <p:spPr/>
+        <p:txBody>
+          <a:bodyPr/>
+          <a:lstStyle/>
+          <a:p>
+            <a:r>
+              <a:rPr lang="tr-TR" dirty="0">
+                <a:latin typeface="Euclid Circular B" panose="020B0504000000000000" pitchFamily="34" charset="0"/>
+                <a:ea typeface="Euclid Circular B" panose="020B0504000000000000" pitchFamily="34" charset="0"/>
+              </a:rPr>
+              <a:t>What is the ABP Framework?</a:t>
+            </a:r>
+          </a:p>
+          <a:p>
+            <a:r>
+              <a:rPr lang="tr-TR" dirty="0">
+                <a:latin typeface="Euclid Circular B" panose="020B0504000000000000" pitchFamily="34" charset="0"/>
+                <a:ea typeface="Euclid Circular B" panose="020B0504000000000000" pitchFamily="34" charset="0"/>
+              </a:rPr>
+              <a:t>Why use the ABP Framework?</a:t>
+            </a:r>
+          </a:p>
+          <a:p>
+            <a:r>
+              <a:rPr lang="tr-TR" dirty="0">
+                <a:latin typeface="Euclid Circular B" panose="020B0504000000000000" pitchFamily="34" charset="0"/>
+                <a:ea typeface="Euclid Circular B" panose="020B0504000000000000" pitchFamily="34" charset="0"/>
+              </a:rPr>
+              <a:t>Live coding demo</a:t>
+            </a:r>
+          </a:p>
+          <a:p>
+            <a:r>
+              <a:rPr lang="tr-TR" dirty="0">
+                <a:latin typeface="Euclid Circular B" panose="020B0504000000000000" pitchFamily="34" charset="0"/>
+                <a:ea typeface="Euclid Circular B" panose="020B0504000000000000" pitchFamily="34" charset="0"/>
+              </a:rPr>
+              <a:t>ABP Framework: feature highlights</a:t>
+            </a:r>
+          </a:p>
+          <a:p>
+            <a:r>
+              <a:rPr lang="tr-TR" dirty="0">
+                <a:latin typeface="Euclid Circular B" panose="020B0504000000000000" pitchFamily="34" charset="0"/>
+                <a:ea typeface="Euclid Circular B" panose="020B0504000000000000" pitchFamily="34" charset="0"/>
+              </a:rPr>
+              <a:t>ABP Studio demo</a:t>
+            </a:r>
+          </a:p>
+          <a:p>
+            <a:r>
+              <a:rPr lang="tr-TR" dirty="0">
+                <a:latin typeface="Euclid Circular B" panose="020B0504000000000000" pitchFamily="34" charset="0"/>
+                <a:ea typeface="Euclid Circular B" panose="020B0504000000000000" pitchFamily="34" charset="0"/>
+              </a:rPr>
+              <a:t>The ABP Platform</a:t>
+            </a:r>
+          </a:p>
+          <a:p>
+            <a:r>
+              <a:rPr lang="tr-TR" dirty="0">
+                <a:latin typeface="Euclid Circular B" panose="020B0504000000000000" pitchFamily="34" charset="0"/>
+                <a:ea typeface="Euclid Circular B" panose="020B0504000000000000" pitchFamily="34" charset="0"/>
+              </a:rPr>
+              <a:t>QA</a:t>
+            </a:r>
+            <a:endParaRPr lang="en-US" dirty="0">
+              <a:latin typeface="Euclid Circular B" panose="020B0504000000000000" pitchFamily="34" charset="0"/>
+              <a:ea typeface="Euclid Circular B" panose="020B0504000000000000" pitchFamily="34" charset="0"/>
+            </a:endParaRPr>
+          </a:p>
+        </p:txBody>
+      </p:sp>
+    </p:spTree>
+    <p:extLst>
+      <p:ext uri="{BB962C8B-B14F-4D97-AF65-F5344CB8AC3E}">
+        <p14:creationId xmlns:p14="http://schemas.microsoft.com/office/powerpoint/2010/main" val="721846992"/>
+      </p:ext>
+    </p:extLst>
+  </p:cSld>
+  <p:clrMapOvr>
+    <a:masterClrMapping/>
+  </p:clrMapOvr>
+  <p:timing>
+    <p:tnLst>
+      <p:par>
+        <p:cTn id="1" dur="indefinite" restart="never" nodeType="tmRoot">
+          <p:childTnLst>
+            <p:seq concurrent="1" nextAc="seek">
+              <p:cTn id="2" dur="indefinite" nodeType="mainSeq">
+                <p:childTnLst>
+                  <p:par>
+                    <p:cTn id="3" fill="hold">
+                      <p:stCondLst>
+                        <p:cond delay="indefinite"/>
+                      </p:stCondLst>
+                      <p:childTnLst>
+                        <p:par>
+                          <p:cTn id="4" fill="hold">
+                            <p:stCondLst>
+                              <p:cond delay="0"/>
+                            </p:stCondLst>
+                            <p:childTnLst>
+                              <p:par>
+                                <p:cTn id="5" presetID="10" presetClass="entr" presetSubtype="0" fill="hold" nodeType="clickEffect">
+                                  <p:stCondLst>
+                                    <p:cond delay="0"/>
+                                  </p:stCondLst>
+                                  <p:childTnLst>
+                                    <p:set>
+                                      <p:cBhvr>
+                                        <p:cTn id="6" dur="1" fill="hold">
+                                          <p:stCondLst>
+                                            <p:cond delay="0"/>
+                                          </p:stCondLst>
+                                        </p:cTn>
+                                        <p:tgtEl>
+                                          <p:spTgt spid="3">
+                                            <p:txEl>
+                                              <p:pRg st="0" end="0"/>
+                                            </p:txEl>
+                                          </p:spTgt>
+                                        </p:tgtEl>
+                                        <p:attrNameLst>
+                                          <p:attrName>style.visibility</p:attrName>
+                                        </p:attrNameLst>
+                                      </p:cBhvr>
+                                      <p:to>
+                                        <p:strVal val="visible"/>
+                                      </p:to>
+                                    </p:set>
+                                    <p:animEffect transition="in" filter="fade">
+                                      <p:cBhvr>
+                                        <p:cTn id="7" dur="500"/>
+                                        <p:tgtEl>
+                                          <p:spTgt spid="3">
+                                            <p:txEl>
+                                              <p:pRg st="0" end="0"/>
+                                            </p:txEl>
+                                          </p:spTgt>
+                                        </p:tgtEl>
+                                      </p:cBhvr>
+                                    </p:animEffect>
+                                  </p:childTnLst>
+                                </p:cTn>
+                              </p:par>
+                            </p:childTnLst>
+                          </p:cTn>
+                        </p:par>
+                      </p:childTnLst>
+                    </p:cTn>
+                  </p:par>
+                  <p:par>
+                    <p:cTn id="8" fill="hold">
+                      <p:stCondLst>
+                        <p:cond delay="indefinite"/>
+                      </p:stCondLst>
+                      <p:childTnLst>
+                        <p:par>
+                          <p:cTn id="9" fill="hold">
+                            <p:stCondLst>
+                              <p:cond delay="0"/>
+                            </p:stCondLst>
+                            <p:childTnLst>
+                              <p:par>
+                                <p:cTn id="10" presetID="10" presetClass="entr" presetSubtype="0" fill="hold" nodeType="clickEffect">
+                                  <p:stCondLst>
+                                    <p:cond delay="0"/>
+                                  </p:stCondLst>
+                                  <p:childTnLst>
+                                    <p:set>
+                                      <p:cBhvr>
+                                        <p:cTn id="11" dur="1" fill="hold">
+                                          <p:stCondLst>
+                                            <p:cond delay="0"/>
+                                          </p:stCondLst>
+                                        </p:cTn>
+                                        <p:tgtEl>
+                                          <p:spTgt spid="3">
+                                            <p:txEl>
+                                              <p:pRg st="1" end="1"/>
+                                            </p:txEl>
+                                          </p:spTgt>
+                                        </p:tgtEl>
+                                        <p:attrNameLst>
+                                          <p:attrName>style.visibility</p:attrName>
+                                        </p:attrNameLst>
+                                      </p:cBhvr>
+                                      <p:to>
+                                        <p:strVal val="visible"/>
+                                      </p:to>
+                                    </p:set>
+                                    <p:animEffect transition="in" filter="fade">
+                                      <p:cBhvr>
+                                        <p:cTn id="12" dur="500"/>
+                                        <p:tgtEl>
+                                          <p:spTgt spid="3">
+                                            <p:txEl>
+                                              <p:pRg st="1" end="1"/>
+                                            </p:txEl>
+                                          </p:spTgt>
+                                        </p:tgtEl>
+                                      </p:cBhvr>
+                                    </p:animEffect>
+                                  </p:childTnLst>
+                                </p:cTn>
+                              </p:par>
+                            </p:childTnLst>
+                          </p:cTn>
+                        </p:par>
+                      </p:childTnLst>
+                    </p:cTn>
+                  </p:par>
+                  <p:par>
+                    <p:cTn id="13" fill="hold">
+                      <p:stCondLst>
+                        <p:cond delay="indefinite"/>
+                      </p:stCondLst>
+                      <p:childTnLst>
+                        <p:par>
+                          <p:cTn id="14" fill="hold">
+                            <p:stCondLst>
+                              <p:cond delay="0"/>
+                            </p:stCondLst>
+                            <p:childTnLst>
+                              <p:par>
+                                <p:cTn id="15" presetID="10" presetClass="entr" presetSubtype="0" fill="hold" nodeType="clickEffect">
+                                  <p:stCondLst>
+                                    <p:cond delay="0"/>
+                                  </p:stCondLst>
+                                  <p:childTnLst>
+                                    <p:set>
+                                      <p:cBhvr>
+                                        <p:cTn id="16" dur="1" fill="hold">
+                                          <p:stCondLst>
+                                            <p:cond delay="0"/>
+                                          </p:stCondLst>
+                                        </p:cTn>
+                                        <p:tgtEl>
+                                          <p:spTgt spid="3">
+                                            <p:txEl>
+                                              <p:pRg st="2" end="2"/>
+                                            </p:txEl>
+                                          </p:spTgt>
+                                        </p:tgtEl>
+                                        <p:attrNameLst>
+                                          <p:attrName>style.visibility</p:attrName>
+                                        </p:attrNameLst>
+                                      </p:cBhvr>
+                                      <p:to>
+                                        <p:strVal val="visible"/>
+                                      </p:to>
+                                    </p:set>
+                                    <p:animEffect transition="in" filter="fade">
+                                      <p:cBhvr>
+                                        <p:cTn id="17" dur="500"/>
+                                        <p:tgtEl>
+                                          <p:spTgt spid="3">
+                                            <p:txEl>
+                                              <p:pRg st="2" end="2"/>
+                                            </p:txEl>
+                                          </p:spTgt>
+                                        </p:tgtEl>
+                                      </p:cBhvr>
+                                    </p:animEffect>
+                                  </p:childTnLst>
+                                </p:cTn>
+                              </p:par>
+                            </p:childTnLst>
+                          </p:cTn>
+                        </p:par>
+                      </p:childTnLst>
+                    </p:cTn>
+                  </p:par>
+                  <p:par>
+                    <p:cTn id="18" fill="hold">
+                      <p:stCondLst>
+                        <p:cond delay="indefinite"/>
+                      </p:stCondLst>
+                      <p:childTnLst>
+                        <p:par>
+                          <p:cTn id="19" fill="hold">
+                            <p:stCondLst>
+                              <p:cond delay="0"/>
+                            </p:stCondLst>
+                            <p:childTnLst>
+                              <p:par>
+                                <p:cTn id="20" presetID="10" presetClass="entr" presetSubtype="0" fill="hold" nodeType="clickEffect">
+                                  <p:stCondLst>
+                                    <p:cond delay="0"/>
+                                  </p:stCondLst>
+                                  <p:childTnLst>
+                                    <p:set>
+                                      <p:cBhvr>
+                                        <p:cTn id="21" dur="1" fill="hold">
+                                          <p:stCondLst>
+                                            <p:cond delay="0"/>
+                                          </p:stCondLst>
+                                        </p:cTn>
+                                        <p:tgtEl>
+                                          <p:spTgt spid="3">
+                                            <p:txEl>
+                                              <p:pRg st="3" end="3"/>
+                                            </p:txEl>
+                                          </p:spTgt>
+                                        </p:tgtEl>
+                                        <p:attrNameLst>
+                                          <p:attrName>style.visibility</p:attrName>
+                                        </p:attrNameLst>
+                                      </p:cBhvr>
+                                      <p:to>
+                                        <p:strVal val="visible"/>
+                                      </p:to>
+                                    </p:set>
+                                    <p:animEffect transition="in" filter="fade">
+                                      <p:cBhvr>
+                                        <p:cTn id="22" dur="500"/>
+                                        <p:tgtEl>
+                                          <p:spTgt spid="3">
+                                            <p:txEl>
+                                              <p:pRg st="3" end="3"/>
+                                            </p:txEl>
+                                          </p:spTgt>
+                                        </p:tgtEl>
+                                      </p:cBhvr>
+                                    </p:animEffect>
+                                  </p:childTnLst>
+                                </p:cTn>
+                              </p:par>
+                            </p:childTnLst>
+                          </p:cTn>
+                        </p:par>
+                      </p:childTnLst>
+                    </p:cTn>
+                  </p:par>
+                  <p:par>
+                    <p:cTn id="23" fill="hold">
+                      <p:stCondLst>
+                        <p:cond delay="indefinite"/>
+                      </p:stCondLst>
+                      <p:childTnLst>
+                        <p:par>
+                          <p:cTn id="24" fill="hold">
+                            <p:stCondLst>
+                              <p:cond delay="0"/>
+                            </p:stCondLst>
+                            <p:childTnLst>
+                              <p:par>
+                                <p:cTn id="25" presetID="10" presetClass="entr" presetSubtype="0" fill="hold" nodeType="clickEffect">
+                                  <p:stCondLst>
+                                    <p:cond delay="0"/>
+                                  </p:stCondLst>
+                                  <p:childTnLst>
+                                    <p:set>
+                                      <p:cBhvr>
+                                        <p:cTn id="26" dur="1" fill="hold">
+                                          <p:stCondLst>
+                                            <p:cond delay="0"/>
+                                          </p:stCondLst>
+                                        </p:cTn>
+                                        <p:tgtEl>
+                                          <p:spTgt spid="3">
+                                            <p:txEl>
+                                              <p:pRg st="4" end="4"/>
+                                            </p:txEl>
+                                          </p:spTgt>
+                                        </p:tgtEl>
+                                        <p:attrNameLst>
+                                          <p:attrName>style.visibility</p:attrName>
+                                        </p:attrNameLst>
+                                      </p:cBhvr>
+                                      <p:to>
+                                        <p:strVal val="visible"/>
+                                      </p:to>
+                                    </p:set>
+                                    <p:animEffect transition="in" filter="fade">
+                                      <p:cBhvr>
+                                        <p:cTn id="27" dur="500"/>
+                                        <p:tgtEl>
+                                          <p:spTgt spid="3">
+                                            <p:txEl>
+                                              <p:pRg st="4" end="4"/>
+                                            </p:txEl>
+                                          </p:spTgt>
+                                        </p:tgtEl>
+                                      </p:cBhvr>
+                                    </p:animEffect>
+                                  </p:childTnLst>
+                                </p:cTn>
+                              </p:par>
+                            </p:childTnLst>
+                          </p:cTn>
+                        </p:par>
+                      </p:childTnLst>
+                    </p:cTn>
+                  </p:par>
+                  <p:par>
+                    <p:cTn id="28" fill="hold">
+                      <p:stCondLst>
+                        <p:cond delay="indefinite"/>
+                      </p:stCondLst>
+                      <p:childTnLst>
+                        <p:par>
+                          <p:cTn id="29" fill="hold">
+                            <p:stCondLst>
+                              <p:cond delay="0"/>
+                            </p:stCondLst>
+                            <p:childTnLst>
+                              <p:par>
+                                <p:cTn id="30" presetID="10" presetClass="entr" presetSubtype="0" fill="hold" nodeType="clickEffect">
+                                  <p:stCondLst>
+                                    <p:cond delay="0"/>
+                                  </p:stCondLst>
+                                  <p:childTnLst>
+                                    <p:set>
+                                      <p:cBhvr>
+                                        <p:cTn id="31" dur="1" fill="hold">
+                                          <p:stCondLst>
+                                            <p:cond delay="0"/>
+                                          </p:stCondLst>
+                                        </p:cTn>
+                                        <p:tgtEl>
+                                          <p:spTgt spid="3">
+                                            <p:txEl>
+                                              <p:pRg st="5" end="5"/>
+                                            </p:txEl>
+                                          </p:spTgt>
+                                        </p:tgtEl>
+                                        <p:attrNameLst>
+                                          <p:attrName>style.visibility</p:attrName>
+                                        </p:attrNameLst>
+                                      </p:cBhvr>
+                                      <p:to>
+                                        <p:strVal val="visible"/>
+                                      </p:to>
+                                    </p:set>
+                                    <p:animEffect transition="in" filter="fade">
+                                      <p:cBhvr>
+                                        <p:cTn id="32" dur="500"/>
+                                        <p:tgtEl>
+                                          <p:spTgt spid="3">
+                                            <p:txEl>
+                                              <p:pRg st="5" end="5"/>
+                                            </p:txEl>
+                                          </p:spTgt>
+                                        </p:tgtEl>
+                                      </p:cBhvr>
+                                    </p:animEffect>
+                                  </p:childTnLst>
+                                </p:cTn>
+                              </p:par>
+                            </p:childTnLst>
+                          </p:cTn>
+                        </p:par>
+                      </p:childTnLst>
+                    </p:cTn>
+                  </p:par>
+                  <p:par>
+                    <p:cTn id="33" fill="hold">
+                      <p:stCondLst>
+                        <p:cond delay="indefinite"/>
+                      </p:stCondLst>
+                      <p:childTnLst>
+                        <p:par>
+                          <p:cTn id="34" fill="hold">
+                            <p:stCondLst>
+                              <p:cond delay="0"/>
+                            </p:stCondLst>
+                            <p:childTnLst>
+                              <p:par>
+                                <p:cTn id="35" presetID="10" presetClass="entr" presetSubtype="0" fill="hold" nodeType="clickEffect">
+                                  <p:stCondLst>
+                                    <p:cond delay="0"/>
+                                  </p:stCondLst>
+                                  <p:childTnLst>
+                                    <p:set>
+                                      <p:cBhvr>
+                                        <p:cTn id="36" dur="1" fill="hold">
+                                          <p:stCondLst>
+                                            <p:cond delay="0"/>
+                                          </p:stCondLst>
+                                        </p:cTn>
+                                        <p:tgtEl>
+                                          <p:spTgt spid="3">
+                                            <p:txEl>
+                                              <p:pRg st="6" end="6"/>
+                                            </p:txEl>
+                                          </p:spTgt>
+                                        </p:tgtEl>
+                                        <p:attrNameLst>
+                                          <p:attrName>style.visibility</p:attrName>
+                                        </p:attrNameLst>
+                                      </p:cBhvr>
+                                      <p:to>
+                                        <p:strVal val="visible"/>
+                                      </p:to>
+                                    </p:set>
+                                    <p:animEffect transition="in" filter="fade">
+                                      <p:cBhvr>
+                                        <p:cTn id="37" dur="500"/>
+                                        <p:tgtEl>
+                                          <p:spTgt spid="3">
+                                            <p:txEl>
+                                              <p:pRg st="6" end="6"/>
+                                            </p:txEl>
+                                          </p:spTgt>
+                                        </p:tgtEl>
+                                      </p:cBhvr>
+                                    </p:animEffect>
+                                  </p:childTnLst>
+                                </p:cTn>
+                              </p:par>
+                            </p:childTnLst>
+                          </p:cTn>
+                        </p:par>
+                      </p:childTnLst>
+                    </p:cTn>
+                  </p:par>
+                </p:childTnLst>
+              </p:cTn>
+              <p:prevCondLst>
+                <p:cond evt="onPrev" delay="0">
+                  <p:tgtEl>
+                    <p:sldTgt/>
+                  </p:tgtEl>
+                </p:cond>
+              </p:prevCondLst>
+              <p:nextCondLst>
+                <p:cond evt="onNext" delay="0">
+                  <p:tgtEl>
+                    <p:sldTgt/>
+                  </p:tgtEl>
+                </p:cond>
+              </p:nextCondLst>
+            </p:seq>
+          </p:childTnLst>
+        </p:cTn>
+      </p:par>
+    </p:tnLst>
+  </p:timing>
+</p:sld>
+</file>
+
+<file path=ppt/slides/slide3.xml><?xml version="1.0" encoding="utf-8"?>
+<p:sld xmlns:a="http://schemas.openxmlformats.org/drawingml/2006/main" xmlns:r="http://schemas.openxmlformats.org/officeDocument/2006/relationships" xmlns:p="http://schemas.openxmlformats.org/presentationml/2006/main">
+  <p:cSld>
+    <p:bg>
+      <p:bgPr>
+        <a:blipFill dpi="0" rotWithShape="1">
+          <a:blip r:embed="rId2">
+            <a:lum/>
+          </a:blip>
+          <a:srcRect/>
+          <a:stretch>
+            <a:fillRect/>
+          </a:stretch>
+        </a:blipFill>
+        <a:effectLst/>
+      </p:bgPr>
+    </p:bg>
+    <p:spTree>
+      <p:nvGrpSpPr>
+        <p:cNvPr id="1" name=""/>
+        <p:cNvGrpSpPr/>
+        <p:nvPr/>
+      </p:nvGrpSpPr>
+      <p:grpSpPr>
+        <a:xfrm>
+          <a:off x="0" y="0"/>
+          <a:ext cx="0" cy="0"/>
+          <a:chOff x="0" y="0"/>
+          <a:chExt cx="0" cy="0"/>
+        </a:xfrm>
+      </p:grpSpPr>
+      <p:sp>
+        <p:nvSpPr>
+          <p:cNvPr id="2" name="Title 1">
+            <a:extLst>
+              <a:ext uri="{FF2B5EF4-FFF2-40B4-BE49-F238E27FC236}">
                 <a16:creationId xmlns:a16="http://schemas.microsoft.com/office/drawing/2014/main" id="{9255DFBE-19DA-408D-84E6-F4043FC30BD3}"/>
               </a:ext>
             </a:extLst>
@@ -10883,7 +13402,7 @@
     </p:spTree>
     <p:extLst>
       <p:ext uri="{BB962C8B-B14F-4D97-AF65-F5344CB8AC3E}">
-        <p14:creationId xmlns:p14="http://schemas.microsoft.com/office/powerpoint/2010/main" val="1693083805"/>
+        <p14:creationId xmlns:p14="http://schemas.microsoft.com/office/powerpoint/2010/main" val="2746927691"/>
       </p:ext>
     </p:extLst>
   </p:cSld>
@@ -11061,14 +13580,7 @@
                 <a:latin typeface="Euclid Circular B" panose="020B0504000000000000" pitchFamily="34" charset="0"/>
                 <a:ea typeface="Euclid Circular B" panose="020B0504000000000000" pitchFamily="34" charset="0"/>
               </a:rPr>
-              <a:t>P</a:t>
-            </a:r>
-            <a:r>
-              <a:rPr lang="en-US" dirty="0" err="1">
-                <a:latin typeface="Euclid Circular B" panose="020B0504000000000000" pitchFamily="34" charset="0"/>
-                <a:ea typeface="Euclid Circular B" panose="020B0504000000000000" pitchFamily="34" charset="0"/>
-              </a:rPr>
-              <a:t>rovides</a:t>
+              <a:t>It provides</a:t>
             </a:r>
             <a:r>
               <a:rPr lang="en-US" dirty="0">
@@ -11209,6 +13721,158 @@
   <p:clrMapOvr>
     <a:masterClrMapping/>
   </p:clrMapOvr>
+  <p:timing>
+    <p:tnLst>
+      <p:par>
+        <p:cTn id="1" dur="indefinite" restart="never" nodeType="tmRoot">
+          <p:childTnLst>
+            <p:seq concurrent="1" nextAc="seek">
+              <p:cTn id="2" dur="indefinite" nodeType="mainSeq">
+                <p:childTnLst>
+                  <p:par>
+                    <p:cTn id="3" fill="hold">
+                      <p:stCondLst>
+                        <p:cond delay="indefinite"/>
+                      </p:stCondLst>
+                      <p:childTnLst>
+                        <p:par>
+                          <p:cTn id="4" fill="hold">
+                            <p:stCondLst>
+                              <p:cond delay="0"/>
+                            </p:stCondLst>
+                            <p:childTnLst>
+                              <p:par>
+                                <p:cTn id="5" presetID="10" presetClass="entr" presetSubtype="0" fill="hold" nodeType="clickEffect">
+                                  <p:stCondLst>
+                                    <p:cond delay="0"/>
+                                  </p:stCondLst>
+                                  <p:childTnLst>
+                                    <p:set>
+                                      <p:cBhvr>
+                                        <p:cTn id="6" dur="1" fill="hold">
+                                          <p:stCondLst>
+                                            <p:cond delay="0"/>
+                                          </p:stCondLst>
+                                        </p:cTn>
+                                        <p:tgtEl>
+                                          <p:spTgt spid="3">
+                                            <p:txEl>
+                                              <p:pRg st="0" end="0"/>
+                                            </p:txEl>
+                                          </p:spTgt>
+                                        </p:tgtEl>
+                                        <p:attrNameLst>
+                                          <p:attrName>style.visibility</p:attrName>
+                                        </p:attrNameLst>
+                                      </p:cBhvr>
+                                      <p:to>
+                                        <p:strVal val="visible"/>
+                                      </p:to>
+                                    </p:set>
+                                    <p:animEffect transition="in" filter="fade">
+                                      <p:cBhvr>
+                                        <p:cTn id="7" dur="500"/>
+                                        <p:tgtEl>
+                                          <p:spTgt spid="3">
+                                            <p:txEl>
+                                              <p:pRg st="0" end="0"/>
+                                            </p:txEl>
+                                          </p:spTgt>
+                                        </p:tgtEl>
+                                      </p:cBhvr>
+                                    </p:animEffect>
+                                  </p:childTnLst>
+                                </p:cTn>
+                              </p:par>
+                            </p:childTnLst>
+                          </p:cTn>
+                        </p:par>
+                      </p:childTnLst>
+                    </p:cTn>
+                  </p:par>
+                  <p:par>
+                    <p:cTn id="8" fill="hold">
+                      <p:stCondLst>
+                        <p:cond delay="indefinite"/>
+                      </p:stCondLst>
+                      <p:childTnLst>
+                        <p:par>
+                          <p:cTn id="9" fill="hold">
+                            <p:stCondLst>
+                              <p:cond delay="0"/>
+                            </p:stCondLst>
+                            <p:childTnLst>
+                              <p:par>
+                                <p:cTn id="10" presetID="10" presetClass="entr" presetSubtype="0" fill="hold" nodeType="clickEffect">
+                                  <p:stCondLst>
+                                    <p:cond delay="0"/>
+                                  </p:stCondLst>
+                                  <p:childTnLst>
+                                    <p:set>
+                                      <p:cBhvr>
+                                        <p:cTn id="11" dur="1" fill="hold">
+                                          <p:stCondLst>
+                                            <p:cond delay="0"/>
+                                          </p:stCondLst>
+                                        </p:cTn>
+                                        <p:tgtEl>
+                                          <p:spTgt spid="3">
+                                            <p:txEl>
+                                              <p:pRg st="2" end="2"/>
+                                            </p:txEl>
+                                          </p:spTgt>
+                                        </p:tgtEl>
+                                        <p:attrNameLst>
+                                          <p:attrName>style.visibility</p:attrName>
+                                        </p:attrNameLst>
+                                      </p:cBhvr>
+                                      <p:to>
+                                        <p:strVal val="visible"/>
+                                      </p:to>
+                                    </p:set>
+                                    <p:animEffect transition="in" filter="fade">
+                                      <p:cBhvr>
+                                        <p:cTn id="12" dur="500"/>
+                                        <p:tgtEl>
+                                          <p:spTgt spid="3">
+                                            <p:txEl>
+                                              <p:pRg st="2" end="2"/>
+                                            </p:txEl>
+                                          </p:spTgt>
+                                        </p:tgtEl>
+                                      </p:cBhvr>
+                                    </p:animEffect>
+                                  </p:childTnLst>
+                                </p:cTn>
+                              </p:par>
+                            </p:childTnLst>
+                          </p:cTn>
+                        </p:par>
+                      </p:childTnLst>
+                    </p:cTn>
+                  </p:par>
+                </p:childTnLst>
+              </p:cTn>
+              <p:prevCondLst>
+                <p:cond evt="onPrev" delay="0">
+                  <p:tgtEl>
+                    <p:sldTgt/>
+                  </p:tgtEl>
+                </p:cond>
+              </p:prevCondLst>
+              <p:nextCondLst>
+                <p:cond evt="onNext" delay="0">
+                  <p:tgtEl>
+                    <p:sldTgt/>
+                  </p:tgtEl>
+                </p:cond>
+              </p:nextCondLst>
+            </p:seq>
+          </p:childTnLst>
+        </p:cTn>
+      </p:par>
+    </p:tnLst>
+  </p:timing>
 </p:sld>
 </file>
 
@@ -15241,7 +17905,7 @@
     </p:spTree>
     <p:extLst>
       <p:ext uri="{BB962C8B-B14F-4D97-AF65-F5344CB8AC3E}">
-        <p14:creationId xmlns:p14="http://schemas.microsoft.com/office/powerpoint/2010/main" val="2746927691"/>
+        <p14:creationId xmlns:p14="http://schemas.microsoft.com/office/powerpoint/2010/main" val="4117749482"/>
       </p:ext>
     </p:extLst>
   </p:cSld>
@@ -15472,6 +18136,402 @@
   <p:clrMapOvr>
     <a:masterClrMapping/>
   </p:clrMapOvr>
+  <p:timing>
+    <p:tnLst>
+      <p:par>
+        <p:cTn id="1" dur="indefinite" restart="never" nodeType="tmRoot">
+          <p:childTnLst>
+            <p:seq concurrent="1" nextAc="seek">
+              <p:cTn id="2" dur="indefinite" nodeType="mainSeq">
+                <p:childTnLst>
+                  <p:par>
+                    <p:cTn id="3" fill="hold">
+                      <p:stCondLst>
+                        <p:cond delay="indefinite"/>
+                      </p:stCondLst>
+                      <p:childTnLst>
+                        <p:par>
+                          <p:cTn id="4" fill="hold">
+                            <p:stCondLst>
+                              <p:cond delay="0"/>
+                            </p:stCondLst>
+                            <p:childTnLst>
+                              <p:par>
+                                <p:cTn id="5" presetID="10" presetClass="entr" presetSubtype="0" fill="hold" nodeType="clickEffect">
+                                  <p:stCondLst>
+                                    <p:cond delay="0"/>
+                                  </p:stCondLst>
+                                  <p:childTnLst>
+                                    <p:set>
+                                      <p:cBhvr>
+                                        <p:cTn id="6" dur="1" fill="hold">
+                                          <p:stCondLst>
+                                            <p:cond delay="0"/>
+                                          </p:stCondLst>
+                                        </p:cTn>
+                                        <p:tgtEl>
+                                          <p:spTgt spid="3">
+                                            <p:txEl>
+                                              <p:pRg st="0" end="0"/>
+                                            </p:txEl>
+                                          </p:spTgt>
+                                        </p:tgtEl>
+                                        <p:attrNameLst>
+                                          <p:attrName>style.visibility</p:attrName>
+                                        </p:attrNameLst>
+                                      </p:cBhvr>
+                                      <p:to>
+                                        <p:strVal val="visible"/>
+                                      </p:to>
+                                    </p:set>
+                                    <p:animEffect transition="in" filter="fade">
+                                      <p:cBhvr>
+                                        <p:cTn id="7" dur="500"/>
+                                        <p:tgtEl>
+                                          <p:spTgt spid="3">
+                                            <p:txEl>
+                                              <p:pRg st="0" end="0"/>
+                                            </p:txEl>
+                                          </p:spTgt>
+                                        </p:tgtEl>
+                                      </p:cBhvr>
+                                    </p:animEffect>
+                                  </p:childTnLst>
+                                </p:cTn>
+                              </p:par>
+                            </p:childTnLst>
+                          </p:cTn>
+                        </p:par>
+                      </p:childTnLst>
+                    </p:cTn>
+                  </p:par>
+                  <p:par>
+                    <p:cTn id="8" fill="hold">
+                      <p:stCondLst>
+                        <p:cond delay="indefinite"/>
+                      </p:stCondLst>
+                      <p:childTnLst>
+                        <p:par>
+                          <p:cTn id="9" fill="hold">
+                            <p:stCondLst>
+                              <p:cond delay="0"/>
+                            </p:stCondLst>
+                            <p:childTnLst>
+                              <p:par>
+                                <p:cTn id="10" presetID="10" presetClass="entr" presetSubtype="0" fill="hold" nodeType="clickEffect">
+                                  <p:stCondLst>
+                                    <p:cond delay="0"/>
+                                  </p:stCondLst>
+                                  <p:childTnLst>
+                                    <p:set>
+                                      <p:cBhvr>
+                                        <p:cTn id="11" dur="1" fill="hold">
+                                          <p:stCondLst>
+                                            <p:cond delay="0"/>
+                                          </p:stCondLst>
+                                        </p:cTn>
+                                        <p:tgtEl>
+                                          <p:spTgt spid="3">
+                                            <p:txEl>
+                                              <p:pRg st="1" end="1"/>
+                                            </p:txEl>
+                                          </p:spTgt>
+                                        </p:tgtEl>
+                                        <p:attrNameLst>
+                                          <p:attrName>style.visibility</p:attrName>
+                                        </p:attrNameLst>
+                                      </p:cBhvr>
+                                      <p:to>
+                                        <p:strVal val="visible"/>
+                                      </p:to>
+                                    </p:set>
+                                    <p:animEffect transition="in" filter="fade">
+                                      <p:cBhvr>
+                                        <p:cTn id="12" dur="500"/>
+                                        <p:tgtEl>
+                                          <p:spTgt spid="3">
+                                            <p:txEl>
+                                              <p:pRg st="1" end="1"/>
+                                            </p:txEl>
+                                          </p:spTgt>
+                                        </p:tgtEl>
+                                      </p:cBhvr>
+                                    </p:animEffect>
+                                  </p:childTnLst>
+                                </p:cTn>
+                              </p:par>
+                            </p:childTnLst>
+                          </p:cTn>
+                        </p:par>
+                      </p:childTnLst>
+                    </p:cTn>
+                  </p:par>
+                  <p:par>
+                    <p:cTn id="13" fill="hold">
+                      <p:stCondLst>
+                        <p:cond delay="indefinite"/>
+                      </p:stCondLst>
+                      <p:childTnLst>
+                        <p:par>
+                          <p:cTn id="14" fill="hold">
+                            <p:stCondLst>
+                              <p:cond delay="0"/>
+                            </p:stCondLst>
+                            <p:childTnLst>
+                              <p:par>
+                                <p:cTn id="15" presetID="10" presetClass="entr" presetSubtype="0" fill="hold" nodeType="clickEffect">
+                                  <p:stCondLst>
+                                    <p:cond delay="0"/>
+                                  </p:stCondLst>
+                                  <p:childTnLst>
+                                    <p:set>
+                                      <p:cBhvr>
+                                        <p:cTn id="16" dur="1" fill="hold">
+                                          <p:stCondLst>
+                                            <p:cond delay="0"/>
+                                          </p:stCondLst>
+                                        </p:cTn>
+                                        <p:tgtEl>
+                                          <p:spTgt spid="3">
+                                            <p:txEl>
+                                              <p:pRg st="2" end="2"/>
+                                            </p:txEl>
+                                          </p:spTgt>
+                                        </p:tgtEl>
+                                        <p:attrNameLst>
+                                          <p:attrName>style.visibility</p:attrName>
+                                        </p:attrNameLst>
+                                      </p:cBhvr>
+                                      <p:to>
+                                        <p:strVal val="visible"/>
+                                      </p:to>
+                                    </p:set>
+                                    <p:animEffect transition="in" filter="fade">
+                                      <p:cBhvr>
+                                        <p:cTn id="17" dur="500"/>
+                                        <p:tgtEl>
+                                          <p:spTgt spid="3">
+                                            <p:txEl>
+                                              <p:pRg st="2" end="2"/>
+                                            </p:txEl>
+                                          </p:spTgt>
+                                        </p:tgtEl>
+                                      </p:cBhvr>
+                                    </p:animEffect>
+                                  </p:childTnLst>
+                                </p:cTn>
+                              </p:par>
+                            </p:childTnLst>
+                          </p:cTn>
+                        </p:par>
+                      </p:childTnLst>
+                    </p:cTn>
+                  </p:par>
+                  <p:par>
+                    <p:cTn id="18" fill="hold">
+                      <p:stCondLst>
+                        <p:cond delay="indefinite"/>
+                      </p:stCondLst>
+                      <p:childTnLst>
+                        <p:par>
+                          <p:cTn id="19" fill="hold">
+                            <p:stCondLst>
+                              <p:cond delay="0"/>
+                            </p:stCondLst>
+                            <p:childTnLst>
+                              <p:par>
+                                <p:cTn id="20" presetID="10" presetClass="entr" presetSubtype="0" fill="hold" nodeType="clickEffect">
+                                  <p:stCondLst>
+                                    <p:cond delay="0"/>
+                                  </p:stCondLst>
+                                  <p:childTnLst>
+                                    <p:set>
+                                      <p:cBhvr>
+                                        <p:cTn id="21" dur="1" fill="hold">
+                                          <p:stCondLst>
+                                            <p:cond delay="0"/>
+                                          </p:stCondLst>
+                                        </p:cTn>
+                                        <p:tgtEl>
+                                          <p:spTgt spid="3">
+                                            <p:txEl>
+                                              <p:pRg st="3" end="3"/>
+                                            </p:txEl>
+                                          </p:spTgt>
+                                        </p:tgtEl>
+                                        <p:attrNameLst>
+                                          <p:attrName>style.visibility</p:attrName>
+                                        </p:attrNameLst>
+                                      </p:cBhvr>
+                                      <p:to>
+                                        <p:strVal val="visible"/>
+                                      </p:to>
+                                    </p:set>
+                                    <p:animEffect transition="in" filter="fade">
+                                      <p:cBhvr>
+                                        <p:cTn id="22" dur="500"/>
+                                        <p:tgtEl>
+                                          <p:spTgt spid="3">
+                                            <p:txEl>
+                                              <p:pRg st="3" end="3"/>
+                                            </p:txEl>
+                                          </p:spTgt>
+                                        </p:tgtEl>
+                                      </p:cBhvr>
+                                    </p:animEffect>
+                                  </p:childTnLst>
+                                </p:cTn>
+                              </p:par>
+                            </p:childTnLst>
+                          </p:cTn>
+                        </p:par>
+                      </p:childTnLst>
+                    </p:cTn>
+                  </p:par>
+                  <p:par>
+                    <p:cTn id="23" fill="hold">
+                      <p:stCondLst>
+                        <p:cond delay="indefinite"/>
+                      </p:stCondLst>
+                      <p:childTnLst>
+                        <p:par>
+                          <p:cTn id="24" fill="hold">
+                            <p:stCondLst>
+                              <p:cond delay="0"/>
+                            </p:stCondLst>
+                            <p:childTnLst>
+                              <p:par>
+                                <p:cTn id="25" presetID="10" presetClass="entr" presetSubtype="0" fill="hold" nodeType="clickEffect">
+                                  <p:stCondLst>
+                                    <p:cond delay="0"/>
+                                  </p:stCondLst>
+                                  <p:childTnLst>
+                                    <p:set>
+                                      <p:cBhvr>
+                                        <p:cTn id="26" dur="1" fill="hold">
+                                          <p:stCondLst>
+                                            <p:cond delay="0"/>
+                                          </p:stCondLst>
+                                        </p:cTn>
+                                        <p:tgtEl>
+                                          <p:spTgt spid="3">
+                                            <p:txEl>
+                                              <p:pRg st="4" end="4"/>
+                                            </p:txEl>
+                                          </p:spTgt>
+                                        </p:tgtEl>
+                                        <p:attrNameLst>
+                                          <p:attrName>style.visibility</p:attrName>
+                                        </p:attrNameLst>
+                                      </p:cBhvr>
+                                      <p:to>
+                                        <p:strVal val="visible"/>
+                                      </p:to>
+                                    </p:set>
+                                    <p:animEffect transition="in" filter="fade">
+                                      <p:cBhvr>
+                                        <p:cTn id="27" dur="500"/>
+                                        <p:tgtEl>
+                                          <p:spTgt spid="3">
+                                            <p:txEl>
+                                              <p:pRg st="4" end="4"/>
+                                            </p:txEl>
+                                          </p:spTgt>
+                                        </p:tgtEl>
+                                      </p:cBhvr>
+                                    </p:animEffect>
+                                  </p:childTnLst>
+                                </p:cTn>
+                              </p:par>
+                            </p:childTnLst>
+                          </p:cTn>
+                        </p:par>
+                      </p:childTnLst>
+                    </p:cTn>
+                  </p:par>
+                  <p:par>
+                    <p:cTn id="28" fill="hold">
+                      <p:stCondLst>
+                        <p:cond delay="indefinite"/>
+                      </p:stCondLst>
+                      <p:childTnLst>
+                        <p:par>
+                          <p:cTn id="29" fill="hold">
+                            <p:stCondLst>
+                              <p:cond delay="0"/>
+                            </p:stCondLst>
+                            <p:childTnLst>
+                              <p:par>
+                                <p:cTn id="30" presetID="10" presetClass="entr" presetSubtype="0" fill="hold" nodeType="clickEffect">
+                                  <p:stCondLst>
+                                    <p:cond delay="0"/>
+                                  </p:stCondLst>
+                                  <p:childTnLst>
+                                    <p:set>
+                                      <p:cBhvr>
+                                        <p:cTn id="31" dur="1" fill="hold">
+                                          <p:stCondLst>
+                                            <p:cond delay="0"/>
+                                          </p:stCondLst>
+                                        </p:cTn>
+                                        <p:tgtEl>
+                                          <p:spTgt spid="3">
+                                            <p:txEl>
+                                              <p:pRg st="5" end="5"/>
+                                            </p:txEl>
+                                          </p:spTgt>
+                                        </p:tgtEl>
+                                        <p:attrNameLst>
+                                          <p:attrName>style.visibility</p:attrName>
+                                        </p:attrNameLst>
+                                      </p:cBhvr>
+                                      <p:to>
+                                        <p:strVal val="visible"/>
+                                      </p:to>
+                                    </p:set>
+                                    <p:animEffect transition="in" filter="fade">
+                                      <p:cBhvr>
+                                        <p:cTn id="32" dur="500"/>
+                                        <p:tgtEl>
+                                          <p:spTgt spid="3">
+                                            <p:txEl>
+                                              <p:pRg st="5" end="5"/>
+                                            </p:txEl>
+                                          </p:spTgt>
+                                        </p:tgtEl>
+                                      </p:cBhvr>
+                                    </p:animEffect>
+                                  </p:childTnLst>
+                                </p:cTn>
+                              </p:par>
+                            </p:childTnLst>
+                          </p:cTn>
+                        </p:par>
+                      </p:childTnLst>
+                    </p:cTn>
+                  </p:par>
+                </p:childTnLst>
+              </p:cTn>
+              <p:prevCondLst>
+                <p:cond evt="onPrev" delay="0">
+                  <p:tgtEl>
+                    <p:sldTgt/>
+                  </p:tgtEl>
+                </p:cond>
+              </p:prevCondLst>
+              <p:nextCondLst>
+                <p:cond evt="onNext" delay="0">
+                  <p:tgtEl>
+                    <p:sldTgt/>
+                  </p:tgtEl>
+                </p:cond>
+              </p:nextCondLst>
+            </p:seq>
+          </p:childTnLst>
+        </p:cTn>
+      </p:par>
+    </p:tnLst>
+  </p:timing>
 </p:sld>
 </file>
 

--- a/2024-07-17 WeAreDevelopers Berlin/ABP.pptx
+++ b/2024-07-17 WeAreDevelopers Berlin/ABP.pptx
@@ -276,7 +276,7 @@
           <a:p>
             <a:fld id="{2A14C9FE-EBC3-45D3-899C-58AAF4F8AF71}" type="datetimeFigureOut">
               <a:rPr lang="en-US" smtClean="0"/>
-              <a:t>6/23/2024</a:t>
+              <a:t>6/24/2024</a:t>
             </a:fld>
             <a:endParaRPr lang="en-US"/>
           </a:p>
@@ -474,7 +474,7 @@
           <a:p>
             <a:fld id="{2A14C9FE-EBC3-45D3-899C-58AAF4F8AF71}" type="datetimeFigureOut">
               <a:rPr lang="en-US" smtClean="0"/>
-              <a:t>6/23/2024</a:t>
+              <a:t>6/24/2024</a:t>
             </a:fld>
             <a:endParaRPr lang="en-US"/>
           </a:p>
@@ -682,7 +682,7 @@
           <a:p>
             <a:fld id="{2A14C9FE-EBC3-45D3-899C-58AAF4F8AF71}" type="datetimeFigureOut">
               <a:rPr lang="en-US" smtClean="0"/>
-              <a:t>6/23/2024</a:t>
+              <a:t>6/24/2024</a:t>
             </a:fld>
             <a:endParaRPr lang="en-US"/>
           </a:p>
@@ -880,7 +880,7 @@
           <a:p>
             <a:fld id="{2A14C9FE-EBC3-45D3-899C-58AAF4F8AF71}" type="datetimeFigureOut">
               <a:rPr lang="en-US" smtClean="0"/>
-              <a:t>6/23/2024</a:t>
+              <a:t>6/24/2024</a:t>
             </a:fld>
             <a:endParaRPr lang="en-US"/>
           </a:p>
@@ -1155,7 +1155,7 @@
           <a:p>
             <a:fld id="{2A14C9FE-EBC3-45D3-899C-58AAF4F8AF71}" type="datetimeFigureOut">
               <a:rPr lang="en-US" smtClean="0"/>
-              <a:t>6/23/2024</a:t>
+              <a:t>6/24/2024</a:t>
             </a:fld>
             <a:endParaRPr lang="en-US"/>
           </a:p>
@@ -1420,7 +1420,7 @@
           <a:p>
             <a:fld id="{2A14C9FE-EBC3-45D3-899C-58AAF4F8AF71}" type="datetimeFigureOut">
               <a:rPr lang="en-US" smtClean="0"/>
-              <a:t>6/23/2024</a:t>
+              <a:t>6/24/2024</a:t>
             </a:fld>
             <a:endParaRPr lang="en-US"/>
           </a:p>
@@ -1832,7 +1832,7 @@
           <a:p>
             <a:fld id="{2A14C9FE-EBC3-45D3-899C-58AAF4F8AF71}" type="datetimeFigureOut">
               <a:rPr lang="en-US" smtClean="0"/>
-              <a:t>6/23/2024</a:t>
+              <a:t>6/24/2024</a:t>
             </a:fld>
             <a:endParaRPr lang="en-US"/>
           </a:p>
@@ -1973,7 +1973,7 @@
           <a:p>
             <a:fld id="{2A14C9FE-EBC3-45D3-899C-58AAF4F8AF71}" type="datetimeFigureOut">
               <a:rPr lang="en-US" smtClean="0"/>
-              <a:t>6/23/2024</a:t>
+              <a:t>6/24/2024</a:t>
             </a:fld>
             <a:endParaRPr lang="en-US"/>
           </a:p>
@@ -2086,7 +2086,7 @@
           <a:p>
             <a:fld id="{2A14C9FE-EBC3-45D3-899C-58AAF4F8AF71}" type="datetimeFigureOut">
               <a:rPr lang="en-US" smtClean="0"/>
-              <a:t>6/23/2024</a:t>
+              <a:t>6/24/2024</a:t>
             </a:fld>
             <a:endParaRPr lang="en-US"/>
           </a:p>
@@ -2397,7 +2397,7 @@
           <a:p>
             <a:fld id="{2A14C9FE-EBC3-45D3-899C-58AAF4F8AF71}" type="datetimeFigureOut">
               <a:rPr lang="en-US" smtClean="0"/>
-              <a:t>6/23/2024</a:t>
+              <a:t>6/24/2024</a:t>
             </a:fld>
             <a:endParaRPr lang="en-US"/>
           </a:p>
@@ -2685,7 +2685,7 @@
           <a:p>
             <a:fld id="{2A14C9FE-EBC3-45D3-899C-58AAF4F8AF71}" type="datetimeFigureOut">
               <a:rPr lang="en-US" smtClean="0"/>
-              <a:t>6/23/2024</a:t>
+              <a:t>6/24/2024</a:t>
             </a:fld>
             <a:endParaRPr lang="en-US"/>
           </a:p>
@@ -2926,7 +2926,7 @@
           <a:p>
             <a:fld id="{2A14C9FE-EBC3-45D3-899C-58AAF4F8AF71}" type="datetimeFigureOut">
               <a:rPr lang="en-US" smtClean="0"/>
-              <a:t>6/23/2024</a:t>
+              <a:t>6/24/2024</a:t>
             </a:fld>
             <a:endParaRPr lang="en-US"/>
           </a:p>
@@ -7545,7 +7545,7 @@
         </p:nvSpPr>
         <p:spPr>
           <a:xfrm>
-            <a:off x="10403598" y="3008277"/>
+            <a:off x="10412784" y="2866613"/>
             <a:ext cx="1242520" cy="338554"/>
           </a:xfrm>
           <a:prstGeom prst="rect">
@@ -7603,42 +7603,6 @@
       </p:sp>
       <p:pic>
         <p:nvPicPr>
-          <p:cNvPr id="37" name="Picture 36" descr="Icon&#10;&#10;Description automatically generated">
-            <a:extLst>
-              <a:ext uri="{FF2B5EF4-FFF2-40B4-BE49-F238E27FC236}">
-                <a16:creationId xmlns:a16="http://schemas.microsoft.com/office/drawing/2014/main" id="{3FFF015F-9EE7-A16A-71DD-3A36DA447A06}"/>
-              </a:ext>
-            </a:extLst>
-          </p:cNvPr>
-          <p:cNvPicPr>
-            <a:picLocks noChangeAspect="1"/>
-          </p:cNvPicPr>
-          <p:nvPr/>
-        </p:nvPicPr>
-        <p:blipFill>
-          <a:blip r:embed="rId16">
-            <a:extLst>
-              <a:ext uri="{28A0092B-C50C-407E-A947-70E740481C1C}">
-                <a14:useLocalDpi xmlns:a14="http://schemas.microsoft.com/office/drawing/2010/main" val="0"/>
-              </a:ext>
-            </a:extLst>
-          </a:blip>
-          <a:stretch>
-            <a:fillRect/>
-          </a:stretch>
-        </p:blipFill>
-        <p:spPr>
-          <a:xfrm>
-            <a:off x="9789239" y="3628293"/>
-            <a:ext cx="1364611" cy="304763"/>
-          </a:xfrm>
-          <a:prstGeom prst="rect">
-            <a:avLst/>
-          </a:prstGeom>
-        </p:spPr>
-      </p:pic>
-      <p:pic>
-        <p:nvPicPr>
           <p:cNvPr id="38" name="Picture 4">
             <a:extLst>
               <a:ext uri="{FF2B5EF4-FFF2-40B4-BE49-F238E27FC236}">
@@ -7652,7 +7616,7 @@
           <p:nvPr/>
         </p:nvPicPr>
         <p:blipFill>
-          <a:blip r:embed="rId17">
+          <a:blip r:embed="rId16">
             <a:extLst>
               <a:ext uri="{28A0092B-C50C-407E-A947-70E740481C1C}">
                 <a14:useLocalDpi xmlns:a14="http://schemas.microsoft.com/office/drawing/2010/main" val="0"/>
@@ -7666,7 +7630,7 @@
         </p:blipFill>
         <p:spPr bwMode="auto">
           <a:xfrm>
-            <a:off x="9545066" y="4234045"/>
+            <a:off x="9626848" y="4405404"/>
             <a:ext cx="1501114" cy="309242"/>
           </a:xfrm>
           <a:prstGeom prst="rect">
@@ -7881,7 +7845,7 @@
           <p:nvPr/>
         </p:nvPicPr>
         <p:blipFill>
-          <a:blip r:embed="rId18">
+          <a:blip r:embed="rId17">
             <a:extLst>
               <a:ext uri="{28A0092B-C50C-407E-A947-70E740481C1C}">
                 <a14:useLocalDpi xmlns:a14="http://schemas.microsoft.com/office/drawing/2010/main" val="0"/>
@@ -7917,7 +7881,7 @@
           <p:nvPr/>
         </p:nvPicPr>
         <p:blipFill>
-          <a:blip r:embed="rId19">
+          <a:blip r:embed="rId18">
             <a:extLst>
               <a:ext uri="{28A0092B-C50C-407E-A947-70E740481C1C}">
                 <a14:useLocalDpi xmlns:a14="http://schemas.microsoft.com/office/drawing/2010/main" val="0"/>
@@ -7953,7 +7917,7 @@
           <p:nvPr/>
         </p:nvPicPr>
         <p:blipFill>
-          <a:blip r:embed="rId20">
+          <a:blip r:embed="rId19">
             <a:extLst>
               <a:ext uri="{28A0092B-C50C-407E-A947-70E740481C1C}">
                 <a14:useLocalDpi xmlns:a14="http://schemas.microsoft.com/office/drawing/2010/main" val="0"/>
@@ -7989,7 +7953,7 @@
           <p:nvPr/>
         </p:nvPicPr>
         <p:blipFill>
-          <a:blip r:embed="rId21">
+          <a:blip r:embed="rId20">
             <a:extLst>
               <a:ext uri="{28A0092B-C50C-407E-A947-70E740481C1C}">
                 <a14:useLocalDpi xmlns:a14="http://schemas.microsoft.com/office/drawing/2010/main" val="0"/>
@@ -8025,7 +7989,7 @@
           <p:nvPr/>
         </p:nvPicPr>
         <p:blipFill>
-          <a:blip r:embed="rId22">
+          <a:blip r:embed="rId21">
             <a:extLst>
               <a:ext uri="{28A0092B-C50C-407E-A947-70E740481C1C}">
                 <a14:useLocalDpi xmlns:a14="http://schemas.microsoft.com/office/drawing/2010/main" val="0"/>
@@ -8687,9 +8651,9 @@
           <p:nvPr/>
         </p:nvCxnSpPr>
         <p:spPr>
-          <a:xfrm>
-            <a:off x="9086914" y="3164269"/>
-            <a:ext cx="1079869" cy="1329"/>
+          <a:xfrm flipV="1">
+            <a:off x="9086914" y="3047069"/>
+            <a:ext cx="1079869" cy="117200"/>
           </a:xfrm>
           <a:prstGeom prst="straightConnector1">
             <a:avLst/>
@@ -8727,14 +8691,13 @@
           </p:cNvPr>
           <p:cNvCxnSpPr>
             <a:cxnSpLocks/>
-            <a:endCxn id="37" idx="1"/>
           </p:cNvCxnSpPr>
           <p:nvPr/>
         </p:nvCxnSpPr>
         <p:spPr>
           <a:xfrm>
-            <a:off x="9080708" y="3332949"/>
-            <a:ext cx="708531" cy="447726"/>
+            <a:off x="9089031" y="3306567"/>
+            <a:ext cx="888812" cy="232179"/>
           </a:xfrm>
           <a:prstGeom prst="straightConnector1">
             <a:avLst/>
@@ -8777,8 +8740,8 @@
         </p:nvCxnSpPr>
         <p:spPr>
           <a:xfrm>
-            <a:off x="8780548" y="3381425"/>
-            <a:ext cx="774541" cy="909290"/>
+            <a:off x="8797513" y="3422656"/>
+            <a:ext cx="824156" cy="982748"/>
           </a:xfrm>
           <a:prstGeom prst="straightConnector1">
             <a:avLst/>
@@ -9045,7 +9008,7 @@
           <p:nvPr/>
         </p:nvPicPr>
         <p:blipFill>
-          <a:blip r:embed="rId23">
+          <a:blip r:embed="rId22">
             <a:extLst>
               <a:ext uri="{28A0092B-C50C-407E-A947-70E740481C1C}">
                 <a14:useLocalDpi xmlns:a14="http://schemas.microsoft.com/office/drawing/2010/main" val="0"/>
@@ -9081,7 +9044,7 @@
           <p:nvPr/>
         </p:nvPicPr>
         <p:blipFill>
-          <a:blip r:embed="rId24">
+          <a:blip r:embed="rId23">
             <a:extLst>
               <a:ext uri="{28A0092B-C50C-407E-A947-70E740481C1C}">
                 <a14:useLocalDpi xmlns:a14="http://schemas.microsoft.com/office/drawing/2010/main" val="0"/>
@@ -9094,7 +9057,7 @@
         </p:blipFill>
         <p:spPr>
           <a:xfrm>
-            <a:off x="10157597" y="2990055"/>
+            <a:off x="10166783" y="2848391"/>
             <a:ext cx="334900" cy="334900"/>
           </a:xfrm>
           <a:prstGeom prst="rect">
@@ -9117,7 +9080,7 @@
           <p:nvPr/>
         </p:nvPicPr>
         <p:blipFill>
-          <a:blip r:embed="rId25">
+          <a:blip r:embed="rId24">
             <a:extLst>
               <a:ext uri="{28A0092B-C50C-407E-A947-70E740481C1C}">
                 <a14:useLocalDpi xmlns:a14="http://schemas.microsoft.com/office/drawing/2010/main" val="0"/>
@@ -9194,6 +9157,122 @@
           </a:fontRef>
         </p:style>
       </p:cxnSp>
+      <p:pic>
+        <p:nvPicPr>
+          <p:cNvPr id="3" name="Picture 2" descr="A black background with white letters&#10;&#10;Description automatically generated">
+            <a:extLst>
+              <a:ext uri="{FF2B5EF4-FFF2-40B4-BE49-F238E27FC236}">
+                <a16:creationId xmlns:a16="http://schemas.microsoft.com/office/drawing/2014/main" id="{9ACDFF14-EFAC-47A1-45FA-8492E21BB97A}"/>
+              </a:ext>
+            </a:extLst>
+          </p:cNvPr>
+          <p:cNvPicPr>
+            <a:picLocks noChangeAspect="1"/>
+          </p:cNvPicPr>
+          <p:nvPr/>
+        </p:nvPicPr>
+        <p:blipFill>
+          <a:blip r:embed="rId25">
+            <a:extLst>
+              <a:ext uri="{28A0092B-C50C-407E-A947-70E740481C1C}">
+                <a14:useLocalDpi xmlns:a14="http://schemas.microsoft.com/office/drawing/2010/main" val="0"/>
+              </a:ext>
+            </a:extLst>
+          </a:blip>
+          <a:stretch>
+            <a:fillRect/>
+          </a:stretch>
+        </p:blipFill>
+        <p:spPr>
+          <a:xfrm>
+            <a:off x="9852270" y="3900827"/>
+            <a:ext cx="1652791" cy="330558"/>
+          </a:xfrm>
+          <a:prstGeom prst="rect">
+            <a:avLst/>
+          </a:prstGeom>
+        </p:spPr>
+      </p:pic>
+      <p:cxnSp>
+        <p:nvCxnSpPr>
+          <p:cNvPr id="75" name="Straight Arrow Connector 74">
+            <a:extLst>
+              <a:ext uri="{FF2B5EF4-FFF2-40B4-BE49-F238E27FC236}">
+                <a16:creationId xmlns:a16="http://schemas.microsoft.com/office/drawing/2014/main" id="{BE286B22-09AC-E220-D531-D60508E06F53}"/>
+              </a:ext>
+            </a:extLst>
+          </p:cNvPr>
+          <p:cNvCxnSpPr>
+            <a:cxnSpLocks/>
+          </p:cNvCxnSpPr>
+          <p:nvPr/>
+        </p:nvCxnSpPr>
+        <p:spPr>
+          <a:xfrm>
+            <a:off x="9043812" y="3405258"/>
+            <a:ext cx="808458" cy="526231"/>
+          </a:xfrm>
+          <a:prstGeom prst="straightConnector1">
+            <a:avLst/>
+          </a:prstGeom>
+          <a:ln w="25400">
+            <a:solidFill>
+              <a:srgbClr val="002060"/>
+            </a:solidFill>
+            <a:tailEnd type="triangle"/>
+          </a:ln>
+        </p:spPr>
+        <p:style>
+          <a:lnRef idx="1">
+            <a:schemeClr val="accent1"/>
+          </a:lnRef>
+          <a:fillRef idx="0">
+            <a:schemeClr val="accent1"/>
+          </a:fillRef>
+          <a:effectRef idx="0">
+            <a:schemeClr val="accent1"/>
+          </a:effectRef>
+          <a:fontRef idx="minor">
+            <a:schemeClr val="tx1"/>
+          </a:fontRef>
+        </p:style>
+      </p:cxnSp>
+      <p:pic>
+        <p:nvPicPr>
+          <p:cNvPr id="78" name="Picture 77" descr="A black and grey logo&#10;&#10;Description automatically generated">
+            <a:extLst>
+              <a:ext uri="{FF2B5EF4-FFF2-40B4-BE49-F238E27FC236}">
+                <a16:creationId xmlns:a16="http://schemas.microsoft.com/office/drawing/2014/main" id="{0B8D7F33-7513-48F8-7F52-412F9957B748}"/>
+              </a:ext>
+            </a:extLst>
+          </p:cNvPr>
+          <p:cNvPicPr>
+            <a:picLocks noChangeAspect="1"/>
+          </p:cNvPicPr>
+          <p:nvPr/>
+        </p:nvPicPr>
+        <p:blipFill>
+          <a:blip r:embed="rId26">
+            <a:extLst>
+              <a:ext uri="{28A0092B-C50C-407E-A947-70E740481C1C}">
+                <a14:useLocalDpi xmlns:a14="http://schemas.microsoft.com/office/drawing/2010/main" val="0"/>
+              </a:ext>
+            </a:extLst>
+          </a:blip>
+          <a:stretch>
+            <a:fillRect/>
+          </a:stretch>
+        </p:blipFill>
+        <p:spPr>
+          <a:xfrm>
+            <a:off x="10023062" y="3390946"/>
+            <a:ext cx="1592994" cy="351786"/>
+          </a:xfrm>
+          <a:prstGeom prst="rect">
+            <a:avLst/>
+          </a:prstGeom>
+        </p:spPr>
+      </p:pic>
     </p:spTree>
     <p:extLst>
       <p:ext uri="{BB962C8B-B14F-4D97-AF65-F5344CB8AC3E}">
@@ -11136,7 +11215,7 @@
                                           </p:stCondLst>
                                         </p:cTn>
                                         <p:tgtEl>
-                                          <p:spTgt spid="37"/>
+                                          <p:spTgt spid="78"/>
                                         </p:tgtEl>
                                         <p:attrNameLst>
                                           <p:attrName>style.visibility</p:attrName>
@@ -11150,7 +11229,7 @@
                                       <p:cBhvr>
                                         <p:cTn id="177" dur="500"/>
                                         <p:tgtEl>
-                                          <p:spTgt spid="37"/>
+                                          <p:spTgt spid="78"/>
                                         </p:tgtEl>
                                       </p:cBhvr>
                                     </p:animEffect>
@@ -11224,7 +11303,7 @@
                                           </p:stCondLst>
                                         </p:cTn>
                                         <p:tgtEl>
-                                          <p:spTgt spid="38"/>
+                                          <p:spTgt spid="75"/>
                                         </p:tgtEl>
                                         <p:attrNameLst>
                                           <p:attrName>style.visibility</p:attrName>
@@ -11238,7 +11317,7 @@
                                       <p:cBhvr>
                                         <p:cTn id="185" dur="500"/>
                                         <p:tgtEl>
-                                          <p:spTgt spid="38"/>
+                                          <p:spTgt spid="75"/>
                                         </p:tgtEl>
                                       </p:cBhvr>
                                     </p:animEffect>
@@ -11259,7 +11338,7 @@
                                           </p:stCondLst>
                                         </p:cTn>
                                         <p:tgtEl>
-                                          <p:spTgt spid="65"/>
+                                          <p:spTgt spid="3"/>
                                         </p:tgtEl>
                                         <p:attrNameLst>
                                           <p:attrName>style.visibility</p:attrName>
@@ -11273,7 +11352,7 @@
                                       <p:cBhvr>
                                         <p:cTn id="188" dur="500"/>
                                         <p:tgtEl>
-                                          <p:spTgt spid="65"/>
+                                          <p:spTgt spid="3"/>
                                         </p:tgtEl>
                                       </p:cBhvr>
                                     </p:animEffect>
@@ -11299,7 +11378,7 @@
                             </p:stCondLst>
                             <p:childTnLst>
                               <p:par>
-                                <p:cTn id="191" presetID="10" presetClass="entr" presetSubtype="0" fill="hold" grpId="0" nodeType="clickEffect">
+                                <p:cTn id="191" presetID="10" presetClass="entr" presetSubtype="0" fill="hold" nodeType="clickEffect">
                                   <p:stCondLst>
                                     <p:cond delay="0"/>
                                   </p:stCondLst>
@@ -11312,7 +11391,7 @@
                                           </p:stCondLst>
                                         </p:cTn>
                                         <p:tgtEl>
-                                          <p:spTgt spid="39"/>
+                                          <p:spTgt spid="38"/>
                                         </p:tgtEl>
                                         <p:attrNameLst>
                                           <p:attrName>style.visibility</p:attrName>
@@ -11326,7 +11405,7 @@
                                       <p:cBhvr>
                                         <p:cTn id="193" dur="500"/>
                                         <p:tgtEl>
-                                          <p:spTgt spid="39"/>
+                                          <p:spTgt spid="38"/>
                                         </p:tgtEl>
                                       </p:cBhvr>
                                     </p:animEffect>
@@ -11347,7 +11426,7 @@
                                           </p:stCondLst>
                                         </p:cTn>
                                         <p:tgtEl>
-                                          <p:spTgt spid="44"/>
+                                          <p:spTgt spid="65"/>
                                         </p:tgtEl>
                                         <p:attrNameLst>
                                           <p:attrName>style.visibility</p:attrName>
@@ -11361,42 +11440,7 @@
                                       <p:cBhvr>
                                         <p:cTn id="196" dur="500"/>
                                         <p:tgtEl>
-                                          <p:spTgt spid="44"/>
-                                        </p:tgtEl>
-                                      </p:cBhvr>
-                                    </p:animEffect>
-                                  </p:childTnLst>
-                                </p:cTn>
-                              </p:par>
-                              <p:par>
-                                <p:cTn id="197" presetID="10" presetClass="entr" presetSubtype="0" fill="hold" nodeType="withEffect">
-                                  <p:stCondLst>
-                                    <p:cond delay="0"/>
-                                  </p:stCondLst>
-                                  <p:childTnLst>
-                                    <p:set>
-                                      <p:cBhvr>
-                                        <p:cTn id="198" dur="1" fill="hold">
-                                          <p:stCondLst>
-                                            <p:cond delay="0"/>
-                                          </p:stCondLst>
-                                        </p:cTn>
-                                        <p:tgtEl>
-                                          <p:spTgt spid="66"/>
-                                        </p:tgtEl>
-                                        <p:attrNameLst>
-                                          <p:attrName>style.visibility</p:attrName>
-                                        </p:attrNameLst>
-                                      </p:cBhvr>
-                                      <p:to>
-                                        <p:strVal val="visible"/>
-                                      </p:to>
-                                    </p:set>
-                                    <p:animEffect transition="in" filter="fade">
-                                      <p:cBhvr>
-                                        <p:cTn id="199" dur="500"/>
-                                        <p:tgtEl>
-                                          <p:spTgt spid="66"/>
+                                          <p:spTgt spid="65"/>
                                         </p:tgtEl>
                                       </p:cBhvr>
                                     </p:animEffect>
@@ -11410,32 +11454,67 @@
                     </p:cTn>
                   </p:par>
                   <p:par>
-                    <p:cTn id="200" fill="hold">
+                    <p:cTn id="197" fill="hold">
                       <p:stCondLst>
                         <p:cond delay="indefinite"/>
                       </p:stCondLst>
                       <p:childTnLst>
                         <p:par>
-                          <p:cTn id="201" fill="hold">
+                          <p:cTn id="198" fill="hold">
                             <p:stCondLst>
                               <p:cond delay="0"/>
                             </p:stCondLst>
                             <p:childTnLst>
                               <p:par>
-                                <p:cTn id="202" presetID="10" presetClass="entr" presetSubtype="0" fill="hold" grpId="0" nodeType="clickEffect">
+                                <p:cTn id="199" presetID="10" presetClass="entr" presetSubtype="0" fill="hold" grpId="0" nodeType="clickEffect">
                                   <p:stCondLst>
                                     <p:cond delay="0"/>
                                   </p:stCondLst>
                                   <p:childTnLst>
                                     <p:set>
                                       <p:cBhvr>
+                                        <p:cTn id="200" dur="1" fill="hold">
+                                          <p:stCondLst>
+                                            <p:cond delay="0"/>
+                                          </p:stCondLst>
+                                        </p:cTn>
+                                        <p:tgtEl>
+                                          <p:spTgt spid="39"/>
+                                        </p:tgtEl>
+                                        <p:attrNameLst>
+                                          <p:attrName>style.visibility</p:attrName>
+                                        </p:attrNameLst>
+                                      </p:cBhvr>
+                                      <p:to>
+                                        <p:strVal val="visible"/>
+                                      </p:to>
+                                    </p:set>
+                                    <p:animEffect transition="in" filter="fade">
+                                      <p:cBhvr>
+                                        <p:cTn id="201" dur="500"/>
+                                        <p:tgtEl>
+                                          <p:spTgt spid="39"/>
+                                        </p:tgtEl>
+                                      </p:cBhvr>
+                                    </p:animEffect>
+                                  </p:childTnLst>
+                                </p:cTn>
+                              </p:par>
+                              <p:par>
+                                <p:cTn id="202" presetID="10" presetClass="entr" presetSubtype="0" fill="hold" nodeType="withEffect">
+                                  <p:stCondLst>
+                                    <p:cond delay="0"/>
+                                  </p:stCondLst>
+                                  <p:childTnLst>
+                                    <p:set>
+                                      <p:cBhvr>
                                         <p:cTn id="203" dur="1" fill="hold">
                                           <p:stCondLst>
                                             <p:cond delay="0"/>
                                           </p:stCondLst>
                                         </p:cTn>
                                         <p:tgtEl>
-                                          <p:spTgt spid="40"/>
+                                          <p:spTgt spid="44"/>
                                         </p:tgtEl>
                                         <p:attrNameLst>
                                           <p:attrName>style.visibility</p:attrName>
@@ -11449,7 +11528,7 @@
                                       <p:cBhvr>
                                         <p:cTn id="204" dur="500"/>
                                         <p:tgtEl>
-                                          <p:spTgt spid="40"/>
+                                          <p:spTgt spid="44"/>
                                         </p:tgtEl>
                                       </p:cBhvr>
                                     </p:animEffect>
@@ -11470,7 +11549,7 @@
                                           </p:stCondLst>
                                         </p:cTn>
                                         <p:tgtEl>
-                                          <p:spTgt spid="45"/>
+                                          <p:spTgt spid="66"/>
                                         </p:tgtEl>
                                         <p:attrNameLst>
                                           <p:attrName>style.visibility</p:attrName>
@@ -11484,147 +11563,7 @@
                                       <p:cBhvr>
                                         <p:cTn id="207" dur="500"/>
                                         <p:tgtEl>
-                                          <p:spTgt spid="45"/>
-                                        </p:tgtEl>
-                                      </p:cBhvr>
-                                    </p:animEffect>
-                                  </p:childTnLst>
-                                </p:cTn>
-                              </p:par>
-                              <p:par>
-                                <p:cTn id="208" presetID="10" presetClass="entr" presetSubtype="0" fill="hold" nodeType="withEffect">
-                                  <p:stCondLst>
-                                    <p:cond delay="0"/>
-                                  </p:stCondLst>
-                                  <p:childTnLst>
-                                    <p:set>
-                                      <p:cBhvr>
-                                        <p:cTn id="209" dur="1" fill="hold">
-                                          <p:stCondLst>
-                                            <p:cond delay="0"/>
-                                          </p:stCondLst>
-                                        </p:cTn>
-                                        <p:tgtEl>
-                                          <p:spTgt spid="67"/>
-                                        </p:tgtEl>
-                                        <p:attrNameLst>
-                                          <p:attrName>style.visibility</p:attrName>
-                                        </p:attrNameLst>
-                                      </p:cBhvr>
-                                      <p:to>
-                                        <p:strVal val="visible"/>
-                                      </p:to>
-                                    </p:set>
-                                    <p:animEffect transition="in" filter="fade">
-                                      <p:cBhvr>
-                                        <p:cTn id="210" dur="500"/>
-                                        <p:tgtEl>
-                                          <p:spTgt spid="67"/>
-                                        </p:tgtEl>
-                                      </p:cBhvr>
-                                    </p:animEffect>
-                                  </p:childTnLst>
-                                </p:cTn>
-                              </p:par>
-                              <p:par>
-                                <p:cTn id="211" presetID="10" presetClass="entr" presetSubtype="0" fill="hold" grpId="0" nodeType="withEffect">
-                                  <p:stCondLst>
-                                    <p:cond delay="0"/>
-                                  </p:stCondLst>
-                                  <p:childTnLst>
-                                    <p:set>
-                                      <p:cBhvr>
-                                        <p:cTn id="212" dur="1" fill="hold">
-                                          <p:stCondLst>
-                                            <p:cond delay="0"/>
-                                          </p:stCondLst>
-                                        </p:cTn>
-                                        <p:tgtEl>
-                                          <p:spTgt spid="41"/>
-                                        </p:tgtEl>
-                                        <p:attrNameLst>
-                                          <p:attrName>style.visibility</p:attrName>
-                                        </p:attrNameLst>
-                                      </p:cBhvr>
-                                      <p:to>
-                                        <p:strVal val="visible"/>
-                                      </p:to>
-                                    </p:set>
-                                    <p:animEffect transition="in" filter="fade">
-                                      <p:cBhvr>
-                                        <p:cTn id="213" dur="500"/>
-                                        <p:tgtEl>
-                                          <p:spTgt spid="41"/>
-                                        </p:tgtEl>
-                                      </p:cBhvr>
-                                    </p:animEffect>
-                                  </p:childTnLst>
-                                </p:cTn>
-                              </p:par>
-                              <p:par>
-                                <p:cTn id="214" presetID="10" presetClass="entr" presetSubtype="0" fill="hold" nodeType="withEffect">
-                                  <p:stCondLst>
-                                    <p:cond delay="0"/>
-                                  </p:stCondLst>
-                                  <p:childTnLst>
-                                    <p:set>
-                                      <p:cBhvr>
-                                        <p:cTn id="215" dur="1" fill="hold">
-                                          <p:stCondLst>
-                                            <p:cond delay="0"/>
-                                          </p:stCondLst>
-                                        </p:cTn>
-                                        <p:tgtEl>
-                                          <p:spTgt spid="46"/>
-                                        </p:tgtEl>
-                                        <p:attrNameLst>
-                                          <p:attrName>style.visibility</p:attrName>
-                                        </p:attrNameLst>
-                                      </p:cBhvr>
-                                      <p:to>
-                                        <p:strVal val="visible"/>
-                                      </p:to>
-                                    </p:set>
-                                    <p:animEffect transition="in" filter="fade">
-                                      <p:cBhvr>
-                                        <p:cTn id="216" dur="500"/>
-                                        <p:tgtEl>
-                                          <p:spTgt spid="46"/>
-                                        </p:tgtEl>
-                                      </p:cBhvr>
-                                    </p:animEffect>
-                                  </p:childTnLst>
-                                </p:cTn>
-                              </p:par>
-                              <p:par>
-                                <p:cTn id="217" presetID="10" presetClass="entr" presetSubtype="0" fill="hold" nodeType="withEffect">
-                                  <p:stCondLst>
-                                    <p:cond delay="0"/>
-                                  </p:stCondLst>
-                                  <p:childTnLst>
-                                    <p:set>
-                                      <p:cBhvr>
-                                        <p:cTn id="218" dur="1" fill="hold">
-                                          <p:stCondLst>
-                                            <p:cond delay="0"/>
-                                          </p:stCondLst>
-                                        </p:cTn>
-                                        <p:tgtEl>
-                                          <p:spTgt spid="68"/>
-                                        </p:tgtEl>
-                                        <p:attrNameLst>
-                                          <p:attrName>style.visibility</p:attrName>
-                                        </p:attrNameLst>
-                                      </p:cBhvr>
-                                      <p:to>
-                                        <p:strVal val="visible"/>
-                                      </p:to>
-                                    </p:set>
-                                    <p:animEffect transition="in" filter="fade">
-                                      <p:cBhvr>
-                                        <p:cTn id="219" dur="500"/>
-                                        <p:tgtEl>
-                                          <p:spTgt spid="68"/>
+                                          <p:spTgt spid="66"/>
                                         </p:tgtEl>
                                       </p:cBhvr>
                                     </p:animEffect>
@@ -11638,32 +11577,172 @@
                     </p:cTn>
                   </p:par>
                   <p:par>
-                    <p:cTn id="220" fill="hold">
+                    <p:cTn id="208" fill="hold">
                       <p:stCondLst>
                         <p:cond delay="indefinite"/>
                       </p:stCondLst>
                       <p:childTnLst>
                         <p:par>
-                          <p:cTn id="221" fill="hold">
+                          <p:cTn id="209" fill="hold">
                             <p:stCondLst>
                               <p:cond delay="0"/>
                             </p:stCondLst>
                             <p:childTnLst>
                               <p:par>
-                                <p:cTn id="222" presetID="10" presetClass="entr" presetSubtype="0" fill="hold" grpId="0" nodeType="clickEffect">
+                                <p:cTn id="210" presetID="10" presetClass="entr" presetSubtype="0" fill="hold" grpId="0" nodeType="clickEffect">
                                   <p:stCondLst>
                                     <p:cond delay="0"/>
                                   </p:stCondLst>
                                   <p:childTnLst>
                                     <p:set>
                                       <p:cBhvr>
+                                        <p:cTn id="211" dur="1" fill="hold">
+                                          <p:stCondLst>
+                                            <p:cond delay="0"/>
+                                          </p:stCondLst>
+                                        </p:cTn>
+                                        <p:tgtEl>
+                                          <p:spTgt spid="40"/>
+                                        </p:tgtEl>
+                                        <p:attrNameLst>
+                                          <p:attrName>style.visibility</p:attrName>
+                                        </p:attrNameLst>
+                                      </p:cBhvr>
+                                      <p:to>
+                                        <p:strVal val="visible"/>
+                                      </p:to>
+                                    </p:set>
+                                    <p:animEffect transition="in" filter="fade">
+                                      <p:cBhvr>
+                                        <p:cTn id="212" dur="500"/>
+                                        <p:tgtEl>
+                                          <p:spTgt spid="40"/>
+                                        </p:tgtEl>
+                                      </p:cBhvr>
+                                    </p:animEffect>
+                                  </p:childTnLst>
+                                </p:cTn>
+                              </p:par>
+                              <p:par>
+                                <p:cTn id="213" presetID="10" presetClass="entr" presetSubtype="0" fill="hold" nodeType="withEffect">
+                                  <p:stCondLst>
+                                    <p:cond delay="0"/>
+                                  </p:stCondLst>
+                                  <p:childTnLst>
+                                    <p:set>
+                                      <p:cBhvr>
+                                        <p:cTn id="214" dur="1" fill="hold">
+                                          <p:stCondLst>
+                                            <p:cond delay="0"/>
+                                          </p:stCondLst>
+                                        </p:cTn>
+                                        <p:tgtEl>
+                                          <p:spTgt spid="45"/>
+                                        </p:tgtEl>
+                                        <p:attrNameLst>
+                                          <p:attrName>style.visibility</p:attrName>
+                                        </p:attrNameLst>
+                                      </p:cBhvr>
+                                      <p:to>
+                                        <p:strVal val="visible"/>
+                                      </p:to>
+                                    </p:set>
+                                    <p:animEffect transition="in" filter="fade">
+                                      <p:cBhvr>
+                                        <p:cTn id="215" dur="500"/>
+                                        <p:tgtEl>
+                                          <p:spTgt spid="45"/>
+                                        </p:tgtEl>
+                                      </p:cBhvr>
+                                    </p:animEffect>
+                                  </p:childTnLst>
+                                </p:cTn>
+                              </p:par>
+                              <p:par>
+                                <p:cTn id="216" presetID="10" presetClass="entr" presetSubtype="0" fill="hold" nodeType="withEffect">
+                                  <p:stCondLst>
+                                    <p:cond delay="0"/>
+                                  </p:stCondLst>
+                                  <p:childTnLst>
+                                    <p:set>
+                                      <p:cBhvr>
+                                        <p:cTn id="217" dur="1" fill="hold">
+                                          <p:stCondLst>
+                                            <p:cond delay="0"/>
+                                          </p:stCondLst>
+                                        </p:cTn>
+                                        <p:tgtEl>
+                                          <p:spTgt spid="67"/>
+                                        </p:tgtEl>
+                                        <p:attrNameLst>
+                                          <p:attrName>style.visibility</p:attrName>
+                                        </p:attrNameLst>
+                                      </p:cBhvr>
+                                      <p:to>
+                                        <p:strVal val="visible"/>
+                                      </p:to>
+                                    </p:set>
+                                    <p:animEffect transition="in" filter="fade">
+                                      <p:cBhvr>
+                                        <p:cTn id="218" dur="500"/>
+                                        <p:tgtEl>
+                                          <p:spTgt spid="67"/>
+                                        </p:tgtEl>
+                                      </p:cBhvr>
+                                    </p:animEffect>
+                                  </p:childTnLst>
+                                </p:cTn>
+                              </p:par>
+                              <p:par>
+                                <p:cTn id="219" presetID="10" presetClass="entr" presetSubtype="0" fill="hold" grpId="0" nodeType="withEffect">
+                                  <p:stCondLst>
+                                    <p:cond delay="0"/>
+                                  </p:stCondLst>
+                                  <p:childTnLst>
+                                    <p:set>
+                                      <p:cBhvr>
+                                        <p:cTn id="220" dur="1" fill="hold">
+                                          <p:stCondLst>
+                                            <p:cond delay="0"/>
+                                          </p:stCondLst>
+                                        </p:cTn>
+                                        <p:tgtEl>
+                                          <p:spTgt spid="41"/>
+                                        </p:tgtEl>
+                                        <p:attrNameLst>
+                                          <p:attrName>style.visibility</p:attrName>
+                                        </p:attrNameLst>
+                                      </p:cBhvr>
+                                      <p:to>
+                                        <p:strVal val="visible"/>
+                                      </p:to>
+                                    </p:set>
+                                    <p:animEffect transition="in" filter="fade">
+                                      <p:cBhvr>
+                                        <p:cTn id="221" dur="500"/>
+                                        <p:tgtEl>
+                                          <p:spTgt spid="41"/>
+                                        </p:tgtEl>
+                                      </p:cBhvr>
+                                    </p:animEffect>
+                                  </p:childTnLst>
+                                </p:cTn>
+                              </p:par>
+                              <p:par>
+                                <p:cTn id="222" presetID="10" presetClass="entr" presetSubtype="0" fill="hold" nodeType="withEffect">
+                                  <p:stCondLst>
+                                    <p:cond delay="0"/>
+                                  </p:stCondLst>
+                                  <p:childTnLst>
+                                    <p:set>
+                                      <p:cBhvr>
                                         <p:cTn id="223" dur="1" fill="hold">
                                           <p:stCondLst>
                                             <p:cond delay="0"/>
                                           </p:stCondLst>
                                         </p:cTn>
                                         <p:tgtEl>
-                                          <p:spTgt spid="43"/>
+                                          <p:spTgt spid="46"/>
                                         </p:tgtEl>
                                         <p:attrNameLst>
                                           <p:attrName>style.visibility</p:attrName>
@@ -11677,7 +11756,7 @@
                                       <p:cBhvr>
                                         <p:cTn id="224" dur="500"/>
                                         <p:tgtEl>
-                                          <p:spTgt spid="43"/>
+                                          <p:spTgt spid="46"/>
                                         </p:tgtEl>
                                       </p:cBhvr>
                                     </p:animEffect>
@@ -11698,7 +11777,7 @@
                                           </p:stCondLst>
                                         </p:cTn>
                                         <p:tgtEl>
-                                          <p:spTgt spid="47"/>
+                                          <p:spTgt spid="68"/>
                                         </p:tgtEl>
                                         <p:attrNameLst>
                                           <p:attrName>style.visibility</p:attrName>
@@ -11712,42 +11791,7 @@
                                       <p:cBhvr>
                                         <p:cTn id="227" dur="500"/>
                                         <p:tgtEl>
-                                          <p:spTgt spid="47"/>
-                                        </p:tgtEl>
-                                      </p:cBhvr>
-                                    </p:animEffect>
-                                  </p:childTnLst>
-                                </p:cTn>
-                              </p:par>
-                              <p:par>
-                                <p:cTn id="228" presetID="10" presetClass="entr" presetSubtype="0" fill="hold" nodeType="withEffect">
-                                  <p:stCondLst>
-                                    <p:cond delay="0"/>
-                                  </p:stCondLst>
-                                  <p:childTnLst>
-                                    <p:set>
-                                      <p:cBhvr>
-                                        <p:cTn id="229" dur="1" fill="hold">
-                                          <p:stCondLst>
-                                            <p:cond delay="0"/>
-                                          </p:stCondLst>
-                                        </p:cTn>
-                                        <p:tgtEl>
-                                          <p:spTgt spid="69"/>
-                                        </p:tgtEl>
-                                        <p:attrNameLst>
-                                          <p:attrName>style.visibility</p:attrName>
-                                        </p:attrNameLst>
-                                      </p:cBhvr>
-                                      <p:to>
-                                        <p:strVal val="visible"/>
-                                      </p:to>
-                                    </p:set>
-                                    <p:animEffect transition="in" filter="fade">
-                                      <p:cBhvr>
-                                        <p:cTn id="230" dur="500"/>
-                                        <p:tgtEl>
-                                          <p:spTgt spid="69"/>
+                                          <p:spTgt spid="68"/>
                                         </p:tgtEl>
                                       </p:cBhvr>
                                     </p:animEffect>
@@ -11761,32 +11805,67 @@
                     </p:cTn>
                   </p:par>
                   <p:par>
-                    <p:cTn id="231" fill="hold">
+                    <p:cTn id="228" fill="hold">
                       <p:stCondLst>
                         <p:cond delay="indefinite"/>
                       </p:stCondLst>
                       <p:childTnLst>
                         <p:par>
-                          <p:cTn id="232" fill="hold">
+                          <p:cTn id="229" fill="hold">
                             <p:stCondLst>
                               <p:cond delay="0"/>
                             </p:stCondLst>
                             <p:childTnLst>
                               <p:par>
-                                <p:cTn id="233" presetID="10" presetClass="entr" presetSubtype="0" fill="hold" grpId="0" nodeType="clickEffect">
+                                <p:cTn id="230" presetID="10" presetClass="entr" presetSubtype="0" fill="hold" grpId="0" nodeType="clickEffect">
                                   <p:stCondLst>
                                     <p:cond delay="0"/>
                                   </p:stCondLst>
                                   <p:childTnLst>
                                     <p:set>
                                       <p:cBhvr>
+                                        <p:cTn id="231" dur="1" fill="hold">
+                                          <p:stCondLst>
+                                            <p:cond delay="0"/>
+                                          </p:stCondLst>
+                                        </p:cTn>
+                                        <p:tgtEl>
+                                          <p:spTgt spid="43"/>
+                                        </p:tgtEl>
+                                        <p:attrNameLst>
+                                          <p:attrName>style.visibility</p:attrName>
+                                        </p:attrNameLst>
+                                      </p:cBhvr>
+                                      <p:to>
+                                        <p:strVal val="visible"/>
+                                      </p:to>
+                                    </p:set>
+                                    <p:animEffect transition="in" filter="fade">
+                                      <p:cBhvr>
+                                        <p:cTn id="232" dur="500"/>
+                                        <p:tgtEl>
+                                          <p:spTgt spid="43"/>
+                                        </p:tgtEl>
+                                      </p:cBhvr>
+                                    </p:animEffect>
+                                  </p:childTnLst>
+                                </p:cTn>
+                              </p:par>
+                              <p:par>
+                                <p:cTn id="233" presetID="10" presetClass="entr" presetSubtype="0" fill="hold" nodeType="withEffect">
+                                  <p:stCondLst>
+                                    <p:cond delay="0"/>
+                                  </p:stCondLst>
+                                  <p:childTnLst>
+                                    <p:set>
+                                      <p:cBhvr>
                                         <p:cTn id="234" dur="1" fill="hold">
                                           <p:stCondLst>
                                             <p:cond delay="0"/>
                                           </p:stCondLst>
                                         </p:cTn>
                                         <p:tgtEl>
-                                          <p:spTgt spid="42"/>
+                                          <p:spTgt spid="47"/>
                                         </p:tgtEl>
                                         <p:attrNameLst>
                                           <p:attrName>style.visibility</p:attrName>
@@ -11800,7 +11879,7 @@
                                       <p:cBhvr>
                                         <p:cTn id="235" dur="500"/>
                                         <p:tgtEl>
-                                          <p:spTgt spid="42"/>
+                                          <p:spTgt spid="47"/>
                                         </p:tgtEl>
                                       </p:cBhvr>
                                     </p:animEffect>
@@ -11821,7 +11900,7 @@
                                           </p:stCondLst>
                                         </p:cTn>
                                         <p:tgtEl>
-                                          <p:spTgt spid="48"/>
+                                          <p:spTgt spid="69"/>
                                         </p:tgtEl>
                                         <p:attrNameLst>
                                           <p:attrName>style.visibility</p:attrName>
@@ -11835,7 +11914,60 @@
                                       <p:cBhvr>
                                         <p:cTn id="238" dur="500"/>
                                         <p:tgtEl>
-                                          <p:spTgt spid="48"/>
+                                          <p:spTgt spid="69"/>
+                                        </p:tgtEl>
+                                      </p:cBhvr>
+                                    </p:animEffect>
+                                  </p:childTnLst>
+                                </p:cTn>
+                              </p:par>
+                            </p:childTnLst>
+                          </p:cTn>
+                        </p:par>
+                      </p:childTnLst>
+                    </p:cTn>
+                  </p:par>
+                  <p:par>
+                    <p:cTn id="239" fill="hold">
+                      <p:stCondLst>
+                        <p:cond delay="indefinite"/>
+                      </p:stCondLst>
+                      <p:childTnLst>
+                        <p:par>
+                          <p:cTn id="240" fill="hold">
+                            <p:stCondLst>
+                              <p:cond delay="0"/>
+                            </p:stCondLst>
+                            <p:childTnLst>
+                              <p:par>
+                                <p:cTn id="241" presetID="10" presetClass="entr" presetSubtype="0" fill="hold" grpId="0" nodeType="clickEffect">
+                                  <p:stCondLst>
+                                    <p:cond delay="0"/>
+                                  </p:stCondLst>
+                                  <p:childTnLst>
+                                    <p:set>
+                                      <p:cBhvr>
+                                        <p:cTn id="242" dur="1" fill="hold">
+                                          <p:stCondLst>
+                                            <p:cond delay="0"/>
+                                          </p:stCondLst>
+                                        </p:cTn>
+                                        <p:tgtEl>
+                                          <p:spTgt spid="42"/>
+                                        </p:tgtEl>
+                                        <p:attrNameLst>
+                                          <p:attrName>style.visibility</p:attrName>
+                                        </p:attrNameLst>
+                                      </p:cBhvr>
+                                      <p:to>
+                                        <p:strVal val="visible"/>
+                                      </p:to>
+                                    </p:set>
+                                    <p:animEffect transition="in" filter="fade">
+                                      <p:cBhvr>
+                                        <p:cTn id="243" dur="500"/>
+                                        <p:tgtEl>
+                                          <p:spTgt spid="42"/>
                                         </p:tgtEl>
                                       </p:cBhvr>
                                     </p:animEffect>
@@ -11843,20 +11975,20 @@
                                 </p:cTn>
                               </p:par>
                               <p:par>
-                                <p:cTn id="239" presetID="10" presetClass="entr" presetSubtype="0" fill="hold" nodeType="withEffect">
+                                <p:cTn id="244" presetID="10" presetClass="entr" presetSubtype="0" fill="hold" nodeType="withEffect">
                                   <p:stCondLst>
                                     <p:cond delay="0"/>
                                   </p:stCondLst>
                                   <p:childTnLst>
                                     <p:set>
                                       <p:cBhvr>
-                                        <p:cTn id="240" dur="1" fill="hold">
+                                        <p:cTn id="245" dur="1" fill="hold">
                                           <p:stCondLst>
                                             <p:cond delay="0"/>
                                           </p:stCondLst>
                                         </p:cTn>
                                         <p:tgtEl>
-                                          <p:spTgt spid="70"/>
+                                          <p:spTgt spid="48"/>
                                         </p:tgtEl>
                                         <p:attrNameLst>
                                           <p:attrName>style.visibility</p:attrName>
@@ -11868,7 +12000,42 @@
                                     </p:set>
                                     <p:animEffect transition="in" filter="fade">
                                       <p:cBhvr>
-                                        <p:cTn id="241" dur="500"/>
+                                        <p:cTn id="246" dur="500"/>
+                                        <p:tgtEl>
+                                          <p:spTgt spid="48"/>
+                                        </p:tgtEl>
+                                      </p:cBhvr>
+                                    </p:animEffect>
+                                  </p:childTnLst>
+                                </p:cTn>
+                              </p:par>
+                              <p:par>
+                                <p:cTn id="247" presetID="10" presetClass="entr" presetSubtype="0" fill="hold" nodeType="withEffect">
+                                  <p:stCondLst>
+                                    <p:cond delay="0"/>
+                                  </p:stCondLst>
+                                  <p:childTnLst>
+                                    <p:set>
+                                      <p:cBhvr>
+                                        <p:cTn id="248" dur="1" fill="hold">
+                                          <p:stCondLst>
+                                            <p:cond delay="0"/>
+                                          </p:stCondLst>
+                                        </p:cTn>
+                                        <p:tgtEl>
+                                          <p:spTgt spid="70"/>
+                                        </p:tgtEl>
+                                        <p:attrNameLst>
+                                          <p:attrName>style.visibility</p:attrName>
+                                        </p:attrNameLst>
+                                      </p:cBhvr>
+                                      <p:to>
+                                        <p:strVal val="visible"/>
+                                      </p:to>
+                                    </p:set>
+                                    <p:animEffect transition="in" filter="fade">
+                                      <p:cBhvr>
+                                        <p:cTn id="249" dur="500"/>
                                         <p:tgtEl>
                                           <p:spTgt spid="70"/>
                                         </p:tgtEl>
@@ -12681,6 +12848,42 @@
           </a:p>
         </p:txBody>
       </p:sp>
+      <p:pic>
+        <p:nvPicPr>
+          <p:cNvPr id="5" name="Picture 4" descr="A black background with grey letters&#10;&#10;Description automatically generated">
+            <a:extLst>
+              <a:ext uri="{FF2B5EF4-FFF2-40B4-BE49-F238E27FC236}">
+                <a16:creationId xmlns:a16="http://schemas.microsoft.com/office/drawing/2014/main" id="{DD86B6B3-29B4-F6FF-8296-C0F3CE2D200E}"/>
+              </a:ext>
+            </a:extLst>
+          </p:cNvPr>
+          <p:cNvPicPr>
+            <a:picLocks noChangeAspect="1"/>
+          </p:cNvPicPr>
+          <p:nvPr/>
+        </p:nvPicPr>
+        <p:blipFill>
+          <a:blip r:embed="rId3">
+            <a:extLst>
+              <a:ext uri="{28A0092B-C50C-407E-A947-70E740481C1C}">
+                <a14:useLocalDpi xmlns:a14="http://schemas.microsoft.com/office/drawing/2010/main" val="0"/>
+              </a:ext>
+            </a:extLst>
+          </a:blip>
+          <a:stretch>
+            <a:fillRect/>
+          </a:stretch>
+        </p:blipFill>
+        <p:spPr>
+          <a:xfrm>
+            <a:off x="4229333" y="3092492"/>
+            <a:ext cx="3733333" cy="673016"/>
+          </a:xfrm>
+          <a:prstGeom prst="rect">
+            <a:avLst/>
+          </a:prstGeom>
+        </p:spPr>
+      </p:pic>
     </p:spTree>
     <p:extLst>
       <p:ext uri="{BB962C8B-B14F-4D97-AF65-F5344CB8AC3E}">

--- a/2024-07-17 WeAreDevelopers Berlin/ABP.pptx
+++ b/2024-07-17 WeAreDevelopers Berlin/ABP.pptx
@@ -7601,53 +7601,6 @@
           </a:p>
         </p:txBody>
       </p:sp>
-      <p:pic>
-        <p:nvPicPr>
-          <p:cNvPr id="38" name="Picture 4">
-            <a:extLst>
-              <a:ext uri="{FF2B5EF4-FFF2-40B4-BE49-F238E27FC236}">
-                <a16:creationId xmlns:a16="http://schemas.microsoft.com/office/drawing/2014/main" id="{902BC57D-B569-124F-CAA9-5A5EA21DC2DF}"/>
-              </a:ext>
-            </a:extLst>
-          </p:cNvPr>
-          <p:cNvPicPr>
-            <a:picLocks noChangeAspect="1" noChangeArrowheads="1"/>
-          </p:cNvPicPr>
-          <p:nvPr/>
-        </p:nvPicPr>
-        <p:blipFill>
-          <a:blip r:embed="rId16">
-            <a:extLst>
-              <a:ext uri="{28A0092B-C50C-407E-A947-70E740481C1C}">
-                <a14:useLocalDpi xmlns:a14="http://schemas.microsoft.com/office/drawing/2010/main" val="0"/>
-              </a:ext>
-            </a:extLst>
-          </a:blip>
-          <a:srcRect/>
-          <a:stretch>
-            <a:fillRect/>
-          </a:stretch>
-        </p:blipFill>
-        <p:spPr bwMode="auto">
-          <a:xfrm>
-            <a:off x="9626848" y="4405404"/>
-            <a:ext cx="1501114" cy="309242"/>
-          </a:xfrm>
-          <a:prstGeom prst="rect">
-            <a:avLst/>
-          </a:prstGeom>
-          <a:noFill/>
-          <a:extLst>
-            <a:ext uri="{909E8E84-426E-40DD-AFC4-6F175D3DCCD1}">
-              <a14:hiddenFill xmlns:a14="http://schemas.microsoft.com/office/drawing/2010/main">
-                <a:solidFill>
-                  <a:srgbClr val="FFFFFF"/>
-                </a:solidFill>
-              </a14:hiddenFill>
-            </a:ext>
-          </a:extLst>
-        </p:spPr>
-      </p:pic>
       <p:sp>
         <p:nvSpPr>
           <p:cNvPr id="39" name="TextBox 38">
@@ -7845,7 +7798,7 @@
           <p:nvPr/>
         </p:nvPicPr>
         <p:blipFill>
-          <a:blip r:embed="rId17">
+          <a:blip r:embed="rId16">
             <a:extLst>
               <a:ext uri="{28A0092B-C50C-407E-A947-70E740481C1C}">
                 <a14:useLocalDpi xmlns:a14="http://schemas.microsoft.com/office/drawing/2010/main" val="0"/>
@@ -7881,7 +7834,7 @@
           <p:nvPr/>
         </p:nvPicPr>
         <p:blipFill>
-          <a:blip r:embed="rId18">
+          <a:blip r:embed="rId17">
             <a:extLst>
               <a:ext uri="{28A0092B-C50C-407E-A947-70E740481C1C}">
                 <a14:useLocalDpi xmlns:a14="http://schemas.microsoft.com/office/drawing/2010/main" val="0"/>
@@ -7917,7 +7870,7 @@
           <p:nvPr/>
         </p:nvPicPr>
         <p:blipFill>
-          <a:blip r:embed="rId19">
+          <a:blip r:embed="rId18">
             <a:extLst>
               <a:ext uri="{28A0092B-C50C-407E-A947-70E740481C1C}">
                 <a14:useLocalDpi xmlns:a14="http://schemas.microsoft.com/office/drawing/2010/main" val="0"/>
@@ -7953,7 +7906,7 @@
           <p:nvPr/>
         </p:nvPicPr>
         <p:blipFill>
-          <a:blip r:embed="rId20">
+          <a:blip r:embed="rId19">
             <a:extLst>
               <a:ext uri="{28A0092B-C50C-407E-A947-70E740481C1C}">
                 <a14:useLocalDpi xmlns:a14="http://schemas.microsoft.com/office/drawing/2010/main" val="0"/>
@@ -7989,7 +7942,7 @@
           <p:nvPr/>
         </p:nvPicPr>
         <p:blipFill>
-          <a:blip r:embed="rId21">
+          <a:blip r:embed="rId20">
             <a:extLst>
               <a:ext uri="{28A0092B-C50C-407E-A947-70E740481C1C}">
                 <a14:useLocalDpi xmlns:a14="http://schemas.microsoft.com/office/drawing/2010/main" val="0"/>
@@ -9008,7 +8961,7 @@
           <p:nvPr/>
         </p:nvPicPr>
         <p:blipFill>
-          <a:blip r:embed="rId22">
+          <a:blip r:embed="rId21">
             <a:extLst>
               <a:ext uri="{28A0092B-C50C-407E-A947-70E740481C1C}">
                 <a14:useLocalDpi xmlns:a14="http://schemas.microsoft.com/office/drawing/2010/main" val="0"/>
@@ -9044,7 +8997,7 @@
           <p:nvPr/>
         </p:nvPicPr>
         <p:blipFill>
-          <a:blip r:embed="rId23">
+          <a:blip r:embed="rId22">
             <a:extLst>
               <a:ext uri="{28A0092B-C50C-407E-A947-70E740481C1C}">
                 <a14:useLocalDpi xmlns:a14="http://schemas.microsoft.com/office/drawing/2010/main" val="0"/>
@@ -9080,7 +9033,7 @@
           <p:nvPr/>
         </p:nvPicPr>
         <p:blipFill>
-          <a:blip r:embed="rId24">
+          <a:blip r:embed="rId23">
             <a:extLst>
               <a:ext uri="{28A0092B-C50C-407E-A947-70E740481C1C}">
                 <a14:useLocalDpi xmlns:a14="http://schemas.microsoft.com/office/drawing/2010/main" val="0"/>
@@ -9172,7 +9125,7 @@
           <p:nvPr/>
         </p:nvPicPr>
         <p:blipFill>
-          <a:blip r:embed="rId25">
+          <a:blip r:embed="rId24">
             <a:extLst>
               <a:ext uri="{28A0092B-C50C-407E-A947-70E740481C1C}">
                 <a14:useLocalDpi xmlns:a14="http://schemas.microsoft.com/office/drawing/2010/main" val="0"/>
@@ -9252,7 +9205,7 @@
           <p:nvPr/>
         </p:nvPicPr>
         <p:blipFill>
-          <a:blip r:embed="rId26">
+          <a:blip r:embed="rId25">
             <a:extLst>
               <a:ext uri="{28A0092B-C50C-407E-A947-70E740481C1C}">
                 <a14:useLocalDpi xmlns:a14="http://schemas.microsoft.com/office/drawing/2010/main" val="0"/>
@@ -9267,6 +9220,42 @@
           <a:xfrm>
             <a:off x="10023062" y="3390946"/>
             <a:ext cx="1592994" cy="351786"/>
+          </a:xfrm>
+          <a:prstGeom prst="rect">
+            <a:avLst/>
+          </a:prstGeom>
+        </p:spPr>
+      </p:pic>
+      <p:pic>
+        <p:nvPicPr>
+          <p:cNvPr id="2" name="Picture 1" descr="A black background with grey letters&#10;&#10;Description automatically generated">
+            <a:extLst>
+              <a:ext uri="{FF2B5EF4-FFF2-40B4-BE49-F238E27FC236}">
+                <a16:creationId xmlns:a16="http://schemas.microsoft.com/office/drawing/2014/main" id="{AD478DD6-BE40-88CB-7A67-E6CF40F52818}"/>
+              </a:ext>
+            </a:extLst>
+          </p:cNvPr>
+          <p:cNvPicPr>
+            <a:picLocks noChangeAspect="1"/>
+          </p:cNvPicPr>
+          <p:nvPr/>
+        </p:nvPicPr>
+        <p:blipFill>
+          <a:blip r:embed="rId26">
+            <a:extLst>
+              <a:ext uri="{28A0092B-C50C-407E-A947-70E740481C1C}">
+                <a14:useLocalDpi xmlns:a14="http://schemas.microsoft.com/office/drawing/2010/main" val="0"/>
+              </a:ext>
+            </a:extLst>
+          </a:blip>
+          <a:stretch>
+            <a:fillRect/>
+          </a:stretch>
+        </p:blipFill>
+        <p:spPr>
+          <a:xfrm>
+            <a:off x="9621669" y="4367990"/>
+            <a:ext cx="1836345" cy="331042"/>
           </a:xfrm>
           <a:prstGeom prst="rect">
             <a:avLst/>
@@ -11391,7 +11380,7 @@
                                           </p:stCondLst>
                                         </p:cTn>
                                         <p:tgtEl>
-                                          <p:spTgt spid="38"/>
+                                          <p:spTgt spid="2"/>
                                         </p:tgtEl>
                                         <p:attrNameLst>
                                           <p:attrName>style.visibility</p:attrName>
@@ -11405,7 +11394,7 @@
                                       <p:cBhvr>
                                         <p:cTn id="193" dur="500"/>
                                         <p:tgtEl>
-                                          <p:spTgt spid="38"/>
+                                          <p:spTgt spid="2"/>
                                         </p:tgtEl>
                                       </p:cBhvr>
                                     </p:animEffect>
@@ -12819,10 +12808,10 @@
       </p:sp>
       <p:sp>
         <p:nvSpPr>
-          <p:cNvPr id="3" name="Content Placeholder 2">
-            <a:extLst>
-              <a:ext uri="{FF2B5EF4-FFF2-40B4-BE49-F238E27FC236}">
-                <a16:creationId xmlns:a16="http://schemas.microsoft.com/office/drawing/2014/main" id="{891C7693-D3DF-4635-96F4-97F3B4136FDF}"/>
+          <p:cNvPr id="6" name="Content Placeholder 5">
+            <a:extLst>
+              <a:ext uri="{FF2B5EF4-FFF2-40B4-BE49-F238E27FC236}">
+                <a16:creationId xmlns:a16="http://schemas.microsoft.com/office/drawing/2014/main" id="{A9435E9E-7C7F-965C-1BAD-0E6EBD7D0B7D}"/>
               </a:ext>
             </a:extLst>
           </p:cNvPr>
@@ -12839,51 +12828,13 @@
           <a:lstStyle/>
           <a:p>
             <a:r>
-              <a:rPr lang="en-US" dirty="0">
-                <a:latin typeface="Euclid Circular B" panose="020B0504000000000000" pitchFamily="34" charset="0"/>
-                <a:ea typeface="Euclid Circular B" panose="020B0504000000000000" pitchFamily="34" charset="0"/>
-              </a:rPr>
-              <a:t>Content</a:t>
-            </a:r>
+              <a:rPr lang="tr-TR" dirty="0"/>
+              <a:t>...</a:t>
+            </a:r>
+            <a:endParaRPr lang="en-US" dirty="0"/>
           </a:p>
         </p:txBody>
       </p:sp>
-      <p:pic>
-        <p:nvPicPr>
-          <p:cNvPr id="5" name="Picture 4" descr="A black background with grey letters&#10;&#10;Description automatically generated">
-            <a:extLst>
-              <a:ext uri="{FF2B5EF4-FFF2-40B4-BE49-F238E27FC236}">
-                <a16:creationId xmlns:a16="http://schemas.microsoft.com/office/drawing/2014/main" id="{DD86B6B3-29B4-F6FF-8296-C0F3CE2D200E}"/>
-              </a:ext>
-            </a:extLst>
-          </p:cNvPr>
-          <p:cNvPicPr>
-            <a:picLocks noChangeAspect="1"/>
-          </p:cNvPicPr>
-          <p:nvPr/>
-        </p:nvPicPr>
-        <p:blipFill>
-          <a:blip r:embed="rId3">
-            <a:extLst>
-              <a:ext uri="{28A0092B-C50C-407E-A947-70E740481C1C}">
-                <a14:useLocalDpi xmlns:a14="http://schemas.microsoft.com/office/drawing/2010/main" val="0"/>
-              </a:ext>
-            </a:extLst>
-          </a:blip>
-          <a:stretch>
-            <a:fillRect/>
-          </a:stretch>
-        </p:blipFill>
-        <p:spPr>
-          <a:xfrm>
-            <a:off x="4229333" y="3092492"/>
-            <a:ext cx="3733333" cy="673016"/>
-          </a:xfrm>
-          <a:prstGeom prst="rect">
-            <a:avLst/>
-          </a:prstGeom>
-        </p:spPr>
-      </p:pic>
     </p:spTree>
     <p:extLst>
       <p:ext uri="{BB962C8B-B14F-4D97-AF65-F5344CB8AC3E}">

--- a/2024-07-17 WeAreDevelopers Berlin/ABP.pptx
+++ b/2024-07-17 WeAreDevelopers Berlin/ABP.pptx
@@ -276,7 +276,7 @@
           <a:p>
             <a:fld id="{2A14C9FE-EBC3-45D3-899C-58AAF4F8AF71}" type="datetimeFigureOut">
               <a:rPr lang="en-US" smtClean="0"/>
-              <a:t>6/24/2024</a:t>
+              <a:t>7/11/2024</a:t>
             </a:fld>
             <a:endParaRPr lang="en-US"/>
           </a:p>
@@ -474,7 +474,7 @@
           <a:p>
             <a:fld id="{2A14C9FE-EBC3-45D3-899C-58AAF4F8AF71}" type="datetimeFigureOut">
               <a:rPr lang="en-US" smtClean="0"/>
-              <a:t>6/24/2024</a:t>
+              <a:t>7/11/2024</a:t>
             </a:fld>
             <a:endParaRPr lang="en-US"/>
           </a:p>
@@ -682,7 +682,7 @@
           <a:p>
             <a:fld id="{2A14C9FE-EBC3-45D3-899C-58AAF4F8AF71}" type="datetimeFigureOut">
               <a:rPr lang="en-US" smtClean="0"/>
-              <a:t>6/24/2024</a:t>
+              <a:t>7/11/2024</a:t>
             </a:fld>
             <a:endParaRPr lang="en-US"/>
           </a:p>
@@ -880,7 +880,7 @@
           <a:p>
             <a:fld id="{2A14C9FE-EBC3-45D3-899C-58AAF4F8AF71}" type="datetimeFigureOut">
               <a:rPr lang="en-US" smtClean="0"/>
-              <a:t>6/24/2024</a:t>
+              <a:t>7/11/2024</a:t>
             </a:fld>
             <a:endParaRPr lang="en-US"/>
           </a:p>
@@ -1155,7 +1155,7 @@
           <a:p>
             <a:fld id="{2A14C9FE-EBC3-45D3-899C-58AAF4F8AF71}" type="datetimeFigureOut">
               <a:rPr lang="en-US" smtClean="0"/>
-              <a:t>6/24/2024</a:t>
+              <a:t>7/11/2024</a:t>
             </a:fld>
             <a:endParaRPr lang="en-US"/>
           </a:p>
@@ -1420,7 +1420,7 @@
           <a:p>
             <a:fld id="{2A14C9FE-EBC3-45D3-899C-58AAF4F8AF71}" type="datetimeFigureOut">
               <a:rPr lang="en-US" smtClean="0"/>
-              <a:t>6/24/2024</a:t>
+              <a:t>7/11/2024</a:t>
             </a:fld>
             <a:endParaRPr lang="en-US"/>
           </a:p>
@@ -1832,7 +1832,7 @@
           <a:p>
             <a:fld id="{2A14C9FE-EBC3-45D3-899C-58AAF4F8AF71}" type="datetimeFigureOut">
               <a:rPr lang="en-US" smtClean="0"/>
-              <a:t>6/24/2024</a:t>
+              <a:t>7/11/2024</a:t>
             </a:fld>
             <a:endParaRPr lang="en-US"/>
           </a:p>
@@ -1973,7 +1973,7 @@
           <a:p>
             <a:fld id="{2A14C9FE-EBC3-45D3-899C-58AAF4F8AF71}" type="datetimeFigureOut">
               <a:rPr lang="en-US" smtClean="0"/>
-              <a:t>6/24/2024</a:t>
+              <a:t>7/11/2024</a:t>
             </a:fld>
             <a:endParaRPr lang="en-US"/>
           </a:p>
@@ -2086,7 +2086,7 @@
           <a:p>
             <a:fld id="{2A14C9FE-EBC3-45D3-899C-58AAF4F8AF71}" type="datetimeFigureOut">
               <a:rPr lang="en-US" smtClean="0"/>
-              <a:t>6/24/2024</a:t>
+              <a:t>7/11/2024</a:t>
             </a:fld>
             <a:endParaRPr lang="en-US"/>
           </a:p>
@@ -2397,7 +2397,7 @@
           <a:p>
             <a:fld id="{2A14C9FE-EBC3-45D3-899C-58AAF4F8AF71}" type="datetimeFigureOut">
               <a:rPr lang="en-US" smtClean="0"/>
-              <a:t>6/24/2024</a:t>
+              <a:t>7/11/2024</a:t>
             </a:fld>
             <a:endParaRPr lang="en-US"/>
           </a:p>
@@ -2685,7 +2685,7 @@
           <a:p>
             <a:fld id="{2A14C9FE-EBC3-45D3-899C-58AAF4F8AF71}" type="datetimeFigureOut">
               <a:rPr lang="en-US" smtClean="0"/>
-              <a:t>6/24/2024</a:t>
+              <a:t>7/11/2024</a:t>
             </a:fld>
             <a:endParaRPr lang="en-US"/>
           </a:p>
@@ -2926,7 +2926,7 @@
           <a:p>
             <a:fld id="{2A14C9FE-EBC3-45D3-899C-58AAF4F8AF71}" type="datetimeFigureOut">
               <a:rPr lang="en-US" smtClean="0"/>
-              <a:t>6/24/2024</a:t>
+              <a:t>7/11/2024</a:t>
             </a:fld>
             <a:endParaRPr lang="en-US"/>
           </a:p>

--- a/2024-07-17 WeAreDevelopers Berlin/ABP.pptx
+++ b/2024-07-17 WeAreDevelopers Berlin/ABP.pptx
@@ -22,7 +22,6 @@
     <p:sldId id="281" r:id="rId16"/>
     <p:sldId id="272" r:id="rId17"/>
     <p:sldId id="278" r:id="rId18"/>
-    <p:sldId id="269" r:id="rId19"/>
   </p:sldIdLst>
   <p:sldSz cx="12192000" cy="6858000"/>
   <p:notesSz cx="6858000" cy="9144000"/>
@@ -276,7 +275,7 @@
           <a:p>
             <a:fld id="{2A14C9FE-EBC3-45D3-899C-58AAF4F8AF71}" type="datetimeFigureOut">
               <a:rPr lang="en-US" smtClean="0"/>
-              <a:t>7/11/2024</a:t>
+              <a:t>7/17/2024</a:t>
             </a:fld>
             <a:endParaRPr lang="en-US"/>
           </a:p>
@@ -474,7 +473,7 @@
           <a:p>
             <a:fld id="{2A14C9FE-EBC3-45D3-899C-58AAF4F8AF71}" type="datetimeFigureOut">
               <a:rPr lang="en-US" smtClean="0"/>
-              <a:t>7/11/2024</a:t>
+              <a:t>7/17/2024</a:t>
             </a:fld>
             <a:endParaRPr lang="en-US"/>
           </a:p>
@@ -682,7 +681,7 @@
           <a:p>
             <a:fld id="{2A14C9FE-EBC3-45D3-899C-58AAF4F8AF71}" type="datetimeFigureOut">
               <a:rPr lang="en-US" smtClean="0"/>
-              <a:t>7/11/2024</a:t>
+              <a:t>7/17/2024</a:t>
             </a:fld>
             <a:endParaRPr lang="en-US"/>
           </a:p>
@@ -880,7 +879,7 @@
           <a:p>
             <a:fld id="{2A14C9FE-EBC3-45D3-899C-58AAF4F8AF71}" type="datetimeFigureOut">
               <a:rPr lang="en-US" smtClean="0"/>
-              <a:t>7/11/2024</a:t>
+              <a:t>7/17/2024</a:t>
             </a:fld>
             <a:endParaRPr lang="en-US"/>
           </a:p>
@@ -1155,7 +1154,7 @@
           <a:p>
             <a:fld id="{2A14C9FE-EBC3-45D3-899C-58AAF4F8AF71}" type="datetimeFigureOut">
               <a:rPr lang="en-US" smtClean="0"/>
-              <a:t>7/11/2024</a:t>
+              <a:t>7/17/2024</a:t>
             </a:fld>
             <a:endParaRPr lang="en-US"/>
           </a:p>
@@ -1420,7 +1419,7 @@
           <a:p>
             <a:fld id="{2A14C9FE-EBC3-45D3-899C-58AAF4F8AF71}" type="datetimeFigureOut">
               <a:rPr lang="en-US" smtClean="0"/>
-              <a:t>7/11/2024</a:t>
+              <a:t>7/17/2024</a:t>
             </a:fld>
             <a:endParaRPr lang="en-US"/>
           </a:p>
@@ -1832,7 +1831,7 @@
           <a:p>
             <a:fld id="{2A14C9FE-EBC3-45D3-899C-58AAF4F8AF71}" type="datetimeFigureOut">
               <a:rPr lang="en-US" smtClean="0"/>
-              <a:t>7/11/2024</a:t>
+              <a:t>7/17/2024</a:t>
             </a:fld>
             <a:endParaRPr lang="en-US"/>
           </a:p>
@@ -1973,7 +1972,7 @@
           <a:p>
             <a:fld id="{2A14C9FE-EBC3-45D3-899C-58AAF4F8AF71}" type="datetimeFigureOut">
               <a:rPr lang="en-US" smtClean="0"/>
-              <a:t>7/11/2024</a:t>
+              <a:t>7/17/2024</a:t>
             </a:fld>
             <a:endParaRPr lang="en-US"/>
           </a:p>
@@ -2086,7 +2085,7 @@
           <a:p>
             <a:fld id="{2A14C9FE-EBC3-45D3-899C-58AAF4F8AF71}" type="datetimeFigureOut">
               <a:rPr lang="en-US" smtClean="0"/>
-              <a:t>7/11/2024</a:t>
+              <a:t>7/17/2024</a:t>
             </a:fld>
             <a:endParaRPr lang="en-US"/>
           </a:p>
@@ -2397,7 +2396,7 @@
           <a:p>
             <a:fld id="{2A14C9FE-EBC3-45D3-899C-58AAF4F8AF71}" type="datetimeFigureOut">
               <a:rPr lang="en-US" smtClean="0"/>
-              <a:t>7/11/2024</a:t>
+              <a:t>7/17/2024</a:t>
             </a:fld>
             <a:endParaRPr lang="en-US"/>
           </a:p>
@@ -2685,7 +2684,7 @@
           <a:p>
             <a:fld id="{2A14C9FE-EBC3-45D3-899C-58AAF4F8AF71}" type="datetimeFigureOut">
               <a:rPr lang="en-US" smtClean="0"/>
-              <a:t>7/11/2024</a:t>
+              <a:t>7/17/2024</a:t>
             </a:fld>
             <a:endParaRPr lang="en-US"/>
           </a:p>
@@ -2926,7 +2925,7 @@
           <a:p>
             <a:fld id="{2A14C9FE-EBC3-45D3-899C-58AAF4F8AF71}" type="datetimeFigureOut">
               <a:rPr lang="en-US" smtClean="0"/>
-              <a:t>7/11/2024</a:t>
+              <a:t>7/17/2024</a:t>
             </a:fld>
             <a:endParaRPr lang="en-US"/>
           </a:p>
@@ -12741,113 +12740,6 @@
 </p:sld>
 </file>
 
-<file path=ppt/slides/slide18.xml><?xml version="1.0" encoding="utf-8"?>
-<p:sld xmlns:a="http://schemas.openxmlformats.org/drawingml/2006/main" xmlns:r="http://schemas.openxmlformats.org/officeDocument/2006/relationships" xmlns:p="http://schemas.openxmlformats.org/presentationml/2006/main">
-  <p:cSld>
-    <p:bg>
-      <p:bgPr>
-        <a:blipFill dpi="0" rotWithShape="1">
-          <a:blip r:embed="rId2">
-            <a:lum/>
-          </a:blip>
-          <a:srcRect/>
-          <a:stretch>
-            <a:fillRect/>
-          </a:stretch>
-        </a:blipFill>
-        <a:effectLst/>
-      </p:bgPr>
-    </p:bg>
-    <p:spTree>
-      <p:nvGrpSpPr>
-        <p:cNvPr id="1" name=""/>
-        <p:cNvGrpSpPr/>
-        <p:nvPr/>
-      </p:nvGrpSpPr>
-      <p:grpSpPr>
-        <a:xfrm>
-          <a:off x="0" y="0"/>
-          <a:ext cx="0" cy="0"/>
-          <a:chOff x="0" y="0"/>
-          <a:chExt cx="0" cy="0"/>
-        </a:xfrm>
-      </p:grpSpPr>
-      <p:sp>
-        <p:nvSpPr>
-          <p:cNvPr id="2" name="Title 1">
-            <a:extLst>
-              <a:ext uri="{FF2B5EF4-FFF2-40B4-BE49-F238E27FC236}">
-                <a16:creationId xmlns:a16="http://schemas.microsoft.com/office/drawing/2014/main" id="{55E11F08-6CA0-48F1-AD67-97430DDA07F0}"/>
-              </a:ext>
-            </a:extLst>
-          </p:cNvPr>
-          <p:cNvSpPr>
-            <a:spLocks noGrp="1"/>
-          </p:cNvSpPr>
-          <p:nvPr>
-            <p:ph type="title"/>
-          </p:nvPr>
-        </p:nvSpPr>
-        <p:spPr/>
-        <p:txBody>
-          <a:bodyPr/>
-          <a:lstStyle/>
-          <a:p>
-            <a:r>
-              <a:rPr lang="en-US" b="1" dirty="0">
-                <a:solidFill>
-                  <a:srgbClr val="292D33"/>
-                </a:solidFill>
-                <a:latin typeface="Euclid Circular B" panose="020B0504000000000000" pitchFamily="34" charset="0"/>
-                <a:ea typeface="Euclid Circular B" panose="020B0504000000000000" pitchFamily="34" charset="0"/>
-              </a:rPr>
-              <a:t>Topic title</a:t>
-            </a:r>
-          </a:p>
-        </p:txBody>
-      </p:sp>
-      <p:sp>
-        <p:nvSpPr>
-          <p:cNvPr id="6" name="Content Placeholder 5">
-            <a:extLst>
-              <a:ext uri="{FF2B5EF4-FFF2-40B4-BE49-F238E27FC236}">
-                <a16:creationId xmlns:a16="http://schemas.microsoft.com/office/drawing/2014/main" id="{A9435E9E-7C7F-965C-1BAD-0E6EBD7D0B7D}"/>
-              </a:ext>
-            </a:extLst>
-          </p:cNvPr>
-          <p:cNvSpPr>
-            <a:spLocks noGrp="1"/>
-          </p:cNvSpPr>
-          <p:nvPr>
-            <p:ph idx="1"/>
-          </p:nvPr>
-        </p:nvSpPr>
-        <p:spPr/>
-        <p:txBody>
-          <a:bodyPr/>
-          <a:lstStyle/>
-          <a:p>
-            <a:r>
-              <a:rPr lang="tr-TR" dirty="0"/>
-              <a:t>...</a:t>
-            </a:r>
-            <a:endParaRPr lang="en-US" dirty="0"/>
-          </a:p>
-        </p:txBody>
-      </p:sp>
-    </p:spTree>
-    <p:extLst>
-      <p:ext uri="{BB962C8B-B14F-4D97-AF65-F5344CB8AC3E}">
-        <p14:creationId xmlns:p14="http://schemas.microsoft.com/office/powerpoint/2010/main" val="1222127004"/>
-      </p:ext>
-    </p:extLst>
-  </p:cSld>
-  <p:clrMapOvr>
-    <a:masterClrMapping/>
-  </p:clrMapOvr>
-</p:sld>
-</file>
-
 <file path=ppt/slides/slide2.xml><?xml version="1.0" encoding="utf-8"?>
 <p:sld xmlns:a="http://schemas.openxmlformats.org/drawingml/2006/main" xmlns:r="http://schemas.openxmlformats.org/officeDocument/2006/relationships" xmlns:p="http://schemas.openxmlformats.org/presentationml/2006/main">
   <p:cSld>
